--- a/slides/HotChocolate_Part_1.pptx
+++ b/slides/HotChocolate_Part_1.pptx
@@ -6,33 +6,32 @@
   </p:sldMasterIdLst>
   <p:sldIdLst>
     <p:sldId id="256" r:id="rId2"/>
-    <p:sldId id="286" r:id="rId3"/>
-    <p:sldId id="261" r:id="rId4"/>
-    <p:sldId id="262" r:id="rId5"/>
-    <p:sldId id="263" r:id="rId6"/>
-    <p:sldId id="264" r:id="rId7"/>
-    <p:sldId id="265" r:id="rId8"/>
-    <p:sldId id="266" r:id="rId9"/>
-    <p:sldId id="267" r:id="rId10"/>
-    <p:sldId id="268" r:id="rId11"/>
-    <p:sldId id="269" r:id="rId12"/>
-    <p:sldId id="270" r:id="rId13"/>
-    <p:sldId id="271" r:id="rId14"/>
-    <p:sldId id="272" r:id="rId15"/>
-    <p:sldId id="276" r:id="rId16"/>
-    <p:sldId id="273" r:id="rId17"/>
-    <p:sldId id="274" r:id="rId18"/>
-    <p:sldId id="275" r:id="rId19"/>
-    <p:sldId id="277" r:id="rId20"/>
-    <p:sldId id="278" r:id="rId21"/>
-    <p:sldId id="279" r:id="rId22"/>
-    <p:sldId id="280" r:id="rId23"/>
-    <p:sldId id="281" r:id="rId24"/>
-    <p:sldId id="282" r:id="rId25"/>
-    <p:sldId id="283" r:id="rId26"/>
-    <p:sldId id="284" r:id="rId27"/>
-    <p:sldId id="285" r:id="rId28"/>
-    <p:sldId id="287" r:id="rId29"/>
+    <p:sldId id="261" r:id="rId3"/>
+    <p:sldId id="262" r:id="rId4"/>
+    <p:sldId id="263" r:id="rId5"/>
+    <p:sldId id="264" r:id="rId6"/>
+    <p:sldId id="265" r:id="rId7"/>
+    <p:sldId id="266" r:id="rId8"/>
+    <p:sldId id="267" r:id="rId9"/>
+    <p:sldId id="268" r:id="rId10"/>
+    <p:sldId id="269" r:id="rId11"/>
+    <p:sldId id="270" r:id="rId12"/>
+    <p:sldId id="271" r:id="rId13"/>
+    <p:sldId id="272" r:id="rId14"/>
+    <p:sldId id="276" r:id="rId15"/>
+    <p:sldId id="273" r:id="rId16"/>
+    <p:sldId id="274" r:id="rId17"/>
+    <p:sldId id="275" r:id="rId18"/>
+    <p:sldId id="277" r:id="rId19"/>
+    <p:sldId id="278" r:id="rId20"/>
+    <p:sldId id="279" r:id="rId21"/>
+    <p:sldId id="280" r:id="rId22"/>
+    <p:sldId id="281" r:id="rId23"/>
+    <p:sldId id="282" r:id="rId24"/>
+    <p:sldId id="283" r:id="rId25"/>
+    <p:sldId id="284" r:id="rId26"/>
+    <p:sldId id="285" r:id="rId27"/>
+    <p:sldId id="287" r:id="rId28"/>
   </p:sldIdLst>
   <p:sldSz cx="12192000" cy="6858000"/>
   <p:notesSz cx="6858000" cy="9144000"/>
@@ -6271,7 +6270,7 @@
                   </a:schemeClr>
                 </a:solidFill>
               </a:rPr>
-              <a:t>The 3 essential </a:t>
+              <a:t>Who </a:t>
             </a:r>
             <a:r>
               <a:rPr lang="de-DE" dirty="0" err="1">
@@ -6282,7 +6281,7 @@
                   </a:schemeClr>
                 </a:solidFill>
               </a:rPr>
-              <a:t>parts</a:t>
+              <a:t>is</a:t>
             </a:r>
             <a:r>
               <a:rPr lang="de-DE" dirty="0">
@@ -6304,7 +6303,7 @@
                   </a:schemeClr>
                 </a:solidFill>
               </a:rPr>
-              <a:t>of</a:t>
+              <a:t>using</a:t>
             </a:r>
             <a:r>
               <a:rPr lang="de-DE" dirty="0">
@@ -6315,7 +6314,7 @@
                   </a:schemeClr>
                 </a:solidFill>
               </a:rPr>
-              <a:t> GraphQL</a:t>
+              <a:t> Apollo Server?</a:t>
             </a:r>
           </a:p>
         </p:txBody>
@@ -6379,227 +6378,337 @@
       </p:sp>
       <p:pic>
         <p:nvPicPr>
-          <p:cNvPr id="3" name="Picture 2">
-            <a:extLst>
-              <a:ext uri="{FF2B5EF4-FFF2-40B4-BE49-F238E27FC236}">
-                <a16:creationId xmlns:a16="http://schemas.microsoft.com/office/drawing/2014/main" id="{34010DB2-022B-DD47-98B9-0804A1A56596}"/>
+          <p:cNvPr id="11" name="Picture 2">
+            <a:extLst>
+              <a:ext uri="{FF2B5EF4-FFF2-40B4-BE49-F238E27FC236}">
+                <a16:creationId xmlns:a16="http://schemas.microsoft.com/office/drawing/2014/main" id="{0998E87D-5449-4643-BCFC-3331DC3EA2F5}"/>
               </a:ext>
             </a:extLst>
           </p:cNvPr>
           <p:cNvPicPr>
-            <a:picLocks noChangeAspect="1"/>
+            <a:picLocks noChangeAspect="1" noChangeArrowheads="1"/>
           </p:cNvPicPr>
           <p:nvPr/>
         </p:nvPicPr>
         <p:blipFill>
-          <a:blip r:embed="rId2"/>
+          <a:blip r:embed="rId2">
+            <a:extLst>
+              <a:ext uri="{28A0092B-C50C-407E-A947-70E740481C1C}">
+                <a14:useLocalDpi xmlns:a14="http://schemas.microsoft.com/office/drawing/2010/main" val="0"/>
+              </a:ext>
+            </a:extLst>
+          </a:blip>
+          <a:srcRect/>
           <a:stretch>
             <a:fillRect/>
           </a:stretch>
         </p:blipFill>
-        <p:spPr>
+        <p:spPr bwMode="auto">
           <a:xfrm>
-            <a:off x="1306817" y="2369128"/>
-            <a:ext cx="2707230" cy="3602182"/>
-          </a:xfrm>
-          <a:prstGeom prst="rect">
-            <a:avLst/>
-          </a:prstGeom>
-        </p:spPr>
-      </p:pic>
-      <p:pic>
-        <p:nvPicPr>
-          <p:cNvPr id="5" name="Picture 4">
-            <a:extLst>
-              <a:ext uri="{FF2B5EF4-FFF2-40B4-BE49-F238E27FC236}">
-                <a16:creationId xmlns:a16="http://schemas.microsoft.com/office/drawing/2014/main" id="{CE71542F-970A-BB4A-B8C2-E8158485DC31}"/>
-              </a:ext>
-            </a:extLst>
-          </p:cNvPr>
-          <p:cNvPicPr>
-            <a:picLocks noChangeAspect="1"/>
-          </p:cNvPicPr>
-          <p:nvPr/>
-        </p:nvPicPr>
-        <p:blipFill>
-          <a:blip r:embed="rId3"/>
-          <a:stretch>
-            <a:fillRect/>
-          </a:stretch>
-        </p:blipFill>
-        <p:spPr>
-          <a:xfrm>
-            <a:off x="4784436" y="2369128"/>
-            <a:ext cx="1992797" cy="1601355"/>
-          </a:xfrm>
-          <a:prstGeom prst="rect">
-            <a:avLst/>
-          </a:prstGeom>
-        </p:spPr>
-      </p:pic>
-      <p:pic>
-        <p:nvPicPr>
-          <p:cNvPr id="7" name="Picture 6">
-            <a:extLst>
-              <a:ext uri="{FF2B5EF4-FFF2-40B4-BE49-F238E27FC236}">
-                <a16:creationId xmlns:a16="http://schemas.microsoft.com/office/drawing/2014/main" id="{627498F6-47AB-8A41-AAFF-0E577BEBDE3F}"/>
-              </a:ext>
-            </a:extLst>
-          </p:cNvPr>
-          <p:cNvPicPr>
-            <a:picLocks noChangeAspect="1"/>
-          </p:cNvPicPr>
-          <p:nvPr/>
-        </p:nvPicPr>
-        <p:blipFill>
-          <a:blip r:embed="rId4"/>
-          <a:stretch>
-            <a:fillRect/>
-          </a:stretch>
-        </p:blipFill>
-        <p:spPr>
-          <a:xfrm>
-            <a:off x="7547622" y="2369128"/>
-            <a:ext cx="3980178" cy="1601355"/>
-          </a:xfrm>
-          <a:prstGeom prst="rect">
-            <a:avLst/>
-          </a:prstGeom>
-        </p:spPr>
-      </p:pic>
-      <p:sp>
-        <p:nvSpPr>
-          <p:cNvPr id="8" name="Textfeld 11">
-            <a:extLst>
-              <a:ext uri="{FF2B5EF4-FFF2-40B4-BE49-F238E27FC236}">
-                <a16:creationId xmlns:a16="http://schemas.microsoft.com/office/drawing/2014/main" id="{21AFDDDF-2100-EF48-86D6-309FFB2526FC}"/>
-              </a:ext>
-            </a:extLst>
-          </p:cNvPr>
-          <p:cNvSpPr txBox="1"/>
-          <p:nvPr/>
-        </p:nvSpPr>
-        <p:spPr>
-          <a:xfrm>
-            <a:off x="1306817" y="1622610"/>
-            <a:ext cx="2129109" cy="369332"/>
+            <a:off x="1388143" y="2056261"/>
+            <a:ext cx="2274075" cy="710648"/>
           </a:xfrm>
           <a:prstGeom prst="rect">
             <a:avLst/>
           </a:prstGeom>
           <a:noFill/>
+          <a:extLst>
+            <a:ext uri="{909E8E84-426E-40DD-AFC4-6F175D3DCCD1}">
+              <a14:hiddenFill xmlns:a14="http://schemas.microsoft.com/office/drawing/2010/main">
+                <a:solidFill>
+                  <a:srgbClr val="FFFFFF"/>
+                </a:solidFill>
+              </a14:hiddenFill>
+            </a:ext>
+          </a:extLst>
         </p:spPr>
-        <p:txBody>
-          <a:bodyPr wrap="none" rtlCol="0">
-            <a:spAutoFit/>
-          </a:bodyPr>
-          <a:lstStyle/>
-          <a:p>
-            <a:r>
-              <a:rPr lang="en-GB" dirty="0">
-                <a:solidFill>
-                  <a:schemeClr val="tx1">
-                    <a:lumMod val="75000"/>
-                    <a:lumOff val="25000"/>
-                  </a:schemeClr>
-                </a:solidFill>
-                <a:latin typeface="Raleway" pitchFamily="2" charset="77"/>
-              </a:rPr>
-              <a:t>Schema Definition</a:t>
-            </a:r>
-          </a:p>
-        </p:txBody>
-      </p:sp>
-      <p:sp>
-        <p:nvSpPr>
-          <p:cNvPr id="9" name="Textfeld 11">
-            <a:extLst>
-              <a:ext uri="{FF2B5EF4-FFF2-40B4-BE49-F238E27FC236}">
-                <a16:creationId xmlns:a16="http://schemas.microsoft.com/office/drawing/2014/main" id="{71CEE850-FFE0-0F49-A80F-DBF8AE00A80B}"/>
-              </a:ext>
-            </a:extLst>
-          </p:cNvPr>
-          <p:cNvSpPr txBox="1"/>
+      </p:pic>
+      <p:pic>
+        <p:nvPicPr>
+          <p:cNvPr id="12" name="Picture 6">
+            <a:extLst>
+              <a:ext uri="{FF2B5EF4-FFF2-40B4-BE49-F238E27FC236}">
+                <a16:creationId xmlns:a16="http://schemas.microsoft.com/office/drawing/2014/main" id="{F3A27EAA-3D09-914B-8915-69C3C520A732}"/>
+              </a:ext>
+            </a:extLst>
+          </p:cNvPr>
+          <p:cNvPicPr>
+            <a:picLocks noChangeAspect="1" noChangeArrowheads="1"/>
+          </p:cNvPicPr>
           <p:nvPr/>
-        </p:nvSpPr>
-        <p:spPr>
+        </p:nvPicPr>
+        <p:blipFill>
+          <a:blip r:embed="rId3">
+            <a:extLst>
+              <a:ext uri="{28A0092B-C50C-407E-A947-70E740481C1C}">
+                <a14:useLocalDpi xmlns:a14="http://schemas.microsoft.com/office/drawing/2010/main" val="0"/>
+              </a:ext>
+            </a:extLst>
+          </a:blip>
+          <a:srcRect/>
+          <a:stretch>
+            <a:fillRect/>
+          </a:stretch>
+        </p:blipFill>
+        <p:spPr bwMode="auto">
           <a:xfrm>
-            <a:off x="4784436" y="1622610"/>
-            <a:ext cx="1976823" cy="369332"/>
+            <a:off x="4089399" y="3438329"/>
+            <a:ext cx="3817680" cy="515486"/>
           </a:xfrm>
           <a:prstGeom prst="rect">
             <a:avLst/>
           </a:prstGeom>
           <a:noFill/>
+          <a:extLst>
+            <a:ext uri="{909E8E84-426E-40DD-AFC4-6F175D3DCCD1}">
+              <a14:hiddenFill xmlns:a14="http://schemas.microsoft.com/office/drawing/2010/main">
+                <a:solidFill>
+                  <a:srgbClr val="FFFFFF"/>
+                </a:solidFill>
+              </a14:hiddenFill>
+            </a:ext>
+          </a:extLst>
         </p:spPr>
-        <p:txBody>
-          <a:bodyPr wrap="none" rtlCol="0">
-            <a:spAutoFit/>
-          </a:bodyPr>
-          <a:lstStyle/>
-          <a:p>
-            <a:r>
-              <a:rPr lang="en-GB" dirty="0">
-                <a:solidFill>
-                  <a:schemeClr val="tx1">
-                    <a:lumMod val="75000"/>
-                    <a:lumOff val="25000"/>
-                  </a:schemeClr>
-                </a:solidFill>
-                <a:latin typeface="Raleway" pitchFamily="2" charset="77"/>
-              </a:rPr>
-              <a:t>Query Language</a:t>
-            </a:r>
-          </a:p>
-        </p:txBody>
-      </p:sp>
-      <p:sp>
-        <p:nvSpPr>
-          <p:cNvPr id="10" name="Textfeld 11">
-            <a:extLst>
-              <a:ext uri="{FF2B5EF4-FFF2-40B4-BE49-F238E27FC236}">
-                <a16:creationId xmlns:a16="http://schemas.microsoft.com/office/drawing/2014/main" id="{FBAA916D-5E53-5744-A643-654956BCE301}"/>
-              </a:ext>
-            </a:extLst>
-          </p:cNvPr>
-          <p:cNvSpPr txBox="1"/>
+      </p:pic>
+      <p:pic>
+        <p:nvPicPr>
+          <p:cNvPr id="13" name="Picture 10">
+            <a:extLst>
+              <a:ext uri="{FF2B5EF4-FFF2-40B4-BE49-F238E27FC236}">
+                <a16:creationId xmlns:a16="http://schemas.microsoft.com/office/drawing/2014/main" id="{63BE3F69-3DBE-584D-B563-FA1B17E93DB2}"/>
+              </a:ext>
+            </a:extLst>
+          </p:cNvPr>
+          <p:cNvPicPr>
+            <a:picLocks noChangeAspect="1" noChangeArrowheads="1"/>
+          </p:cNvPicPr>
           <p:nvPr/>
-        </p:nvSpPr>
-        <p:spPr>
+        </p:nvPicPr>
+        <p:blipFill>
+          <a:blip r:embed="rId4">
+            <a:extLst>
+              <a:ext uri="{28A0092B-C50C-407E-A947-70E740481C1C}">
+                <a14:useLocalDpi xmlns:a14="http://schemas.microsoft.com/office/drawing/2010/main" val="0"/>
+              </a:ext>
+            </a:extLst>
+          </a:blip>
+          <a:srcRect/>
+          <a:stretch>
+            <a:fillRect/>
+          </a:stretch>
+        </p:blipFill>
+        <p:spPr bwMode="auto">
           <a:xfrm>
-            <a:off x="7547622" y="1622610"/>
-            <a:ext cx="1247457" cy="369332"/>
+            <a:off x="2147246" y="4248374"/>
+            <a:ext cx="2085984" cy="1287534"/>
           </a:xfrm>
           <a:prstGeom prst="rect">
             <a:avLst/>
           </a:prstGeom>
           <a:noFill/>
+          <a:extLst>
+            <a:ext uri="{909E8E84-426E-40DD-AFC4-6F175D3DCCD1}">
+              <a14:hiddenFill xmlns:a14="http://schemas.microsoft.com/office/drawing/2010/main">
+                <a:solidFill>
+                  <a:srgbClr val="FFFFFF"/>
+                </a:solidFill>
+              </a14:hiddenFill>
+            </a:ext>
+          </a:extLst>
         </p:spPr>
-        <p:txBody>
-          <a:bodyPr wrap="none" rtlCol="0">
-            <a:spAutoFit/>
-          </a:bodyPr>
-          <a:lstStyle/>
-          <a:p>
-            <a:r>
-              <a:rPr lang="en-GB" dirty="0">
-                <a:solidFill>
-                  <a:schemeClr val="tx1">
-                    <a:lumMod val="75000"/>
-                    <a:lumOff val="25000"/>
-                  </a:schemeClr>
-                </a:solidFill>
-                <a:latin typeface="Raleway" pitchFamily="2" charset="77"/>
-              </a:rPr>
-              <a:t>Response</a:t>
-            </a:r>
-          </a:p>
-        </p:txBody>
-      </p:sp>
+      </p:pic>
+      <p:pic>
+        <p:nvPicPr>
+          <p:cNvPr id="14" name="Picture 12">
+            <a:extLst>
+              <a:ext uri="{FF2B5EF4-FFF2-40B4-BE49-F238E27FC236}">
+                <a16:creationId xmlns:a16="http://schemas.microsoft.com/office/drawing/2014/main" id="{ECADB419-19AA-314D-B906-E018CF593F15}"/>
+              </a:ext>
+            </a:extLst>
+          </p:cNvPr>
+          <p:cNvPicPr>
+            <a:picLocks noChangeAspect="1" noChangeArrowheads="1"/>
+          </p:cNvPicPr>
+          <p:nvPr/>
+        </p:nvPicPr>
+        <p:blipFill>
+          <a:blip r:embed="rId5">
+            <a:extLst>
+              <a:ext uri="{28A0092B-C50C-407E-A947-70E740481C1C}">
+                <a14:useLocalDpi xmlns:a14="http://schemas.microsoft.com/office/drawing/2010/main" val="0"/>
+              </a:ext>
+            </a:extLst>
+          </a:blip>
+          <a:srcRect/>
+          <a:stretch>
+            <a:fillRect/>
+          </a:stretch>
+        </p:blipFill>
+        <p:spPr bwMode="auto">
+          <a:xfrm>
+            <a:off x="9027973" y="4002948"/>
+            <a:ext cx="1556995" cy="934197"/>
+          </a:xfrm>
+          <a:prstGeom prst="rect">
+            <a:avLst/>
+          </a:prstGeom>
+          <a:noFill/>
+          <a:extLst>
+            <a:ext uri="{909E8E84-426E-40DD-AFC4-6F175D3DCCD1}">
+              <a14:hiddenFill xmlns:a14="http://schemas.microsoft.com/office/drawing/2010/main">
+                <a:solidFill>
+                  <a:srgbClr val="FFFFFF"/>
+                </a:solidFill>
+              </a14:hiddenFill>
+            </a:ext>
+          </a:extLst>
+        </p:spPr>
+      </p:pic>
+      <p:pic>
+        <p:nvPicPr>
+          <p:cNvPr id="15" name="Picture 18" descr="Medium Branding Guidelines | by Medium | Medium.design">
+            <a:extLst>
+              <a:ext uri="{FF2B5EF4-FFF2-40B4-BE49-F238E27FC236}">
+                <a16:creationId xmlns:a16="http://schemas.microsoft.com/office/drawing/2014/main" id="{1FA8C28B-DC50-344E-82FA-48575C568905}"/>
+              </a:ext>
+            </a:extLst>
+          </p:cNvPr>
+          <p:cNvPicPr>
+            <a:picLocks noChangeAspect="1" noChangeArrowheads="1"/>
+          </p:cNvPicPr>
+          <p:nvPr/>
+        </p:nvPicPr>
+        <p:blipFill>
+          <a:blip r:embed="rId6">
+            <a:extLst>
+              <a:ext uri="{28A0092B-C50C-407E-A947-70E740481C1C}">
+                <a14:useLocalDpi xmlns:a14="http://schemas.microsoft.com/office/drawing/2010/main" val="0"/>
+              </a:ext>
+            </a:extLst>
+          </a:blip>
+          <a:srcRect/>
+          <a:stretch>
+            <a:fillRect/>
+          </a:stretch>
+        </p:blipFill>
+        <p:spPr bwMode="auto">
+          <a:xfrm>
+            <a:off x="8927023" y="2448343"/>
+            <a:ext cx="2363634" cy="459716"/>
+          </a:xfrm>
+          <a:prstGeom prst="rect">
+            <a:avLst/>
+          </a:prstGeom>
+          <a:noFill/>
+          <a:extLst>
+            <a:ext uri="{909E8E84-426E-40DD-AFC4-6F175D3DCCD1}">
+              <a14:hiddenFill xmlns:a14="http://schemas.microsoft.com/office/drawing/2010/main">
+                <a:solidFill>
+                  <a:srgbClr val="FFFFFF"/>
+                </a:solidFill>
+              </a14:hiddenFill>
+            </a:ext>
+          </a:extLst>
+        </p:spPr>
+      </p:pic>
+      <p:pic>
+        <p:nvPicPr>
+          <p:cNvPr id="16" name="Picture 20">
+            <a:extLst>
+              <a:ext uri="{FF2B5EF4-FFF2-40B4-BE49-F238E27FC236}">
+                <a16:creationId xmlns:a16="http://schemas.microsoft.com/office/drawing/2014/main" id="{98DF83C9-4B5D-4D4F-900B-95DB8BEA44F4}"/>
+              </a:ext>
+            </a:extLst>
+          </p:cNvPr>
+          <p:cNvPicPr>
+            <a:picLocks noChangeAspect="1" noChangeArrowheads="1"/>
+          </p:cNvPicPr>
+          <p:nvPr/>
+        </p:nvPicPr>
+        <p:blipFill>
+          <a:blip r:embed="rId7">
+            <a:extLst>
+              <a:ext uri="{28A0092B-C50C-407E-A947-70E740481C1C}">
+                <a14:useLocalDpi xmlns:a14="http://schemas.microsoft.com/office/drawing/2010/main" val="0"/>
+              </a:ext>
+            </a:extLst>
+          </a:blip>
+          <a:srcRect/>
+          <a:stretch>
+            <a:fillRect/>
+          </a:stretch>
+        </p:blipFill>
+        <p:spPr bwMode="auto">
+          <a:xfrm>
+            <a:off x="5377793" y="5191078"/>
+            <a:ext cx="1667439" cy="1017420"/>
+          </a:xfrm>
+          <a:prstGeom prst="rect">
+            <a:avLst/>
+          </a:prstGeom>
+          <a:noFill/>
+          <a:extLst>
+            <a:ext uri="{909E8E84-426E-40DD-AFC4-6F175D3DCCD1}">
+              <a14:hiddenFill xmlns:a14="http://schemas.microsoft.com/office/drawing/2010/main">
+                <a:solidFill>
+                  <a:srgbClr val="FFFFFF"/>
+                </a:solidFill>
+              </a14:hiddenFill>
+            </a:ext>
+          </a:extLst>
+        </p:spPr>
+      </p:pic>
+      <p:pic>
+        <p:nvPicPr>
+          <p:cNvPr id="17" name="Picture 2" descr="PayPal Logo | Logo, zeichen, emblem, symbol. Geschichte und Bedeutung">
+            <a:extLst>
+              <a:ext uri="{FF2B5EF4-FFF2-40B4-BE49-F238E27FC236}">
+                <a16:creationId xmlns:a16="http://schemas.microsoft.com/office/drawing/2014/main" id="{AEF2E775-ED0C-1843-BECA-B914D1CCDCF9}"/>
+              </a:ext>
+            </a:extLst>
+          </p:cNvPr>
+          <p:cNvPicPr>
+            <a:picLocks noChangeAspect="1" noChangeArrowheads="1"/>
+          </p:cNvPicPr>
+          <p:nvPr/>
+        </p:nvPicPr>
+        <p:blipFill>
+          <a:blip r:embed="rId8">
+            <a:extLst>
+              <a:ext uri="{28A0092B-C50C-407E-A947-70E740481C1C}">
+                <a14:useLocalDpi xmlns:a14="http://schemas.microsoft.com/office/drawing/2010/main" val="0"/>
+              </a:ext>
+            </a:extLst>
+          </a:blip>
+          <a:srcRect/>
+          <a:stretch>
+            <a:fillRect/>
+          </a:stretch>
+        </p:blipFill>
+        <p:spPr bwMode="auto">
+          <a:xfrm>
+            <a:off x="5157583" y="1464359"/>
+            <a:ext cx="2274075" cy="1279167"/>
+          </a:xfrm>
+          <a:prstGeom prst="rect">
+            <a:avLst/>
+          </a:prstGeom>
+          <a:noFill/>
+          <a:extLst>
+            <a:ext uri="{909E8E84-426E-40DD-AFC4-6F175D3DCCD1}">
+              <a14:hiddenFill xmlns:a14="http://schemas.microsoft.com/office/drawing/2010/main">
+                <a:solidFill>
+                  <a:srgbClr val="FFFFFF"/>
+                </a:solidFill>
+              </a14:hiddenFill>
+            </a:ext>
+          </a:extLst>
+        </p:spPr>
+      </p:pic>
     </p:spTree>
     <p:extLst>
       <p:ext uri="{BB962C8B-B14F-4D97-AF65-F5344CB8AC3E}">
-        <p14:creationId xmlns:p14="http://schemas.microsoft.com/office/powerpoint/2010/main" val="3150440644"/>
+        <p14:creationId xmlns:p14="http://schemas.microsoft.com/office/powerpoint/2010/main" val="431932209"/>
       </p:ext>
     </p:extLst>
   </p:cSld>
@@ -6656,7 +6765,7 @@
                   </a:schemeClr>
                 </a:solidFill>
               </a:rPr>
-              <a:t>Who </a:t>
+              <a:t>The Hot </a:t>
             </a:r>
             <a:r>
               <a:rPr lang="de-DE" dirty="0" err="1">
@@ -6667,7 +6776,7 @@
                   </a:schemeClr>
                 </a:solidFill>
               </a:rPr>
-              <a:t>is</a:t>
+              <a:t>Chocolate</a:t>
             </a:r>
             <a:r>
               <a:rPr lang="de-DE" dirty="0">
@@ -6689,19 +6798,16 @@
                   </a:schemeClr>
                 </a:solidFill>
               </a:rPr>
-              <a:t>using</a:t>
-            </a:r>
-            <a:r>
-              <a:rPr lang="de-DE" dirty="0">
-                <a:solidFill>
-                  <a:schemeClr val="tx1">
-                    <a:lumMod val="75000"/>
-                    <a:lumOff val="25000"/>
-                  </a:schemeClr>
-                </a:solidFill>
-              </a:rPr>
-              <a:t> Apollo Server?</a:t>
-            </a:r>
+              <a:t>universe</a:t>
+            </a:r>
+            <a:endParaRPr lang="de-DE" dirty="0">
+              <a:solidFill>
+                <a:schemeClr val="tx1">
+                  <a:lumMod val="75000"/>
+                  <a:lumOff val="25000"/>
+                </a:schemeClr>
+              </a:solidFill>
+            </a:endParaRPr>
           </a:p>
         </p:txBody>
       </p:sp>
@@ -6764,10 +6870,10 @@
       </p:sp>
       <p:pic>
         <p:nvPicPr>
-          <p:cNvPr id="11" name="Picture 2">
-            <a:extLst>
-              <a:ext uri="{FF2B5EF4-FFF2-40B4-BE49-F238E27FC236}">
-                <a16:creationId xmlns:a16="http://schemas.microsoft.com/office/drawing/2014/main" id="{0998E87D-5449-4643-BCFC-3331DC3EA2F5}"/>
+          <p:cNvPr id="11" name="Picture 2" descr="NuGet Gallery | HotChocolate 11.3.7">
+            <a:extLst>
+              <a:ext uri="{FF2B5EF4-FFF2-40B4-BE49-F238E27FC236}">
+                <a16:creationId xmlns:a16="http://schemas.microsoft.com/office/drawing/2014/main" id="{B75B320E-84AB-7C45-9A4F-6A6F8BA9D229}"/>
               </a:ext>
             </a:extLst>
           </p:cNvPr>
@@ -6791,8 +6897,8 @@
         </p:blipFill>
         <p:spPr bwMode="auto">
           <a:xfrm>
-            <a:off x="1388143" y="2056261"/>
-            <a:ext cx="2274075" cy="710648"/>
+            <a:off x="585871" y="2317917"/>
+            <a:ext cx="2624707" cy="2624707"/>
           </a:xfrm>
           <a:prstGeom prst="rect">
             <a:avLst/>
@@ -6811,10 +6917,10 @@
       </p:pic>
       <p:pic>
         <p:nvPicPr>
-          <p:cNvPr id="12" name="Picture 6">
-            <a:extLst>
-              <a:ext uri="{FF2B5EF4-FFF2-40B4-BE49-F238E27FC236}">
-                <a16:creationId xmlns:a16="http://schemas.microsoft.com/office/drawing/2014/main" id="{F3A27EAA-3D09-914B-8915-69C3C520A732}"/>
+          <p:cNvPr id="2050" name="Picture 2" descr="NuGet Gallery | StrawberryShake.Tools 12.3.2">
+            <a:extLst>
+              <a:ext uri="{FF2B5EF4-FFF2-40B4-BE49-F238E27FC236}">
+                <a16:creationId xmlns:a16="http://schemas.microsoft.com/office/drawing/2014/main" id="{52CC653F-872F-E843-B65F-E8156CF91F9A}"/>
               </a:ext>
             </a:extLst>
           </p:cNvPr>
@@ -6838,8 +6944,8 @@
         </p:blipFill>
         <p:spPr bwMode="auto">
           <a:xfrm>
-            <a:off x="4089399" y="3438329"/>
-            <a:ext cx="3817680" cy="515486"/>
+            <a:off x="3653924" y="2405299"/>
+            <a:ext cx="2449945" cy="2449945"/>
           </a:xfrm>
           <a:prstGeom prst="rect">
             <a:avLst/>
@@ -6858,10 +6964,10 @@
       </p:pic>
       <p:pic>
         <p:nvPicPr>
-          <p:cNvPr id="13" name="Picture 10">
-            <a:extLst>
-              <a:ext uri="{FF2B5EF4-FFF2-40B4-BE49-F238E27FC236}">
-                <a16:creationId xmlns:a16="http://schemas.microsoft.com/office/drawing/2014/main" id="{63BE3F69-3DBE-584D-B563-FA1B17E93DB2}"/>
+          <p:cNvPr id="2052" name="Picture 4" descr="NuGet Gallery | GreenDonut 12.3.2">
+            <a:extLst>
+              <a:ext uri="{FF2B5EF4-FFF2-40B4-BE49-F238E27FC236}">
+                <a16:creationId xmlns:a16="http://schemas.microsoft.com/office/drawing/2014/main" id="{E36A4E3F-3C66-9844-8639-A356DA266B14}"/>
               </a:ext>
             </a:extLst>
           </p:cNvPr>
@@ -6885,8 +6991,8 @@
         </p:blipFill>
         <p:spPr bwMode="auto">
           <a:xfrm>
-            <a:off x="2147246" y="4248374"/>
-            <a:ext cx="2085984" cy="1287534"/>
+            <a:off x="6379416" y="2317917"/>
+            <a:ext cx="2743200" cy="2743200"/>
           </a:xfrm>
           <a:prstGeom prst="rect">
             <a:avLst/>
@@ -6905,10 +7011,10 @@
       </p:pic>
       <p:pic>
         <p:nvPicPr>
-          <p:cNvPr id="14" name="Picture 12">
-            <a:extLst>
-              <a:ext uri="{FF2B5EF4-FFF2-40B4-BE49-F238E27FC236}">
-                <a16:creationId xmlns:a16="http://schemas.microsoft.com/office/drawing/2014/main" id="{ECADB419-19AA-314D-B906-E018CF593F15}"/>
+          <p:cNvPr id="2054" name="Picture 6" descr="ChilliCream · GitHub">
+            <a:extLst>
+              <a:ext uri="{FF2B5EF4-FFF2-40B4-BE49-F238E27FC236}">
+                <a16:creationId xmlns:a16="http://schemas.microsoft.com/office/drawing/2014/main" id="{A773B1C6-8309-0244-8AF0-2205DAE28D27}"/>
               </a:ext>
             </a:extLst>
           </p:cNvPr>
@@ -6932,8 +7038,8 @@
         </p:blipFill>
         <p:spPr bwMode="auto">
           <a:xfrm>
-            <a:off x="9027973" y="4002948"/>
-            <a:ext cx="1556995" cy="934197"/>
+            <a:off x="9733761" y="2730500"/>
+            <a:ext cx="1397000" cy="1397000"/>
           </a:xfrm>
           <a:prstGeom prst="rect">
             <a:avLst/>
@@ -6950,151 +7056,53 @@
           </a:extLst>
         </p:spPr>
       </p:pic>
-      <p:pic>
-        <p:nvPicPr>
-          <p:cNvPr id="15" name="Picture 18" descr="Medium Branding Guidelines | by Medium | Medium.design">
-            <a:extLst>
-              <a:ext uri="{FF2B5EF4-FFF2-40B4-BE49-F238E27FC236}">
-                <a16:creationId xmlns:a16="http://schemas.microsoft.com/office/drawing/2014/main" id="{1FA8C28B-DC50-344E-82FA-48575C568905}"/>
-              </a:ext>
-            </a:extLst>
-          </p:cNvPr>
-          <p:cNvPicPr>
-            <a:picLocks noChangeAspect="1" noChangeArrowheads="1"/>
-          </p:cNvPicPr>
+      <p:sp>
+        <p:nvSpPr>
+          <p:cNvPr id="14" name="Textfeld 11">
+            <a:extLst>
+              <a:ext uri="{FF2B5EF4-FFF2-40B4-BE49-F238E27FC236}">
+                <a16:creationId xmlns:a16="http://schemas.microsoft.com/office/drawing/2014/main" id="{6282B5D8-157F-7643-AC66-48AEBE5D7A0D}"/>
+              </a:ext>
+            </a:extLst>
+          </p:cNvPr>
+          <p:cNvSpPr txBox="1"/>
           <p:nvPr/>
-        </p:nvPicPr>
-        <p:blipFill>
-          <a:blip r:embed="rId6">
-            <a:extLst>
-              <a:ext uri="{28A0092B-C50C-407E-A947-70E740481C1C}">
-                <a14:useLocalDpi xmlns:a14="http://schemas.microsoft.com/office/drawing/2010/main" val="0"/>
-              </a:ext>
-            </a:extLst>
-          </a:blip>
-          <a:srcRect/>
-          <a:stretch>
-            <a:fillRect/>
-          </a:stretch>
-        </p:blipFill>
-        <p:spPr bwMode="auto">
+        </p:nvSpPr>
+        <p:spPr>
           <a:xfrm>
-            <a:off x="8927023" y="2448343"/>
-            <a:ext cx="2363634" cy="459716"/>
+            <a:off x="9398163" y="4259591"/>
+            <a:ext cx="2068195" cy="369332"/>
           </a:xfrm>
           <a:prstGeom prst="rect">
             <a:avLst/>
           </a:prstGeom>
           <a:noFill/>
-          <a:extLst>
-            <a:ext uri="{909E8E84-426E-40DD-AFC4-6F175D3DCCD1}">
-              <a14:hiddenFill xmlns:a14="http://schemas.microsoft.com/office/drawing/2010/main">
-                <a:solidFill>
-                  <a:srgbClr val="FFFFFF"/>
-                </a:solidFill>
-              </a14:hiddenFill>
-            </a:ext>
-          </a:extLst>
         </p:spPr>
-      </p:pic>
-      <p:pic>
-        <p:nvPicPr>
-          <p:cNvPr id="16" name="Picture 20">
-            <a:extLst>
-              <a:ext uri="{FF2B5EF4-FFF2-40B4-BE49-F238E27FC236}">
-                <a16:creationId xmlns:a16="http://schemas.microsoft.com/office/drawing/2014/main" id="{98DF83C9-4B5D-4D4F-900B-95DB8BEA44F4}"/>
-              </a:ext>
-            </a:extLst>
-          </p:cNvPr>
-          <p:cNvPicPr>
-            <a:picLocks noChangeAspect="1" noChangeArrowheads="1"/>
-          </p:cNvPicPr>
-          <p:nvPr/>
-        </p:nvPicPr>
-        <p:blipFill>
-          <a:blip r:embed="rId7">
-            <a:extLst>
-              <a:ext uri="{28A0092B-C50C-407E-A947-70E740481C1C}">
-                <a14:useLocalDpi xmlns:a14="http://schemas.microsoft.com/office/drawing/2010/main" val="0"/>
-              </a:ext>
-            </a:extLst>
-          </a:blip>
-          <a:srcRect/>
-          <a:stretch>
-            <a:fillRect/>
-          </a:stretch>
-        </p:blipFill>
-        <p:spPr bwMode="auto">
-          <a:xfrm>
-            <a:off x="5377793" y="5191078"/>
-            <a:ext cx="1667439" cy="1017420"/>
-          </a:xfrm>
-          <a:prstGeom prst="rect">
-            <a:avLst/>
-          </a:prstGeom>
-          <a:noFill/>
-          <a:extLst>
-            <a:ext uri="{909E8E84-426E-40DD-AFC4-6F175D3DCCD1}">
-              <a14:hiddenFill xmlns:a14="http://schemas.microsoft.com/office/drawing/2010/main">
-                <a:solidFill>
-                  <a:srgbClr val="FFFFFF"/>
-                </a:solidFill>
-              </a14:hiddenFill>
-            </a:ext>
-          </a:extLst>
-        </p:spPr>
-      </p:pic>
-      <p:pic>
-        <p:nvPicPr>
-          <p:cNvPr id="17" name="Picture 2" descr="PayPal Logo | Logo, zeichen, emblem, symbol. Geschichte und Bedeutung">
-            <a:extLst>
-              <a:ext uri="{FF2B5EF4-FFF2-40B4-BE49-F238E27FC236}">
-                <a16:creationId xmlns:a16="http://schemas.microsoft.com/office/drawing/2014/main" id="{AEF2E775-ED0C-1843-BECA-B914D1CCDCF9}"/>
-              </a:ext>
-            </a:extLst>
-          </p:cNvPr>
-          <p:cNvPicPr>
-            <a:picLocks noChangeAspect="1" noChangeArrowheads="1"/>
-          </p:cNvPicPr>
-          <p:nvPr/>
-        </p:nvPicPr>
-        <p:blipFill>
-          <a:blip r:embed="rId8">
-            <a:extLst>
-              <a:ext uri="{28A0092B-C50C-407E-A947-70E740481C1C}">
-                <a14:useLocalDpi xmlns:a14="http://schemas.microsoft.com/office/drawing/2010/main" val="0"/>
-              </a:ext>
-            </a:extLst>
-          </a:blip>
-          <a:srcRect/>
-          <a:stretch>
-            <a:fillRect/>
-          </a:stretch>
-        </p:blipFill>
-        <p:spPr bwMode="auto">
-          <a:xfrm>
-            <a:off x="5157583" y="1464359"/>
-            <a:ext cx="2274075" cy="1279167"/>
-          </a:xfrm>
-          <a:prstGeom prst="rect">
-            <a:avLst/>
-          </a:prstGeom>
-          <a:noFill/>
-          <a:extLst>
-            <a:ext uri="{909E8E84-426E-40DD-AFC4-6F175D3DCCD1}">
-              <a14:hiddenFill xmlns:a14="http://schemas.microsoft.com/office/drawing/2010/main">
-                <a:solidFill>
-                  <a:srgbClr val="FFFFFF"/>
-                </a:solidFill>
-              </a14:hiddenFill>
-            </a:ext>
-          </a:extLst>
-        </p:spPr>
-      </p:pic>
+        <p:txBody>
+          <a:bodyPr wrap="none" rtlCol="0">
+            <a:spAutoFit/>
+          </a:bodyPr>
+          <a:lstStyle/>
+          <a:p>
+            <a:r>
+              <a:rPr lang="en-GB" dirty="0">
+                <a:solidFill>
+                  <a:schemeClr val="tx1">
+                    <a:lumMod val="75000"/>
+                    <a:lumOff val="25000"/>
+                  </a:schemeClr>
+                </a:solidFill>
+                <a:latin typeface="Raleway" pitchFamily="2" charset="77"/>
+              </a:rPr>
+              <a:t>Banana Cake Pop</a:t>
+            </a:r>
+          </a:p>
+        </p:txBody>
+      </p:sp>
     </p:spTree>
     <p:extLst>
       <p:ext uri="{BB962C8B-B14F-4D97-AF65-F5344CB8AC3E}">
-        <p14:creationId xmlns:p14="http://schemas.microsoft.com/office/powerpoint/2010/main" val="431932209"/>
+        <p14:creationId xmlns:p14="http://schemas.microsoft.com/office/powerpoint/2010/main" val="2203419393"/>
       </p:ext>
     </p:extLst>
   </p:cSld>
@@ -7151,7 +7159,7 @@
                   </a:schemeClr>
                 </a:solidFill>
               </a:rPr>
-              <a:t>The Hot </a:t>
+              <a:t>Clients </a:t>
             </a:r>
             <a:r>
               <a:rPr lang="de-DE" dirty="0" err="1">
@@ -7162,7 +7170,7 @@
                   </a:schemeClr>
                 </a:solidFill>
               </a:rPr>
-              <a:t>Chocolate</a:t>
+              <a:t>for</a:t>
             </a:r>
             <a:r>
               <a:rPr lang="de-DE" dirty="0">
@@ -7173,27 +7181,8 @@
                   </a:schemeClr>
                 </a:solidFill>
               </a:rPr>
-              <a:t> </a:t>
-            </a:r>
-            <a:r>
-              <a:rPr lang="de-DE" dirty="0" err="1">
-                <a:solidFill>
-                  <a:schemeClr val="tx1">
-                    <a:lumMod val="75000"/>
-                    <a:lumOff val="25000"/>
-                  </a:schemeClr>
-                </a:solidFill>
-              </a:rPr>
-              <a:t>universe</a:t>
-            </a:r>
-            <a:endParaRPr lang="de-DE" dirty="0">
-              <a:solidFill>
-                <a:schemeClr val="tx1">
-                  <a:lumMod val="75000"/>
-                  <a:lumOff val="25000"/>
-                </a:schemeClr>
-              </a:solidFill>
-            </a:endParaRPr>
+              <a:t> GraphQL</a:t>
+            </a:r>
           </a:p>
         </p:txBody>
       </p:sp>
@@ -7238,381 +7227,6 @@
               <a:rPr lang="de-DE" b="1" smtClean="0"/>
               <a:pPr/>
               <a:t>12</a:t>
-            </a:fld>
-            <a:r>
-              <a:rPr lang="de-DE"/>
-              <a:t> </a:t>
-            </a:r>
-            <a:r>
-              <a:rPr lang="de-DE">
-                <a:solidFill>
-                  <a:srgbClr val="4F4F4F"/>
-                </a:solidFill>
-              </a:rPr>
-              <a:t>| cloudklabauter.de</a:t>
-            </a:r>
-          </a:p>
-        </p:txBody>
-      </p:sp>
-      <p:pic>
-        <p:nvPicPr>
-          <p:cNvPr id="11" name="Picture 2" descr="NuGet Gallery | HotChocolate 11.3.7">
-            <a:extLst>
-              <a:ext uri="{FF2B5EF4-FFF2-40B4-BE49-F238E27FC236}">
-                <a16:creationId xmlns:a16="http://schemas.microsoft.com/office/drawing/2014/main" id="{B75B320E-84AB-7C45-9A4F-6A6F8BA9D229}"/>
-              </a:ext>
-            </a:extLst>
-          </p:cNvPr>
-          <p:cNvPicPr>
-            <a:picLocks noChangeAspect="1" noChangeArrowheads="1"/>
-          </p:cNvPicPr>
-          <p:nvPr/>
-        </p:nvPicPr>
-        <p:blipFill>
-          <a:blip r:embed="rId2">
-            <a:extLst>
-              <a:ext uri="{28A0092B-C50C-407E-A947-70E740481C1C}">
-                <a14:useLocalDpi xmlns:a14="http://schemas.microsoft.com/office/drawing/2010/main" val="0"/>
-              </a:ext>
-            </a:extLst>
-          </a:blip>
-          <a:srcRect/>
-          <a:stretch>
-            <a:fillRect/>
-          </a:stretch>
-        </p:blipFill>
-        <p:spPr bwMode="auto">
-          <a:xfrm>
-            <a:off x="585871" y="2317917"/>
-            <a:ext cx="2624707" cy="2624707"/>
-          </a:xfrm>
-          <a:prstGeom prst="rect">
-            <a:avLst/>
-          </a:prstGeom>
-          <a:noFill/>
-          <a:extLst>
-            <a:ext uri="{909E8E84-426E-40DD-AFC4-6F175D3DCCD1}">
-              <a14:hiddenFill xmlns:a14="http://schemas.microsoft.com/office/drawing/2010/main">
-                <a:solidFill>
-                  <a:srgbClr val="FFFFFF"/>
-                </a:solidFill>
-              </a14:hiddenFill>
-            </a:ext>
-          </a:extLst>
-        </p:spPr>
-      </p:pic>
-      <p:pic>
-        <p:nvPicPr>
-          <p:cNvPr id="2050" name="Picture 2" descr="NuGet Gallery | StrawberryShake.Tools 12.3.2">
-            <a:extLst>
-              <a:ext uri="{FF2B5EF4-FFF2-40B4-BE49-F238E27FC236}">
-                <a16:creationId xmlns:a16="http://schemas.microsoft.com/office/drawing/2014/main" id="{52CC653F-872F-E843-B65F-E8156CF91F9A}"/>
-              </a:ext>
-            </a:extLst>
-          </p:cNvPr>
-          <p:cNvPicPr>
-            <a:picLocks noChangeAspect="1" noChangeArrowheads="1"/>
-          </p:cNvPicPr>
-          <p:nvPr/>
-        </p:nvPicPr>
-        <p:blipFill>
-          <a:blip r:embed="rId3">
-            <a:extLst>
-              <a:ext uri="{28A0092B-C50C-407E-A947-70E740481C1C}">
-                <a14:useLocalDpi xmlns:a14="http://schemas.microsoft.com/office/drawing/2010/main" val="0"/>
-              </a:ext>
-            </a:extLst>
-          </a:blip>
-          <a:srcRect/>
-          <a:stretch>
-            <a:fillRect/>
-          </a:stretch>
-        </p:blipFill>
-        <p:spPr bwMode="auto">
-          <a:xfrm>
-            <a:off x="3653924" y="2405299"/>
-            <a:ext cx="2449945" cy="2449945"/>
-          </a:xfrm>
-          <a:prstGeom prst="rect">
-            <a:avLst/>
-          </a:prstGeom>
-          <a:noFill/>
-          <a:extLst>
-            <a:ext uri="{909E8E84-426E-40DD-AFC4-6F175D3DCCD1}">
-              <a14:hiddenFill xmlns:a14="http://schemas.microsoft.com/office/drawing/2010/main">
-                <a:solidFill>
-                  <a:srgbClr val="FFFFFF"/>
-                </a:solidFill>
-              </a14:hiddenFill>
-            </a:ext>
-          </a:extLst>
-        </p:spPr>
-      </p:pic>
-      <p:pic>
-        <p:nvPicPr>
-          <p:cNvPr id="2052" name="Picture 4" descr="NuGet Gallery | GreenDonut 12.3.2">
-            <a:extLst>
-              <a:ext uri="{FF2B5EF4-FFF2-40B4-BE49-F238E27FC236}">
-                <a16:creationId xmlns:a16="http://schemas.microsoft.com/office/drawing/2014/main" id="{E36A4E3F-3C66-9844-8639-A356DA266B14}"/>
-              </a:ext>
-            </a:extLst>
-          </p:cNvPr>
-          <p:cNvPicPr>
-            <a:picLocks noChangeAspect="1" noChangeArrowheads="1"/>
-          </p:cNvPicPr>
-          <p:nvPr/>
-        </p:nvPicPr>
-        <p:blipFill>
-          <a:blip r:embed="rId4">
-            <a:extLst>
-              <a:ext uri="{28A0092B-C50C-407E-A947-70E740481C1C}">
-                <a14:useLocalDpi xmlns:a14="http://schemas.microsoft.com/office/drawing/2010/main" val="0"/>
-              </a:ext>
-            </a:extLst>
-          </a:blip>
-          <a:srcRect/>
-          <a:stretch>
-            <a:fillRect/>
-          </a:stretch>
-        </p:blipFill>
-        <p:spPr bwMode="auto">
-          <a:xfrm>
-            <a:off x="6379416" y="2317917"/>
-            <a:ext cx="2743200" cy="2743200"/>
-          </a:xfrm>
-          <a:prstGeom prst="rect">
-            <a:avLst/>
-          </a:prstGeom>
-          <a:noFill/>
-          <a:extLst>
-            <a:ext uri="{909E8E84-426E-40DD-AFC4-6F175D3DCCD1}">
-              <a14:hiddenFill xmlns:a14="http://schemas.microsoft.com/office/drawing/2010/main">
-                <a:solidFill>
-                  <a:srgbClr val="FFFFFF"/>
-                </a:solidFill>
-              </a14:hiddenFill>
-            </a:ext>
-          </a:extLst>
-        </p:spPr>
-      </p:pic>
-      <p:pic>
-        <p:nvPicPr>
-          <p:cNvPr id="2054" name="Picture 6" descr="ChilliCream · GitHub">
-            <a:extLst>
-              <a:ext uri="{FF2B5EF4-FFF2-40B4-BE49-F238E27FC236}">
-                <a16:creationId xmlns:a16="http://schemas.microsoft.com/office/drawing/2014/main" id="{A773B1C6-8309-0244-8AF0-2205DAE28D27}"/>
-              </a:ext>
-            </a:extLst>
-          </p:cNvPr>
-          <p:cNvPicPr>
-            <a:picLocks noChangeAspect="1" noChangeArrowheads="1"/>
-          </p:cNvPicPr>
-          <p:nvPr/>
-        </p:nvPicPr>
-        <p:blipFill>
-          <a:blip r:embed="rId5">
-            <a:extLst>
-              <a:ext uri="{28A0092B-C50C-407E-A947-70E740481C1C}">
-                <a14:useLocalDpi xmlns:a14="http://schemas.microsoft.com/office/drawing/2010/main" val="0"/>
-              </a:ext>
-            </a:extLst>
-          </a:blip>
-          <a:srcRect/>
-          <a:stretch>
-            <a:fillRect/>
-          </a:stretch>
-        </p:blipFill>
-        <p:spPr bwMode="auto">
-          <a:xfrm>
-            <a:off x="9733761" y="2730500"/>
-            <a:ext cx="1397000" cy="1397000"/>
-          </a:xfrm>
-          <a:prstGeom prst="rect">
-            <a:avLst/>
-          </a:prstGeom>
-          <a:noFill/>
-          <a:extLst>
-            <a:ext uri="{909E8E84-426E-40DD-AFC4-6F175D3DCCD1}">
-              <a14:hiddenFill xmlns:a14="http://schemas.microsoft.com/office/drawing/2010/main">
-                <a:solidFill>
-                  <a:srgbClr val="FFFFFF"/>
-                </a:solidFill>
-              </a14:hiddenFill>
-            </a:ext>
-          </a:extLst>
-        </p:spPr>
-      </p:pic>
-      <p:sp>
-        <p:nvSpPr>
-          <p:cNvPr id="14" name="Textfeld 11">
-            <a:extLst>
-              <a:ext uri="{FF2B5EF4-FFF2-40B4-BE49-F238E27FC236}">
-                <a16:creationId xmlns:a16="http://schemas.microsoft.com/office/drawing/2014/main" id="{6282B5D8-157F-7643-AC66-48AEBE5D7A0D}"/>
-              </a:ext>
-            </a:extLst>
-          </p:cNvPr>
-          <p:cNvSpPr txBox="1"/>
-          <p:nvPr/>
-        </p:nvSpPr>
-        <p:spPr>
-          <a:xfrm>
-            <a:off x="9398163" y="4259591"/>
-            <a:ext cx="2068195" cy="369332"/>
-          </a:xfrm>
-          <a:prstGeom prst="rect">
-            <a:avLst/>
-          </a:prstGeom>
-          <a:noFill/>
-        </p:spPr>
-        <p:txBody>
-          <a:bodyPr wrap="none" rtlCol="0">
-            <a:spAutoFit/>
-          </a:bodyPr>
-          <a:lstStyle/>
-          <a:p>
-            <a:r>
-              <a:rPr lang="en-GB" dirty="0">
-                <a:solidFill>
-                  <a:schemeClr val="tx1">
-                    <a:lumMod val="75000"/>
-                    <a:lumOff val="25000"/>
-                  </a:schemeClr>
-                </a:solidFill>
-                <a:latin typeface="Raleway" pitchFamily="2" charset="77"/>
-              </a:rPr>
-              <a:t>Banana Cake Pop</a:t>
-            </a:r>
-          </a:p>
-        </p:txBody>
-      </p:sp>
-    </p:spTree>
-    <p:extLst>
-      <p:ext uri="{BB962C8B-B14F-4D97-AF65-F5344CB8AC3E}">
-        <p14:creationId xmlns:p14="http://schemas.microsoft.com/office/powerpoint/2010/main" val="2203419393"/>
-      </p:ext>
-    </p:extLst>
-  </p:cSld>
-  <p:clrMapOvr>
-    <a:masterClrMapping/>
-  </p:clrMapOvr>
-</p:sld>
-</file>
-
-<file path=ppt/slides/slide13.xml><?xml version="1.0" encoding="utf-8"?>
-<p:sld xmlns:a="http://schemas.openxmlformats.org/drawingml/2006/main" xmlns:r="http://schemas.openxmlformats.org/officeDocument/2006/relationships" xmlns:p="http://schemas.openxmlformats.org/presentationml/2006/main">
-  <p:cSld>
-    <p:spTree>
-      <p:nvGrpSpPr>
-        <p:cNvPr id="1" name=""/>
-        <p:cNvGrpSpPr/>
-        <p:nvPr/>
-      </p:nvGrpSpPr>
-      <p:grpSpPr>
-        <a:xfrm>
-          <a:off x="0" y="0"/>
-          <a:ext cx="0" cy="0"/>
-          <a:chOff x="0" y="0"/>
-          <a:chExt cx="0" cy="0"/>
-        </a:xfrm>
-      </p:grpSpPr>
-      <p:sp>
-        <p:nvSpPr>
-          <p:cNvPr id="2" name="Titel 1">
-            <a:extLst>
-              <a:ext uri="{FF2B5EF4-FFF2-40B4-BE49-F238E27FC236}">
-                <a16:creationId xmlns:a16="http://schemas.microsoft.com/office/drawing/2014/main" id="{98260182-CA33-48F6-BC1E-03047240F8EC}"/>
-              </a:ext>
-            </a:extLst>
-          </p:cNvPr>
-          <p:cNvSpPr>
-            <a:spLocks noGrp="1"/>
-          </p:cNvSpPr>
-          <p:nvPr>
-            <p:ph type="title"/>
-          </p:nvPr>
-        </p:nvSpPr>
-        <p:spPr/>
-        <p:txBody>
-          <a:bodyPr anchor="b"/>
-          <a:lstStyle/>
-          <a:p>
-            <a:r>
-              <a:rPr lang="de-DE" dirty="0">
-                <a:solidFill>
-                  <a:schemeClr val="tx1">
-                    <a:lumMod val="75000"/>
-                    <a:lumOff val="25000"/>
-                  </a:schemeClr>
-                </a:solidFill>
-              </a:rPr>
-              <a:t>Clients </a:t>
-            </a:r>
-            <a:r>
-              <a:rPr lang="de-DE" dirty="0" err="1">
-                <a:solidFill>
-                  <a:schemeClr val="tx1">
-                    <a:lumMod val="75000"/>
-                    <a:lumOff val="25000"/>
-                  </a:schemeClr>
-                </a:solidFill>
-              </a:rPr>
-              <a:t>for</a:t>
-            </a:r>
-            <a:r>
-              <a:rPr lang="de-DE" dirty="0">
-                <a:solidFill>
-                  <a:schemeClr val="tx1">
-                    <a:lumMod val="75000"/>
-                    <a:lumOff val="25000"/>
-                  </a:schemeClr>
-                </a:solidFill>
-              </a:rPr>
-              <a:t> GraphQL</a:t>
-            </a:r>
-          </a:p>
-        </p:txBody>
-      </p:sp>
-      <p:sp>
-        <p:nvSpPr>
-          <p:cNvPr id="4" name="Datumsplatzhalter 3">
-            <a:extLst>
-              <a:ext uri="{FF2B5EF4-FFF2-40B4-BE49-F238E27FC236}">
-                <a16:creationId xmlns:a16="http://schemas.microsoft.com/office/drawing/2014/main" id="{372D7581-15AB-453A-8172-2DD260D4AD01}"/>
-              </a:ext>
-            </a:extLst>
-          </p:cNvPr>
-          <p:cNvSpPr>
-            <a:spLocks noGrp="1"/>
-          </p:cNvSpPr>
-          <p:nvPr>
-            <p:ph type="dt" sz="half" idx="2"/>
-          </p:nvPr>
-        </p:nvSpPr>
-        <p:spPr>
-          <a:xfrm>
-            <a:off x="526625" y="6356350"/>
-            <a:ext cx="2743200" cy="365125"/>
-          </a:xfrm>
-          <a:prstGeom prst="rect">
-            <a:avLst/>
-          </a:prstGeom>
-        </p:spPr>
-        <p:txBody>
-          <a:bodyPr vert="horz" lIns="91440" tIns="45720" rIns="91440" bIns="45720" rtlCol="0" anchor="ctr"/>
-          <a:lstStyle>
-            <a:lvl1pPr algn="l">
-              <a:defRPr sz="1200">
-                <a:solidFill>
-                  <a:schemeClr val="tx1"/>
-                </a:solidFill>
-              </a:defRPr>
-            </a:lvl1pPr>
-          </a:lstStyle>
-          <a:p>
-            <a:fld id="{95CA576C-67C8-4CE2-9686-DB10934C823F}" type="slidenum">
-              <a:rPr lang="de-DE" b="1" smtClean="0"/>
-              <a:pPr/>
-              <a:t>13</a:t>
             </a:fld>
             <a:r>
               <a:rPr lang="de-DE"/>
@@ -7911,7 +7525,7 @@
 </p:sld>
 </file>
 
-<file path=ppt/slides/slide14.xml><?xml version="1.0" encoding="utf-8"?>
+<file path=ppt/slides/slide13.xml><?xml version="1.0" encoding="utf-8"?>
 <p:sld xmlns:a="http://schemas.openxmlformats.org/drawingml/2006/main" xmlns:r="http://schemas.openxmlformats.org/officeDocument/2006/relationships" xmlns:p="http://schemas.openxmlformats.org/presentationml/2006/main">
   <p:cSld>
     <p:spTree>
@@ -8011,7 +7625,7 @@
             <a:fld id="{95CA576C-67C8-4CE2-9686-DB10934C823F}" type="slidenum">
               <a:rPr lang="de-DE" b="1" smtClean="0"/>
               <a:pPr/>
-              <a:t>14</a:t>
+              <a:t>13</a:t>
             </a:fld>
             <a:r>
               <a:rPr lang="de-DE"/>
@@ -8180,6 +7794,524 @@
     <p:extLst>
       <p:ext uri="{BB962C8B-B14F-4D97-AF65-F5344CB8AC3E}">
         <p14:creationId xmlns:p14="http://schemas.microsoft.com/office/powerpoint/2010/main" val="2047302741"/>
+      </p:ext>
+    </p:extLst>
+  </p:cSld>
+  <p:clrMapOvr>
+    <a:masterClrMapping/>
+  </p:clrMapOvr>
+</p:sld>
+</file>
+
+<file path=ppt/slides/slide14.xml><?xml version="1.0" encoding="utf-8"?>
+<p:sld xmlns:a="http://schemas.openxmlformats.org/drawingml/2006/main" xmlns:r="http://schemas.openxmlformats.org/officeDocument/2006/relationships" xmlns:p="http://schemas.openxmlformats.org/presentationml/2006/main">
+  <p:cSld>
+    <p:spTree>
+      <p:nvGrpSpPr>
+        <p:cNvPr id="1" name=""/>
+        <p:cNvGrpSpPr/>
+        <p:nvPr/>
+      </p:nvGrpSpPr>
+      <p:grpSpPr>
+        <a:xfrm>
+          <a:off x="0" y="0"/>
+          <a:ext cx="0" cy="0"/>
+          <a:chOff x="0" y="0"/>
+          <a:chExt cx="0" cy="0"/>
+        </a:xfrm>
+      </p:grpSpPr>
+      <p:sp>
+        <p:nvSpPr>
+          <p:cNvPr id="2" name="Titel 1">
+            <a:extLst>
+              <a:ext uri="{FF2B5EF4-FFF2-40B4-BE49-F238E27FC236}">
+                <a16:creationId xmlns:a16="http://schemas.microsoft.com/office/drawing/2014/main" id="{98260182-CA33-48F6-BC1E-03047240F8EC}"/>
+              </a:ext>
+            </a:extLst>
+          </p:cNvPr>
+          <p:cNvSpPr>
+            <a:spLocks noGrp="1"/>
+          </p:cNvSpPr>
+          <p:nvPr>
+            <p:ph type="title"/>
+          </p:nvPr>
+        </p:nvSpPr>
+        <p:spPr/>
+        <p:txBody>
+          <a:bodyPr anchor="b"/>
+          <a:lstStyle/>
+          <a:p>
+            <a:r>
+              <a:rPr lang="en-US" dirty="0">
+                <a:solidFill>
+                  <a:schemeClr val="tx1">
+                    <a:lumMod val="75000"/>
+                    <a:lumOff val="25000"/>
+                  </a:schemeClr>
+                </a:solidFill>
+              </a:rPr>
+              <a:t>GraphQL: Base Types</a:t>
+            </a:r>
+            <a:endParaRPr lang="de-DE" dirty="0">
+              <a:solidFill>
+                <a:schemeClr val="tx1">
+                  <a:lumMod val="75000"/>
+                  <a:lumOff val="25000"/>
+                </a:schemeClr>
+              </a:solidFill>
+            </a:endParaRPr>
+          </a:p>
+        </p:txBody>
+      </p:sp>
+      <p:sp>
+        <p:nvSpPr>
+          <p:cNvPr id="4" name="Datumsplatzhalter 3">
+            <a:extLst>
+              <a:ext uri="{FF2B5EF4-FFF2-40B4-BE49-F238E27FC236}">
+                <a16:creationId xmlns:a16="http://schemas.microsoft.com/office/drawing/2014/main" id="{372D7581-15AB-453A-8172-2DD260D4AD01}"/>
+              </a:ext>
+            </a:extLst>
+          </p:cNvPr>
+          <p:cNvSpPr>
+            <a:spLocks noGrp="1"/>
+          </p:cNvSpPr>
+          <p:nvPr>
+            <p:ph type="dt" sz="half" idx="2"/>
+          </p:nvPr>
+        </p:nvSpPr>
+        <p:spPr>
+          <a:xfrm>
+            <a:off x="526625" y="6356350"/>
+            <a:ext cx="2743200" cy="365125"/>
+          </a:xfrm>
+          <a:prstGeom prst="rect">
+            <a:avLst/>
+          </a:prstGeom>
+        </p:spPr>
+        <p:txBody>
+          <a:bodyPr vert="horz" lIns="91440" tIns="45720" rIns="91440" bIns="45720" rtlCol="0" anchor="ctr"/>
+          <a:lstStyle>
+            <a:lvl1pPr algn="l">
+              <a:defRPr sz="1200">
+                <a:solidFill>
+                  <a:schemeClr val="tx1"/>
+                </a:solidFill>
+              </a:defRPr>
+            </a:lvl1pPr>
+          </a:lstStyle>
+          <a:p>
+            <a:fld id="{95CA576C-67C8-4CE2-9686-DB10934C823F}" type="slidenum">
+              <a:rPr lang="de-DE" b="1" smtClean="0"/>
+              <a:pPr/>
+              <a:t>14</a:t>
+            </a:fld>
+            <a:r>
+              <a:rPr lang="de-DE"/>
+              <a:t> </a:t>
+            </a:r>
+            <a:r>
+              <a:rPr lang="de-DE">
+                <a:solidFill>
+                  <a:srgbClr val="4F4F4F"/>
+                </a:solidFill>
+              </a:rPr>
+              <a:t>| cloudklabauter.de</a:t>
+            </a:r>
+          </a:p>
+        </p:txBody>
+      </p:sp>
+      <p:sp>
+        <p:nvSpPr>
+          <p:cNvPr id="6" name="Textfeld 11">
+            <a:extLst>
+              <a:ext uri="{FF2B5EF4-FFF2-40B4-BE49-F238E27FC236}">
+                <a16:creationId xmlns:a16="http://schemas.microsoft.com/office/drawing/2014/main" id="{017C06BF-161C-2046-B380-C974070FB5D7}"/>
+              </a:ext>
+            </a:extLst>
+          </p:cNvPr>
+          <p:cNvSpPr txBox="1"/>
+          <p:nvPr/>
+        </p:nvSpPr>
+        <p:spPr>
+          <a:xfrm>
+            <a:off x="1462548" y="1981357"/>
+            <a:ext cx="2989379" cy="3416320"/>
+          </a:xfrm>
+          <a:prstGeom prst="rect">
+            <a:avLst/>
+          </a:prstGeom>
+          <a:noFill/>
+          <a:ln>
+            <a:solidFill>
+              <a:schemeClr val="accent3">
+                <a:lumMod val="60000"/>
+                <a:lumOff val="40000"/>
+              </a:schemeClr>
+            </a:solidFill>
+          </a:ln>
+        </p:spPr>
+        <p:txBody>
+          <a:bodyPr wrap="square" rtlCol="0">
+            <a:spAutoFit/>
+          </a:bodyPr>
+          <a:lstStyle/>
+          <a:p>
+            <a:r>
+              <a:rPr lang="en-GB" b="1" dirty="0">
+                <a:solidFill>
+                  <a:schemeClr val="tx1">
+                    <a:lumMod val="75000"/>
+                    <a:lumOff val="25000"/>
+                  </a:schemeClr>
+                </a:solidFill>
+                <a:latin typeface="Raleway" pitchFamily="2" charset="77"/>
+              </a:rPr>
+              <a:t>Query</a:t>
+            </a:r>
+          </a:p>
+          <a:p>
+            <a:endParaRPr lang="en-GB" dirty="0">
+              <a:solidFill>
+                <a:schemeClr val="tx1">
+                  <a:lumMod val="75000"/>
+                  <a:lumOff val="25000"/>
+                </a:schemeClr>
+              </a:solidFill>
+              <a:latin typeface="Raleway" pitchFamily="2" charset="77"/>
+            </a:endParaRPr>
+          </a:p>
+          <a:p>
+            <a:r>
+              <a:rPr lang="en-GB" dirty="0">
+                <a:solidFill>
+                  <a:schemeClr val="tx1">
+                    <a:lumMod val="75000"/>
+                    <a:lumOff val="25000"/>
+                  </a:schemeClr>
+                </a:solidFill>
+                <a:latin typeface="Raleway" pitchFamily="2" charset="77"/>
+              </a:rPr>
+              <a:t>Every GraphQL service will have a query type</a:t>
+            </a:r>
+          </a:p>
+          <a:p>
+            <a:endParaRPr lang="en-GB" dirty="0">
+              <a:solidFill>
+                <a:schemeClr val="tx1">
+                  <a:lumMod val="75000"/>
+                  <a:lumOff val="25000"/>
+                </a:schemeClr>
+              </a:solidFill>
+              <a:latin typeface="Raleway" pitchFamily="2" charset="77"/>
+            </a:endParaRPr>
+          </a:p>
+          <a:p>
+            <a:r>
+              <a:rPr lang="en-GB" dirty="0">
+                <a:solidFill>
+                  <a:schemeClr val="tx1">
+                    <a:lumMod val="75000"/>
+                    <a:lumOff val="25000"/>
+                  </a:schemeClr>
+                </a:solidFill>
+                <a:latin typeface="Raleway" pitchFamily="2" charset="77"/>
+              </a:rPr>
+              <a:t>The query in GraphQL represents what the client is asking for from the GraphQL API</a:t>
+            </a:r>
+          </a:p>
+          <a:p>
+            <a:endParaRPr lang="en-GB" dirty="0">
+              <a:solidFill>
+                <a:schemeClr val="tx1">
+                  <a:lumMod val="75000"/>
+                  <a:lumOff val="25000"/>
+                </a:schemeClr>
+              </a:solidFill>
+              <a:latin typeface="Raleway" pitchFamily="2" charset="77"/>
+            </a:endParaRPr>
+          </a:p>
+          <a:p>
+            <a:r>
+              <a:rPr lang="en-GB" dirty="0">
+                <a:solidFill>
+                  <a:schemeClr val="tx1">
+                    <a:lumMod val="75000"/>
+                    <a:lumOff val="25000"/>
+                  </a:schemeClr>
+                </a:solidFill>
+                <a:latin typeface="Raleway" pitchFamily="2" charset="77"/>
+              </a:rPr>
+              <a:t>Entry point for all queries</a:t>
+            </a:r>
+          </a:p>
+          <a:p>
+            <a:endParaRPr lang="en-GB" dirty="0">
+              <a:solidFill>
+                <a:schemeClr val="tx1">
+                  <a:lumMod val="75000"/>
+                  <a:lumOff val="25000"/>
+                </a:schemeClr>
+              </a:solidFill>
+              <a:latin typeface="Raleway" pitchFamily="2" charset="77"/>
+            </a:endParaRPr>
+          </a:p>
+        </p:txBody>
+      </p:sp>
+      <p:sp>
+        <p:nvSpPr>
+          <p:cNvPr id="5" name="Textfeld 11">
+            <a:extLst>
+              <a:ext uri="{FF2B5EF4-FFF2-40B4-BE49-F238E27FC236}">
+                <a16:creationId xmlns:a16="http://schemas.microsoft.com/office/drawing/2014/main" id="{2C38A06A-16BA-984C-BFB2-F9AFE59095BF}"/>
+              </a:ext>
+            </a:extLst>
+          </p:cNvPr>
+          <p:cNvSpPr txBox="1"/>
+          <p:nvPr/>
+        </p:nvSpPr>
+        <p:spPr>
+          <a:xfrm>
+            <a:off x="4653712" y="1981357"/>
+            <a:ext cx="2989379" cy="3416320"/>
+          </a:xfrm>
+          <a:prstGeom prst="rect">
+            <a:avLst/>
+          </a:prstGeom>
+          <a:noFill/>
+          <a:ln>
+            <a:solidFill>
+              <a:schemeClr val="accent3">
+                <a:lumMod val="60000"/>
+                <a:lumOff val="40000"/>
+              </a:schemeClr>
+            </a:solidFill>
+          </a:ln>
+        </p:spPr>
+        <p:txBody>
+          <a:bodyPr wrap="square" rtlCol="0">
+            <a:spAutoFit/>
+          </a:bodyPr>
+          <a:lstStyle/>
+          <a:p>
+            <a:r>
+              <a:rPr lang="en-GB" b="1" dirty="0">
+                <a:solidFill>
+                  <a:schemeClr val="tx1">
+                    <a:lumMod val="75000"/>
+                    <a:lumOff val="25000"/>
+                  </a:schemeClr>
+                </a:solidFill>
+                <a:latin typeface="Raleway" pitchFamily="2" charset="77"/>
+              </a:rPr>
+              <a:t>Mutation</a:t>
+            </a:r>
+          </a:p>
+          <a:p>
+            <a:endParaRPr lang="en-GB" dirty="0">
+              <a:solidFill>
+                <a:schemeClr val="tx1">
+                  <a:lumMod val="75000"/>
+                  <a:lumOff val="25000"/>
+                </a:schemeClr>
+              </a:solidFill>
+              <a:latin typeface="Raleway" pitchFamily="2" charset="77"/>
+            </a:endParaRPr>
+          </a:p>
+          <a:p>
+            <a:r>
+              <a:rPr lang="en-GB" dirty="0">
+                <a:solidFill>
+                  <a:schemeClr val="tx1">
+                    <a:lumMod val="75000"/>
+                    <a:lumOff val="25000"/>
+                  </a:schemeClr>
+                </a:solidFill>
+                <a:latin typeface="Raleway" pitchFamily="2" charset="77"/>
+              </a:rPr>
+              <a:t>GraphQL service must not include a mutation type</a:t>
+            </a:r>
+          </a:p>
+          <a:p>
+            <a:endParaRPr lang="en-GB" dirty="0">
+              <a:solidFill>
+                <a:schemeClr val="tx1">
+                  <a:lumMod val="75000"/>
+                  <a:lumOff val="25000"/>
+                </a:schemeClr>
+              </a:solidFill>
+              <a:latin typeface="Raleway" pitchFamily="2" charset="77"/>
+            </a:endParaRPr>
+          </a:p>
+          <a:p>
+            <a:r>
+              <a:rPr lang="en-GB" dirty="0">
+                <a:solidFill>
+                  <a:schemeClr val="tx1">
+                    <a:lumMod val="75000"/>
+                    <a:lumOff val="25000"/>
+                  </a:schemeClr>
+                </a:solidFill>
+                <a:latin typeface="Raleway" pitchFamily="2" charset="77"/>
+              </a:rPr>
+              <a:t>GraphQL mutations are used to add/update/delete data</a:t>
+            </a:r>
+          </a:p>
+          <a:p>
+            <a:endParaRPr lang="en-GB" dirty="0">
+              <a:solidFill>
+                <a:schemeClr val="tx1">
+                  <a:lumMod val="75000"/>
+                  <a:lumOff val="25000"/>
+                </a:schemeClr>
+              </a:solidFill>
+              <a:latin typeface="Raleway" pitchFamily="2" charset="77"/>
+            </a:endParaRPr>
+          </a:p>
+          <a:p>
+            <a:r>
+              <a:rPr lang="en-GB" dirty="0">
+                <a:solidFill>
+                  <a:schemeClr val="tx1">
+                    <a:lumMod val="75000"/>
+                    <a:lumOff val="25000"/>
+                  </a:schemeClr>
+                </a:solidFill>
+                <a:latin typeface="Raleway" pitchFamily="2" charset="77"/>
+              </a:rPr>
+              <a:t>You can think of it like a POST request in the REST world.</a:t>
+            </a:r>
+          </a:p>
+        </p:txBody>
+      </p:sp>
+      <p:sp>
+        <p:nvSpPr>
+          <p:cNvPr id="7" name="Textfeld 11">
+            <a:extLst>
+              <a:ext uri="{FF2B5EF4-FFF2-40B4-BE49-F238E27FC236}">
+                <a16:creationId xmlns:a16="http://schemas.microsoft.com/office/drawing/2014/main" id="{2F1AF24D-8674-7E4A-BE90-665CB0DA9D4C}"/>
+              </a:ext>
+            </a:extLst>
+          </p:cNvPr>
+          <p:cNvSpPr txBox="1"/>
+          <p:nvPr/>
+        </p:nvSpPr>
+        <p:spPr>
+          <a:xfrm>
+            <a:off x="7844876" y="1981357"/>
+            <a:ext cx="3086360" cy="3416320"/>
+          </a:xfrm>
+          <a:prstGeom prst="rect">
+            <a:avLst/>
+          </a:prstGeom>
+          <a:noFill/>
+          <a:ln>
+            <a:solidFill>
+              <a:schemeClr val="accent3">
+                <a:lumMod val="60000"/>
+                <a:lumOff val="40000"/>
+              </a:schemeClr>
+            </a:solidFill>
+          </a:ln>
+        </p:spPr>
+        <p:txBody>
+          <a:bodyPr wrap="square" rtlCol="0">
+            <a:spAutoFit/>
+          </a:bodyPr>
+          <a:lstStyle/>
+          <a:p>
+            <a:r>
+              <a:rPr lang="en-GB" b="1" dirty="0">
+                <a:solidFill>
+                  <a:schemeClr val="tx1">
+                    <a:lumMod val="75000"/>
+                    <a:lumOff val="25000"/>
+                  </a:schemeClr>
+                </a:solidFill>
+                <a:latin typeface="Raleway" pitchFamily="2" charset="77"/>
+              </a:rPr>
+              <a:t>Subscription</a:t>
+            </a:r>
+          </a:p>
+          <a:p>
+            <a:endParaRPr lang="en-GB" dirty="0">
+              <a:solidFill>
+                <a:schemeClr val="tx1">
+                  <a:lumMod val="75000"/>
+                  <a:lumOff val="25000"/>
+                </a:schemeClr>
+              </a:solidFill>
+              <a:latin typeface="Raleway" pitchFamily="2" charset="77"/>
+            </a:endParaRPr>
+          </a:p>
+          <a:p>
+            <a:r>
+              <a:rPr lang="en-GB" dirty="0">
+                <a:solidFill>
+                  <a:schemeClr val="tx1">
+                    <a:lumMod val="75000"/>
+                    <a:lumOff val="25000"/>
+                  </a:schemeClr>
+                </a:solidFill>
+                <a:latin typeface="Raleway" pitchFamily="2" charset="77"/>
+              </a:rPr>
+              <a:t>A way to push data from the server to the clients that choose to listen to real-time messages from the server</a:t>
+            </a:r>
+          </a:p>
+          <a:p>
+            <a:endParaRPr lang="en-GB" dirty="0">
+              <a:solidFill>
+                <a:schemeClr val="tx1">
+                  <a:lumMod val="75000"/>
+                  <a:lumOff val="25000"/>
+                </a:schemeClr>
+              </a:solidFill>
+              <a:latin typeface="Raleway" pitchFamily="2" charset="77"/>
+            </a:endParaRPr>
+          </a:p>
+          <a:p>
+            <a:r>
+              <a:rPr lang="en-GB" dirty="0">
+                <a:solidFill>
+                  <a:schemeClr val="tx1">
+                    <a:lumMod val="75000"/>
+                    <a:lumOff val="25000"/>
+                  </a:schemeClr>
+                </a:solidFill>
+                <a:latin typeface="Raleway" pitchFamily="2" charset="77"/>
+              </a:rPr>
+              <a:t>Subscriptions use </a:t>
+            </a:r>
+            <a:r>
+              <a:rPr lang="en-GB" dirty="0" err="1">
+                <a:solidFill>
+                  <a:schemeClr val="tx1">
+                    <a:lumMod val="75000"/>
+                    <a:lumOff val="25000"/>
+                  </a:schemeClr>
+                </a:solidFill>
+                <a:latin typeface="Raleway" pitchFamily="2" charset="77"/>
+              </a:rPr>
+              <a:t>WebSockets</a:t>
+            </a:r>
+            <a:r>
+              <a:rPr lang="en-GB" dirty="0">
+                <a:solidFill>
+                  <a:schemeClr val="tx1">
+                    <a:lumMod val="75000"/>
+                    <a:lumOff val="25000"/>
+                  </a:schemeClr>
+                </a:solidFill>
+                <a:latin typeface="Raleway" pitchFamily="2" charset="77"/>
+              </a:rPr>
+              <a:t>, which establish a two-way interactive communication</a:t>
+            </a:r>
+          </a:p>
+        </p:txBody>
+      </p:sp>
+    </p:spTree>
+    <p:extLst>
+      <p:ext uri="{BB962C8B-B14F-4D97-AF65-F5344CB8AC3E}">
+        <p14:creationId xmlns:p14="http://schemas.microsoft.com/office/powerpoint/2010/main" val="1258882509"/>
       </p:ext>
     </p:extLst>
   </p:cSld>
@@ -8236,7 +8368,7 @@
                   </a:schemeClr>
                 </a:solidFill>
               </a:rPr>
-              <a:t>GraphQL: Base Types</a:t>
+              <a:t>GraphQL: Query</a:t>
             </a:r>
             <a:endParaRPr lang="de-DE" dirty="0">
               <a:solidFill>
@@ -8290,524 +8422,6 @@
               <a:rPr lang="de-DE" b="1" smtClean="0"/>
               <a:pPr/>
               <a:t>15</a:t>
-            </a:fld>
-            <a:r>
-              <a:rPr lang="de-DE"/>
-              <a:t> </a:t>
-            </a:r>
-            <a:r>
-              <a:rPr lang="de-DE">
-                <a:solidFill>
-                  <a:srgbClr val="4F4F4F"/>
-                </a:solidFill>
-              </a:rPr>
-              <a:t>| cloudklabauter.de</a:t>
-            </a:r>
-          </a:p>
-        </p:txBody>
-      </p:sp>
-      <p:sp>
-        <p:nvSpPr>
-          <p:cNvPr id="6" name="Textfeld 11">
-            <a:extLst>
-              <a:ext uri="{FF2B5EF4-FFF2-40B4-BE49-F238E27FC236}">
-                <a16:creationId xmlns:a16="http://schemas.microsoft.com/office/drawing/2014/main" id="{017C06BF-161C-2046-B380-C974070FB5D7}"/>
-              </a:ext>
-            </a:extLst>
-          </p:cNvPr>
-          <p:cNvSpPr txBox="1"/>
-          <p:nvPr/>
-        </p:nvSpPr>
-        <p:spPr>
-          <a:xfrm>
-            <a:off x="1462548" y="1981357"/>
-            <a:ext cx="2989379" cy="3416320"/>
-          </a:xfrm>
-          <a:prstGeom prst="rect">
-            <a:avLst/>
-          </a:prstGeom>
-          <a:noFill/>
-          <a:ln>
-            <a:solidFill>
-              <a:schemeClr val="accent3">
-                <a:lumMod val="60000"/>
-                <a:lumOff val="40000"/>
-              </a:schemeClr>
-            </a:solidFill>
-          </a:ln>
-        </p:spPr>
-        <p:txBody>
-          <a:bodyPr wrap="square" rtlCol="0">
-            <a:spAutoFit/>
-          </a:bodyPr>
-          <a:lstStyle/>
-          <a:p>
-            <a:r>
-              <a:rPr lang="en-GB" b="1" dirty="0">
-                <a:solidFill>
-                  <a:schemeClr val="tx1">
-                    <a:lumMod val="75000"/>
-                    <a:lumOff val="25000"/>
-                  </a:schemeClr>
-                </a:solidFill>
-                <a:latin typeface="Raleway" pitchFamily="2" charset="77"/>
-              </a:rPr>
-              <a:t>Query</a:t>
-            </a:r>
-          </a:p>
-          <a:p>
-            <a:endParaRPr lang="en-GB" dirty="0">
-              <a:solidFill>
-                <a:schemeClr val="tx1">
-                  <a:lumMod val="75000"/>
-                  <a:lumOff val="25000"/>
-                </a:schemeClr>
-              </a:solidFill>
-              <a:latin typeface="Raleway" pitchFamily="2" charset="77"/>
-            </a:endParaRPr>
-          </a:p>
-          <a:p>
-            <a:r>
-              <a:rPr lang="en-GB" dirty="0">
-                <a:solidFill>
-                  <a:schemeClr val="tx1">
-                    <a:lumMod val="75000"/>
-                    <a:lumOff val="25000"/>
-                  </a:schemeClr>
-                </a:solidFill>
-                <a:latin typeface="Raleway" pitchFamily="2" charset="77"/>
-              </a:rPr>
-              <a:t>Every GraphQL service will have a query type</a:t>
-            </a:r>
-          </a:p>
-          <a:p>
-            <a:endParaRPr lang="en-GB" dirty="0">
-              <a:solidFill>
-                <a:schemeClr val="tx1">
-                  <a:lumMod val="75000"/>
-                  <a:lumOff val="25000"/>
-                </a:schemeClr>
-              </a:solidFill>
-              <a:latin typeface="Raleway" pitchFamily="2" charset="77"/>
-            </a:endParaRPr>
-          </a:p>
-          <a:p>
-            <a:r>
-              <a:rPr lang="en-GB" dirty="0">
-                <a:solidFill>
-                  <a:schemeClr val="tx1">
-                    <a:lumMod val="75000"/>
-                    <a:lumOff val="25000"/>
-                  </a:schemeClr>
-                </a:solidFill>
-                <a:latin typeface="Raleway" pitchFamily="2" charset="77"/>
-              </a:rPr>
-              <a:t>The query in GraphQL represents what the client is asking for from the GraphQL API</a:t>
-            </a:r>
-          </a:p>
-          <a:p>
-            <a:endParaRPr lang="en-GB" dirty="0">
-              <a:solidFill>
-                <a:schemeClr val="tx1">
-                  <a:lumMod val="75000"/>
-                  <a:lumOff val="25000"/>
-                </a:schemeClr>
-              </a:solidFill>
-              <a:latin typeface="Raleway" pitchFamily="2" charset="77"/>
-            </a:endParaRPr>
-          </a:p>
-          <a:p>
-            <a:r>
-              <a:rPr lang="en-GB" dirty="0">
-                <a:solidFill>
-                  <a:schemeClr val="tx1">
-                    <a:lumMod val="75000"/>
-                    <a:lumOff val="25000"/>
-                  </a:schemeClr>
-                </a:solidFill>
-                <a:latin typeface="Raleway" pitchFamily="2" charset="77"/>
-              </a:rPr>
-              <a:t>Entry point for all queries</a:t>
-            </a:r>
-          </a:p>
-          <a:p>
-            <a:endParaRPr lang="en-GB" dirty="0">
-              <a:solidFill>
-                <a:schemeClr val="tx1">
-                  <a:lumMod val="75000"/>
-                  <a:lumOff val="25000"/>
-                </a:schemeClr>
-              </a:solidFill>
-              <a:latin typeface="Raleway" pitchFamily="2" charset="77"/>
-            </a:endParaRPr>
-          </a:p>
-        </p:txBody>
-      </p:sp>
-      <p:sp>
-        <p:nvSpPr>
-          <p:cNvPr id="5" name="Textfeld 11">
-            <a:extLst>
-              <a:ext uri="{FF2B5EF4-FFF2-40B4-BE49-F238E27FC236}">
-                <a16:creationId xmlns:a16="http://schemas.microsoft.com/office/drawing/2014/main" id="{2C38A06A-16BA-984C-BFB2-F9AFE59095BF}"/>
-              </a:ext>
-            </a:extLst>
-          </p:cNvPr>
-          <p:cNvSpPr txBox="1"/>
-          <p:nvPr/>
-        </p:nvSpPr>
-        <p:spPr>
-          <a:xfrm>
-            <a:off x="4653712" y="1981357"/>
-            <a:ext cx="2989379" cy="3416320"/>
-          </a:xfrm>
-          <a:prstGeom prst="rect">
-            <a:avLst/>
-          </a:prstGeom>
-          <a:noFill/>
-          <a:ln>
-            <a:solidFill>
-              <a:schemeClr val="accent3">
-                <a:lumMod val="60000"/>
-                <a:lumOff val="40000"/>
-              </a:schemeClr>
-            </a:solidFill>
-          </a:ln>
-        </p:spPr>
-        <p:txBody>
-          <a:bodyPr wrap="square" rtlCol="0">
-            <a:spAutoFit/>
-          </a:bodyPr>
-          <a:lstStyle/>
-          <a:p>
-            <a:r>
-              <a:rPr lang="en-GB" b="1" dirty="0">
-                <a:solidFill>
-                  <a:schemeClr val="tx1">
-                    <a:lumMod val="75000"/>
-                    <a:lumOff val="25000"/>
-                  </a:schemeClr>
-                </a:solidFill>
-                <a:latin typeface="Raleway" pitchFamily="2" charset="77"/>
-              </a:rPr>
-              <a:t>Mutation</a:t>
-            </a:r>
-          </a:p>
-          <a:p>
-            <a:endParaRPr lang="en-GB" dirty="0">
-              <a:solidFill>
-                <a:schemeClr val="tx1">
-                  <a:lumMod val="75000"/>
-                  <a:lumOff val="25000"/>
-                </a:schemeClr>
-              </a:solidFill>
-              <a:latin typeface="Raleway" pitchFamily="2" charset="77"/>
-            </a:endParaRPr>
-          </a:p>
-          <a:p>
-            <a:r>
-              <a:rPr lang="en-GB" dirty="0">
-                <a:solidFill>
-                  <a:schemeClr val="tx1">
-                    <a:lumMod val="75000"/>
-                    <a:lumOff val="25000"/>
-                  </a:schemeClr>
-                </a:solidFill>
-                <a:latin typeface="Raleway" pitchFamily="2" charset="77"/>
-              </a:rPr>
-              <a:t>GraphQL service must not include a mutation type</a:t>
-            </a:r>
-          </a:p>
-          <a:p>
-            <a:endParaRPr lang="en-GB" dirty="0">
-              <a:solidFill>
-                <a:schemeClr val="tx1">
-                  <a:lumMod val="75000"/>
-                  <a:lumOff val="25000"/>
-                </a:schemeClr>
-              </a:solidFill>
-              <a:latin typeface="Raleway" pitchFamily="2" charset="77"/>
-            </a:endParaRPr>
-          </a:p>
-          <a:p>
-            <a:r>
-              <a:rPr lang="en-GB" dirty="0">
-                <a:solidFill>
-                  <a:schemeClr val="tx1">
-                    <a:lumMod val="75000"/>
-                    <a:lumOff val="25000"/>
-                  </a:schemeClr>
-                </a:solidFill>
-                <a:latin typeface="Raleway" pitchFamily="2" charset="77"/>
-              </a:rPr>
-              <a:t>GraphQL mutations are used to add/update/delete data</a:t>
-            </a:r>
-          </a:p>
-          <a:p>
-            <a:endParaRPr lang="en-GB" dirty="0">
-              <a:solidFill>
-                <a:schemeClr val="tx1">
-                  <a:lumMod val="75000"/>
-                  <a:lumOff val="25000"/>
-                </a:schemeClr>
-              </a:solidFill>
-              <a:latin typeface="Raleway" pitchFamily="2" charset="77"/>
-            </a:endParaRPr>
-          </a:p>
-          <a:p>
-            <a:r>
-              <a:rPr lang="en-GB" dirty="0">
-                <a:solidFill>
-                  <a:schemeClr val="tx1">
-                    <a:lumMod val="75000"/>
-                    <a:lumOff val="25000"/>
-                  </a:schemeClr>
-                </a:solidFill>
-                <a:latin typeface="Raleway" pitchFamily="2" charset="77"/>
-              </a:rPr>
-              <a:t>You can think of it like a POST request in the REST world.</a:t>
-            </a:r>
-          </a:p>
-        </p:txBody>
-      </p:sp>
-      <p:sp>
-        <p:nvSpPr>
-          <p:cNvPr id="7" name="Textfeld 11">
-            <a:extLst>
-              <a:ext uri="{FF2B5EF4-FFF2-40B4-BE49-F238E27FC236}">
-                <a16:creationId xmlns:a16="http://schemas.microsoft.com/office/drawing/2014/main" id="{2F1AF24D-8674-7E4A-BE90-665CB0DA9D4C}"/>
-              </a:ext>
-            </a:extLst>
-          </p:cNvPr>
-          <p:cNvSpPr txBox="1"/>
-          <p:nvPr/>
-        </p:nvSpPr>
-        <p:spPr>
-          <a:xfrm>
-            <a:off x="7844876" y="1981357"/>
-            <a:ext cx="3086360" cy="3416320"/>
-          </a:xfrm>
-          <a:prstGeom prst="rect">
-            <a:avLst/>
-          </a:prstGeom>
-          <a:noFill/>
-          <a:ln>
-            <a:solidFill>
-              <a:schemeClr val="accent3">
-                <a:lumMod val="60000"/>
-                <a:lumOff val="40000"/>
-              </a:schemeClr>
-            </a:solidFill>
-          </a:ln>
-        </p:spPr>
-        <p:txBody>
-          <a:bodyPr wrap="square" rtlCol="0">
-            <a:spAutoFit/>
-          </a:bodyPr>
-          <a:lstStyle/>
-          <a:p>
-            <a:r>
-              <a:rPr lang="en-GB" b="1" dirty="0">
-                <a:solidFill>
-                  <a:schemeClr val="tx1">
-                    <a:lumMod val="75000"/>
-                    <a:lumOff val="25000"/>
-                  </a:schemeClr>
-                </a:solidFill>
-                <a:latin typeface="Raleway" pitchFamily="2" charset="77"/>
-              </a:rPr>
-              <a:t>Subscription</a:t>
-            </a:r>
-          </a:p>
-          <a:p>
-            <a:endParaRPr lang="en-GB" dirty="0">
-              <a:solidFill>
-                <a:schemeClr val="tx1">
-                  <a:lumMod val="75000"/>
-                  <a:lumOff val="25000"/>
-                </a:schemeClr>
-              </a:solidFill>
-              <a:latin typeface="Raleway" pitchFamily="2" charset="77"/>
-            </a:endParaRPr>
-          </a:p>
-          <a:p>
-            <a:r>
-              <a:rPr lang="en-GB" dirty="0">
-                <a:solidFill>
-                  <a:schemeClr val="tx1">
-                    <a:lumMod val="75000"/>
-                    <a:lumOff val="25000"/>
-                  </a:schemeClr>
-                </a:solidFill>
-                <a:latin typeface="Raleway" pitchFamily="2" charset="77"/>
-              </a:rPr>
-              <a:t>A way to push data from the server to the clients that choose to listen to real-time messages from the server</a:t>
-            </a:r>
-          </a:p>
-          <a:p>
-            <a:endParaRPr lang="en-GB" dirty="0">
-              <a:solidFill>
-                <a:schemeClr val="tx1">
-                  <a:lumMod val="75000"/>
-                  <a:lumOff val="25000"/>
-                </a:schemeClr>
-              </a:solidFill>
-              <a:latin typeface="Raleway" pitchFamily="2" charset="77"/>
-            </a:endParaRPr>
-          </a:p>
-          <a:p>
-            <a:r>
-              <a:rPr lang="en-GB" dirty="0">
-                <a:solidFill>
-                  <a:schemeClr val="tx1">
-                    <a:lumMod val="75000"/>
-                    <a:lumOff val="25000"/>
-                  </a:schemeClr>
-                </a:solidFill>
-                <a:latin typeface="Raleway" pitchFamily="2" charset="77"/>
-              </a:rPr>
-              <a:t>Subscriptions use </a:t>
-            </a:r>
-            <a:r>
-              <a:rPr lang="en-GB" dirty="0" err="1">
-                <a:solidFill>
-                  <a:schemeClr val="tx1">
-                    <a:lumMod val="75000"/>
-                    <a:lumOff val="25000"/>
-                  </a:schemeClr>
-                </a:solidFill>
-                <a:latin typeface="Raleway" pitchFamily="2" charset="77"/>
-              </a:rPr>
-              <a:t>WebSockets</a:t>
-            </a:r>
-            <a:r>
-              <a:rPr lang="en-GB" dirty="0">
-                <a:solidFill>
-                  <a:schemeClr val="tx1">
-                    <a:lumMod val="75000"/>
-                    <a:lumOff val="25000"/>
-                  </a:schemeClr>
-                </a:solidFill>
-                <a:latin typeface="Raleway" pitchFamily="2" charset="77"/>
-              </a:rPr>
-              <a:t>, which establish a two-way interactive communication</a:t>
-            </a:r>
-          </a:p>
-        </p:txBody>
-      </p:sp>
-    </p:spTree>
-    <p:extLst>
-      <p:ext uri="{BB962C8B-B14F-4D97-AF65-F5344CB8AC3E}">
-        <p14:creationId xmlns:p14="http://schemas.microsoft.com/office/powerpoint/2010/main" val="1258882509"/>
-      </p:ext>
-    </p:extLst>
-  </p:cSld>
-  <p:clrMapOvr>
-    <a:masterClrMapping/>
-  </p:clrMapOvr>
-</p:sld>
-</file>
-
-<file path=ppt/slides/slide16.xml><?xml version="1.0" encoding="utf-8"?>
-<p:sld xmlns:a="http://schemas.openxmlformats.org/drawingml/2006/main" xmlns:r="http://schemas.openxmlformats.org/officeDocument/2006/relationships" xmlns:p="http://schemas.openxmlformats.org/presentationml/2006/main">
-  <p:cSld>
-    <p:spTree>
-      <p:nvGrpSpPr>
-        <p:cNvPr id="1" name=""/>
-        <p:cNvGrpSpPr/>
-        <p:nvPr/>
-      </p:nvGrpSpPr>
-      <p:grpSpPr>
-        <a:xfrm>
-          <a:off x="0" y="0"/>
-          <a:ext cx="0" cy="0"/>
-          <a:chOff x="0" y="0"/>
-          <a:chExt cx="0" cy="0"/>
-        </a:xfrm>
-      </p:grpSpPr>
-      <p:sp>
-        <p:nvSpPr>
-          <p:cNvPr id="2" name="Titel 1">
-            <a:extLst>
-              <a:ext uri="{FF2B5EF4-FFF2-40B4-BE49-F238E27FC236}">
-                <a16:creationId xmlns:a16="http://schemas.microsoft.com/office/drawing/2014/main" id="{98260182-CA33-48F6-BC1E-03047240F8EC}"/>
-              </a:ext>
-            </a:extLst>
-          </p:cNvPr>
-          <p:cNvSpPr>
-            <a:spLocks noGrp="1"/>
-          </p:cNvSpPr>
-          <p:nvPr>
-            <p:ph type="title"/>
-          </p:nvPr>
-        </p:nvSpPr>
-        <p:spPr/>
-        <p:txBody>
-          <a:bodyPr anchor="b"/>
-          <a:lstStyle/>
-          <a:p>
-            <a:r>
-              <a:rPr lang="en-US" dirty="0">
-                <a:solidFill>
-                  <a:schemeClr val="tx1">
-                    <a:lumMod val="75000"/>
-                    <a:lumOff val="25000"/>
-                  </a:schemeClr>
-                </a:solidFill>
-              </a:rPr>
-              <a:t>GraphQL: Query</a:t>
-            </a:r>
-            <a:endParaRPr lang="de-DE" dirty="0">
-              <a:solidFill>
-                <a:schemeClr val="tx1">
-                  <a:lumMod val="75000"/>
-                  <a:lumOff val="25000"/>
-                </a:schemeClr>
-              </a:solidFill>
-            </a:endParaRPr>
-          </a:p>
-        </p:txBody>
-      </p:sp>
-      <p:sp>
-        <p:nvSpPr>
-          <p:cNvPr id="4" name="Datumsplatzhalter 3">
-            <a:extLst>
-              <a:ext uri="{FF2B5EF4-FFF2-40B4-BE49-F238E27FC236}">
-                <a16:creationId xmlns:a16="http://schemas.microsoft.com/office/drawing/2014/main" id="{372D7581-15AB-453A-8172-2DD260D4AD01}"/>
-              </a:ext>
-            </a:extLst>
-          </p:cNvPr>
-          <p:cNvSpPr>
-            <a:spLocks noGrp="1"/>
-          </p:cNvSpPr>
-          <p:nvPr>
-            <p:ph type="dt" sz="half" idx="2"/>
-          </p:nvPr>
-        </p:nvSpPr>
-        <p:spPr>
-          <a:xfrm>
-            <a:off x="526625" y="6356350"/>
-            <a:ext cx="2743200" cy="365125"/>
-          </a:xfrm>
-          <a:prstGeom prst="rect">
-            <a:avLst/>
-          </a:prstGeom>
-        </p:spPr>
-        <p:txBody>
-          <a:bodyPr vert="horz" lIns="91440" tIns="45720" rIns="91440" bIns="45720" rtlCol="0" anchor="ctr"/>
-          <a:lstStyle>
-            <a:lvl1pPr algn="l">
-              <a:defRPr sz="1200">
-                <a:solidFill>
-                  <a:schemeClr val="tx1"/>
-                </a:solidFill>
-              </a:defRPr>
-            </a:lvl1pPr>
-          </a:lstStyle>
-          <a:p>
-            <a:fld id="{95CA576C-67C8-4CE2-9686-DB10934C823F}" type="slidenum">
-              <a:rPr lang="de-DE" b="1" smtClean="0"/>
-              <a:pPr/>
-              <a:t>16</a:t>
             </a:fld>
             <a:r>
               <a:rPr lang="de-DE"/>
@@ -8958,7 +8572,7 @@
 </p:sld>
 </file>
 
-<file path=ppt/slides/slide17.xml><?xml version="1.0" encoding="utf-8"?>
+<file path=ppt/slides/slide16.xml><?xml version="1.0" encoding="utf-8"?>
 <p:sld xmlns:a="http://schemas.openxmlformats.org/drawingml/2006/main" xmlns:r="http://schemas.openxmlformats.org/officeDocument/2006/relationships" xmlns:p="http://schemas.openxmlformats.org/presentationml/2006/main">
   <p:cSld>
     <p:spTree>
@@ -9058,7 +8672,7 @@
             <a:fld id="{95CA576C-67C8-4CE2-9686-DB10934C823F}" type="slidenum">
               <a:rPr lang="de-DE" b="1" smtClean="0"/>
               <a:pPr/>
-              <a:t>17</a:t>
+              <a:t>16</a:t>
             </a:fld>
             <a:r>
               <a:rPr lang="de-DE"/>
@@ -9343,6 +8957,582 @@
     <p:extLst>
       <p:ext uri="{BB962C8B-B14F-4D97-AF65-F5344CB8AC3E}">
         <p14:creationId xmlns:p14="http://schemas.microsoft.com/office/powerpoint/2010/main" val="326439064"/>
+      </p:ext>
+    </p:extLst>
+  </p:cSld>
+  <p:clrMapOvr>
+    <a:masterClrMapping/>
+  </p:clrMapOvr>
+</p:sld>
+</file>
+
+<file path=ppt/slides/slide17.xml><?xml version="1.0" encoding="utf-8"?>
+<p:sld xmlns:a="http://schemas.openxmlformats.org/drawingml/2006/main" xmlns:r="http://schemas.openxmlformats.org/officeDocument/2006/relationships" xmlns:p="http://schemas.openxmlformats.org/presentationml/2006/main">
+  <p:cSld>
+    <p:spTree>
+      <p:nvGrpSpPr>
+        <p:cNvPr id="1" name=""/>
+        <p:cNvGrpSpPr/>
+        <p:nvPr/>
+      </p:nvGrpSpPr>
+      <p:grpSpPr>
+        <a:xfrm>
+          <a:off x="0" y="0"/>
+          <a:ext cx="0" cy="0"/>
+          <a:chOff x="0" y="0"/>
+          <a:chExt cx="0" cy="0"/>
+        </a:xfrm>
+      </p:grpSpPr>
+      <p:sp>
+        <p:nvSpPr>
+          <p:cNvPr id="2" name="Titel 1">
+            <a:extLst>
+              <a:ext uri="{FF2B5EF4-FFF2-40B4-BE49-F238E27FC236}">
+                <a16:creationId xmlns:a16="http://schemas.microsoft.com/office/drawing/2014/main" id="{98260182-CA33-48F6-BC1E-03047240F8EC}"/>
+              </a:ext>
+            </a:extLst>
+          </p:cNvPr>
+          <p:cNvSpPr>
+            <a:spLocks noGrp="1"/>
+          </p:cNvSpPr>
+          <p:nvPr>
+            <p:ph type="title"/>
+          </p:nvPr>
+        </p:nvSpPr>
+        <p:spPr/>
+        <p:txBody>
+          <a:bodyPr anchor="b"/>
+          <a:lstStyle/>
+          <a:p>
+            <a:r>
+              <a:rPr lang="en-US" dirty="0">
+                <a:solidFill>
+                  <a:schemeClr val="tx1">
+                    <a:lumMod val="75000"/>
+                    <a:lumOff val="25000"/>
+                  </a:schemeClr>
+                </a:solidFill>
+              </a:rPr>
+              <a:t>GraphQL: Data Types</a:t>
+            </a:r>
+            <a:endParaRPr lang="de-DE" dirty="0">
+              <a:solidFill>
+                <a:schemeClr val="tx1">
+                  <a:lumMod val="75000"/>
+                  <a:lumOff val="25000"/>
+                </a:schemeClr>
+              </a:solidFill>
+            </a:endParaRPr>
+          </a:p>
+        </p:txBody>
+      </p:sp>
+      <p:sp>
+        <p:nvSpPr>
+          <p:cNvPr id="4" name="Datumsplatzhalter 3">
+            <a:extLst>
+              <a:ext uri="{FF2B5EF4-FFF2-40B4-BE49-F238E27FC236}">
+                <a16:creationId xmlns:a16="http://schemas.microsoft.com/office/drawing/2014/main" id="{372D7581-15AB-453A-8172-2DD260D4AD01}"/>
+              </a:ext>
+            </a:extLst>
+          </p:cNvPr>
+          <p:cNvSpPr>
+            <a:spLocks noGrp="1"/>
+          </p:cNvSpPr>
+          <p:nvPr>
+            <p:ph type="dt" sz="half" idx="2"/>
+          </p:nvPr>
+        </p:nvSpPr>
+        <p:spPr>
+          <a:xfrm>
+            <a:off x="526625" y="6356350"/>
+            <a:ext cx="2743200" cy="365125"/>
+          </a:xfrm>
+          <a:prstGeom prst="rect">
+            <a:avLst/>
+          </a:prstGeom>
+        </p:spPr>
+        <p:txBody>
+          <a:bodyPr vert="horz" lIns="91440" tIns="45720" rIns="91440" bIns="45720" rtlCol="0" anchor="ctr"/>
+          <a:lstStyle>
+            <a:lvl1pPr algn="l">
+              <a:defRPr sz="1200">
+                <a:solidFill>
+                  <a:schemeClr val="tx1"/>
+                </a:solidFill>
+              </a:defRPr>
+            </a:lvl1pPr>
+          </a:lstStyle>
+          <a:p>
+            <a:fld id="{95CA576C-67C8-4CE2-9686-DB10934C823F}" type="slidenum">
+              <a:rPr lang="de-DE" b="1" smtClean="0"/>
+              <a:pPr/>
+              <a:t>17</a:t>
+            </a:fld>
+            <a:r>
+              <a:rPr lang="de-DE"/>
+              <a:t> </a:t>
+            </a:r>
+            <a:r>
+              <a:rPr lang="de-DE">
+                <a:solidFill>
+                  <a:srgbClr val="4F4F4F"/>
+                </a:solidFill>
+              </a:rPr>
+              <a:t>| cloudklabauter.de</a:t>
+            </a:r>
+          </a:p>
+        </p:txBody>
+      </p:sp>
+      <p:sp>
+        <p:nvSpPr>
+          <p:cNvPr id="6" name="Textfeld 11">
+            <a:extLst>
+              <a:ext uri="{FF2B5EF4-FFF2-40B4-BE49-F238E27FC236}">
+                <a16:creationId xmlns:a16="http://schemas.microsoft.com/office/drawing/2014/main" id="{017C06BF-161C-2046-B380-C974070FB5D7}"/>
+              </a:ext>
+            </a:extLst>
+          </p:cNvPr>
+          <p:cNvSpPr txBox="1"/>
+          <p:nvPr/>
+        </p:nvSpPr>
+        <p:spPr>
+          <a:xfrm>
+            <a:off x="1462548" y="1981357"/>
+            <a:ext cx="2989379" cy="3416320"/>
+          </a:xfrm>
+          <a:prstGeom prst="rect">
+            <a:avLst/>
+          </a:prstGeom>
+          <a:noFill/>
+          <a:ln>
+            <a:solidFill>
+              <a:schemeClr val="accent3">
+                <a:lumMod val="60000"/>
+                <a:lumOff val="40000"/>
+              </a:schemeClr>
+            </a:solidFill>
+          </a:ln>
+        </p:spPr>
+        <p:txBody>
+          <a:bodyPr wrap="square" rtlCol="0">
+            <a:spAutoFit/>
+          </a:bodyPr>
+          <a:lstStyle/>
+          <a:p>
+            <a:r>
+              <a:rPr lang="en-GB" b="1" dirty="0">
+                <a:solidFill>
+                  <a:schemeClr val="tx1">
+                    <a:lumMod val="75000"/>
+                    <a:lumOff val="25000"/>
+                  </a:schemeClr>
+                </a:solidFill>
+                <a:latin typeface="Raleway" pitchFamily="2" charset="77"/>
+              </a:rPr>
+              <a:t>Scalar Types</a:t>
+            </a:r>
+          </a:p>
+          <a:p>
+            <a:endParaRPr lang="en-GB" dirty="0">
+              <a:solidFill>
+                <a:schemeClr val="tx1">
+                  <a:lumMod val="75000"/>
+                  <a:lumOff val="25000"/>
+                </a:schemeClr>
+              </a:solidFill>
+              <a:latin typeface="Raleway" pitchFamily="2" charset="77"/>
+            </a:endParaRPr>
+          </a:p>
+          <a:p>
+            <a:r>
+              <a:rPr lang="en-GB" dirty="0">
+                <a:solidFill>
+                  <a:schemeClr val="tx1">
+                    <a:lumMod val="75000"/>
+                    <a:lumOff val="25000"/>
+                  </a:schemeClr>
+                </a:solidFill>
+                <a:latin typeface="Raleway" pitchFamily="2" charset="77"/>
+              </a:rPr>
+              <a:t>Similar to primitive types in any other programming language</a:t>
+            </a:r>
+          </a:p>
+          <a:p>
+            <a:endParaRPr lang="en-GB" dirty="0">
+              <a:solidFill>
+                <a:schemeClr val="tx1">
+                  <a:lumMod val="75000"/>
+                  <a:lumOff val="25000"/>
+                </a:schemeClr>
+              </a:solidFill>
+              <a:latin typeface="Raleway" pitchFamily="2" charset="77"/>
+            </a:endParaRPr>
+          </a:p>
+          <a:p>
+            <a:r>
+              <a:rPr lang="en-GB" dirty="0">
+                <a:solidFill>
+                  <a:schemeClr val="tx1">
+                    <a:lumMod val="75000"/>
+                    <a:lumOff val="25000"/>
+                  </a:schemeClr>
+                </a:solidFill>
+                <a:latin typeface="Raleway" pitchFamily="2" charset="77"/>
+              </a:rPr>
+              <a:t>Int, Float, String, Boolean &amp; ID</a:t>
+            </a:r>
+          </a:p>
+          <a:p>
+            <a:endParaRPr lang="en-GB" dirty="0">
+              <a:solidFill>
+                <a:schemeClr val="tx1">
+                  <a:lumMod val="75000"/>
+                  <a:lumOff val="25000"/>
+                </a:schemeClr>
+              </a:solidFill>
+              <a:latin typeface="Raleway" pitchFamily="2" charset="77"/>
+            </a:endParaRPr>
+          </a:p>
+          <a:p>
+            <a:r>
+              <a:rPr lang="en-GB" dirty="0">
+                <a:solidFill>
+                  <a:schemeClr val="tx1">
+                    <a:lumMod val="75000"/>
+                    <a:lumOff val="25000"/>
+                  </a:schemeClr>
+                </a:solidFill>
+                <a:latin typeface="Raleway" pitchFamily="2" charset="77"/>
+              </a:rPr>
+              <a:t>Custom Scalar Types are supported</a:t>
+            </a:r>
+          </a:p>
+          <a:p>
+            <a:endParaRPr lang="en-GB" dirty="0">
+              <a:solidFill>
+                <a:schemeClr val="tx1">
+                  <a:lumMod val="75000"/>
+                  <a:lumOff val="25000"/>
+                </a:schemeClr>
+              </a:solidFill>
+              <a:latin typeface="Raleway" pitchFamily="2" charset="77"/>
+            </a:endParaRPr>
+          </a:p>
+        </p:txBody>
+      </p:sp>
+      <p:sp>
+        <p:nvSpPr>
+          <p:cNvPr id="5" name="Textfeld 11">
+            <a:extLst>
+              <a:ext uri="{FF2B5EF4-FFF2-40B4-BE49-F238E27FC236}">
+                <a16:creationId xmlns:a16="http://schemas.microsoft.com/office/drawing/2014/main" id="{2C38A06A-16BA-984C-BFB2-F9AFE59095BF}"/>
+              </a:ext>
+            </a:extLst>
+          </p:cNvPr>
+          <p:cNvSpPr txBox="1"/>
+          <p:nvPr/>
+        </p:nvSpPr>
+        <p:spPr>
+          <a:xfrm>
+            <a:off x="4653712" y="1981357"/>
+            <a:ext cx="2989379" cy="3416320"/>
+          </a:xfrm>
+          <a:prstGeom prst="rect">
+            <a:avLst/>
+          </a:prstGeom>
+          <a:noFill/>
+          <a:ln>
+            <a:solidFill>
+              <a:schemeClr val="accent3">
+                <a:lumMod val="60000"/>
+                <a:lumOff val="40000"/>
+              </a:schemeClr>
+            </a:solidFill>
+          </a:ln>
+        </p:spPr>
+        <p:txBody>
+          <a:bodyPr wrap="square" rtlCol="0">
+            <a:spAutoFit/>
+          </a:bodyPr>
+          <a:lstStyle/>
+          <a:p>
+            <a:r>
+              <a:rPr lang="en-GB" b="1" dirty="0">
+                <a:solidFill>
+                  <a:schemeClr val="tx1">
+                    <a:lumMod val="75000"/>
+                    <a:lumOff val="25000"/>
+                  </a:schemeClr>
+                </a:solidFill>
+                <a:latin typeface="Raleway" pitchFamily="2" charset="77"/>
+              </a:rPr>
+              <a:t>Object Types</a:t>
+            </a:r>
+          </a:p>
+          <a:p>
+            <a:endParaRPr lang="en-GB" dirty="0">
+              <a:solidFill>
+                <a:schemeClr val="tx1">
+                  <a:lumMod val="75000"/>
+                  <a:lumOff val="25000"/>
+                </a:schemeClr>
+              </a:solidFill>
+              <a:latin typeface="Raleway" pitchFamily="2" charset="77"/>
+            </a:endParaRPr>
+          </a:p>
+          <a:p>
+            <a:r>
+              <a:rPr lang="en-GB" dirty="0">
+                <a:solidFill>
+                  <a:schemeClr val="tx1">
+                    <a:lumMod val="75000"/>
+                    <a:lumOff val="25000"/>
+                  </a:schemeClr>
+                </a:solidFill>
+                <a:latin typeface="Raleway" pitchFamily="2" charset="77"/>
+              </a:rPr>
+              <a:t>Object type contains a collection of fields</a:t>
+            </a:r>
+          </a:p>
+          <a:p>
+            <a:endParaRPr lang="en-GB" dirty="0">
+              <a:solidFill>
+                <a:schemeClr val="tx1">
+                  <a:lumMod val="75000"/>
+                  <a:lumOff val="25000"/>
+                </a:schemeClr>
+              </a:solidFill>
+              <a:latin typeface="Raleway" pitchFamily="2" charset="77"/>
+            </a:endParaRPr>
+          </a:p>
+          <a:p>
+            <a:r>
+              <a:rPr lang="en-GB" dirty="0">
+                <a:solidFill>
+                  <a:schemeClr val="tx1">
+                    <a:lumMod val="75000"/>
+                    <a:lumOff val="25000"/>
+                  </a:schemeClr>
+                </a:solidFill>
+                <a:latin typeface="Raleway" pitchFamily="2" charset="77"/>
+              </a:rPr>
+              <a:t>Fields are scalar types or other object types</a:t>
+            </a:r>
+          </a:p>
+          <a:p>
+            <a:endParaRPr lang="en-GB" dirty="0">
+              <a:solidFill>
+                <a:schemeClr val="tx1">
+                  <a:lumMod val="75000"/>
+                  <a:lumOff val="25000"/>
+                </a:schemeClr>
+              </a:solidFill>
+              <a:latin typeface="Raleway" pitchFamily="2" charset="77"/>
+            </a:endParaRPr>
+          </a:p>
+          <a:p>
+            <a:endParaRPr lang="en-GB" dirty="0">
+              <a:solidFill>
+                <a:schemeClr val="tx1">
+                  <a:lumMod val="75000"/>
+                  <a:lumOff val="25000"/>
+                </a:schemeClr>
+              </a:solidFill>
+              <a:latin typeface="Raleway" pitchFamily="2" charset="77"/>
+            </a:endParaRPr>
+          </a:p>
+          <a:p>
+            <a:endParaRPr lang="en-GB" dirty="0">
+              <a:solidFill>
+                <a:schemeClr val="tx1">
+                  <a:lumMod val="75000"/>
+                  <a:lumOff val="25000"/>
+                </a:schemeClr>
+              </a:solidFill>
+              <a:latin typeface="Raleway" pitchFamily="2" charset="77"/>
+            </a:endParaRPr>
+          </a:p>
+          <a:p>
+            <a:endParaRPr lang="en-GB" dirty="0">
+              <a:solidFill>
+                <a:schemeClr val="tx1">
+                  <a:lumMod val="75000"/>
+                  <a:lumOff val="25000"/>
+                </a:schemeClr>
+              </a:solidFill>
+              <a:latin typeface="Raleway" pitchFamily="2" charset="77"/>
+            </a:endParaRPr>
+          </a:p>
+          <a:p>
+            <a:endParaRPr lang="en-GB" dirty="0">
+              <a:solidFill>
+                <a:schemeClr val="tx1">
+                  <a:lumMod val="75000"/>
+                  <a:lumOff val="25000"/>
+                </a:schemeClr>
+              </a:solidFill>
+              <a:latin typeface="Raleway" pitchFamily="2" charset="77"/>
+            </a:endParaRPr>
+          </a:p>
+        </p:txBody>
+      </p:sp>
+      <p:sp>
+        <p:nvSpPr>
+          <p:cNvPr id="7" name="Textfeld 11">
+            <a:extLst>
+              <a:ext uri="{FF2B5EF4-FFF2-40B4-BE49-F238E27FC236}">
+                <a16:creationId xmlns:a16="http://schemas.microsoft.com/office/drawing/2014/main" id="{2F1AF24D-8674-7E4A-BE90-665CB0DA9D4C}"/>
+              </a:ext>
+            </a:extLst>
+          </p:cNvPr>
+          <p:cNvSpPr txBox="1"/>
+          <p:nvPr/>
+        </p:nvSpPr>
+        <p:spPr>
+          <a:xfrm>
+            <a:off x="7844876" y="1981357"/>
+            <a:ext cx="2989379" cy="3416320"/>
+          </a:xfrm>
+          <a:prstGeom prst="rect">
+            <a:avLst/>
+          </a:prstGeom>
+          <a:noFill/>
+          <a:ln>
+            <a:solidFill>
+              <a:schemeClr val="accent3">
+                <a:lumMod val="60000"/>
+                <a:lumOff val="40000"/>
+              </a:schemeClr>
+            </a:solidFill>
+          </a:ln>
+        </p:spPr>
+        <p:txBody>
+          <a:bodyPr wrap="square" rtlCol="0">
+            <a:spAutoFit/>
+          </a:bodyPr>
+          <a:lstStyle/>
+          <a:p>
+            <a:r>
+              <a:rPr lang="en-GB" b="1" dirty="0">
+                <a:solidFill>
+                  <a:schemeClr val="tx1">
+                    <a:lumMod val="75000"/>
+                    <a:lumOff val="25000"/>
+                  </a:schemeClr>
+                </a:solidFill>
+                <a:latin typeface="Raleway" pitchFamily="2" charset="77"/>
+              </a:rPr>
+              <a:t>Enum Types</a:t>
+            </a:r>
+          </a:p>
+          <a:p>
+            <a:endParaRPr lang="en-GB" dirty="0">
+              <a:solidFill>
+                <a:schemeClr val="tx1">
+                  <a:lumMod val="75000"/>
+                  <a:lumOff val="25000"/>
+                </a:schemeClr>
+              </a:solidFill>
+              <a:latin typeface="Raleway" pitchFamily="2" charset="77"/>
+            </a:endParaRPr>
+          </a:p>
+          <a:p>
+            <a:r>
+              <a:rPr lang="en-GB" dirty="0">
+                <a:solidFill>
+                  <a:schemeClr val="tx1">
+                    <a:lumMod val="75000"/>
+                    <a:lumOff val="25000"/>
+                  </a:schemeClr>
+                </a:solidFill>
+                <a:latin typeface="Raleway" pitchFamily="2" charset="77"/>
+              </a:rPr>
+              <a:t>An interface specifies a set of fields that multiple object types can include.</a:t>
+            </a:r>
+          </a:p>
+          <a:p>
+            <a:endParaRPr lang="en-GB" dirty="0">
+              <a:solidFill>
+                <a:schemeClr val="tx1">
+                  <a:lumMod val="75000"/>
+                  <a:lumOff val="25000"/>
+                </a:schemeClr>
+              </a:solidFill>
+              <a:latin typeface="Raleway" pitchFamily="2" charset="77"/>
+            </a:endParaRPr>
+          </a:p>
+          <a:p>
+            <a:endParaRPr lang="en-GB" dirty="0">
+              <a:solidFill>
+                <a:schemeClr val="tx1">
+                  <a:lumMod val="75000"/>
+                  <a:lumOff val="25000"/>
+                </a:schemeClr>
+              </a:solidFill>
+              <a:latin typeface="Raleway" pitchFamily="2" charset="77"/>
+            </a:endParaRPr>
+          </a:p>
+          <a:p>
+            <a:endParaRPr lang="en-GB" dirty="0">
+              <a:solidFill>
+                <a:schemeClr val="tx1">
+                  <a:lumMod val="75000"/>
+                  <a:lumOff val="25000"/>
+                </a:schemeClr>
+              </a:solidFill>
+              <a:latin typeface="Raleway" pitchFamily="2" charset="77"/>
+            </a:endParaRPr>
+          </a:p>
+          <a:p>
+            <a:endParaRPr lang="en-GB" dirty="0">
+              <a:solidFill>
+                <a:schemeClr val="tx1">
+                  <a:lumMod val="75000"/>
+                  <a:lumOff val="25000"/>
+                </a:schemeClr>
+              </a:solidFill>
+              <a:latin typeface="Raleway" pitchFamily="2" charset="77"/>
+            </a:endParaRPr>
+          </a:p>
+          <a:p>
+            <a:endParaRPr lang="en-GB" dirty="0">
+              <a:solidFill>
+                <a:schemeClr val="tx1">
+                  <a:lumMod val="75000"/>
+                  <a:lumOff val="25000"/>
+                </a:schemeClr>
+              </a:solidFill>
+              <a:latin typeface="Raleway" pitchFamily="2" charset="77"/>
+            </a:endParaRPr>
+          </a:p>
+          <a:p>
+            <a:endParaRPr lang="en-GB" dirty="0">
+              <a:solidFill>
+                <a:schemeClr val="tx1">
+                  <a:lumMod val="75000"/>
+                  <a:lumOff val="25000"/>
+                </a:schemeClr>
+              </a:solidFill>
+              <a:latin typeface="Raleway" pitchFamily="2" charset="77"/>
+            </a:endParaRPr>
+          </a:p>
+          <a:p>
+            <a:endParaRPr lang="en-GB" dirty="0">
+              <a:solidFill>
+                <a:schemeClr val="tx1">
+                  <a:lumMod val="75000"/>
+                  <a:lumOff val="25000"/>
+                </a:schemeClr>
+              </a:solidFill>
+              <a:latin typeface="Raleway" pitchFamily="2" charset="77"/>
+            </a:endParaRPr>
+          </a:p>
+        </p:txBody>
+      </p:sp>
+    </p:spTree>
+    <p:extLst>
+      <p:ext uri="{BB962C8B-B14F-4D97-AF65-F5344CB8AC3E}">
+        <p14:creationId xmlns:p14="http://schemas.microsoft.com/office/powerpoint/2010/main" val="1373654288"/>
       </p:ext>
     </p:extLst>
   </p:cSld>
@@ -9399,7 +9589,7 @@
                   </a:schemeClr>
                 </a:solidFill>
               </a:rPr>
-              <a:t>GraphQL: Data Types</a:t>
+              <a:t>GraphQL: Mutation</a:t>
             </a:r>
             <a:endParaRPr lang="de-DE" dirty="0">
               <a:solidFill>
@@ -9453,582 +9643,6 @@
               <a:rPr lang="de-DE" b="1" smtClean="0"/>
               <a:pPr/>
               <a:t>18</a:t>
-            </a:fld>
-            <a:r>
-              <a:rPr lang="de-DE"/>
-              <a:t> </a:t>
-            </a:r>
-            <a:r>
-              <a:rPr lang="de-DE">
-                <a:solidFill>
-                  <a:srgbClr val="4F4F4F"/>
-                </a:solidFill>
-              </a:rPr>
-              <a:t>| cloudklabauter.de</a:t>
-            </a:r>
-          </a:p>
-        </p:txBody>
-      </p:sp>
-      <p:sp>
-        <p:nvSpPr>
-          <p:cNvPr id="6" name="Textfeld 11">
-            <a:extLst>
-              <a:ext uri="{FF2B5EF4-FFF2-40B4-BE49-F238E27FC236}">
-                <a16:creationId xmlns:a16="http://schemas.microsoft.com/office/drawing/2014/main" id="{017C06BF-161C-2046-B380-C974070FB5D7}"/>
-              </a:ext>
-            </a:extLst>
-          </p:cNvPr>
-          <p:cNvSpPr txBox="1"/>
-          <p:nvPr/>
-        </p:nvSpPr>
-        <p:spPr>
-          <a:xfrm>
-            <a:off x="1462548" y="1981357"/>
-            <a:ext cx="2989379" cy="3416320"/>
-          </a:xfrm>
-          <a:prstGeom prst="rect">
-            <a:avLst/>
-          </a:prstGeom>
-          <a:noFill/>
-          <a:ln>
-            <a:solidFill>
-              <a:schemeClr val="accent3">
-                <a:lumMod val="60000"/>
-                <a:lumOff val="40000"/>
-              </a:schemeClr>
-            </a:solidFill>
-          </a:ln>
-        </p:spPr>
-        <p:txBody>
-          <a:bodyPr wrap="square" rtlCol="0">
-            <a:spAutoFit/>
-          </a:bodyPr>
-          <a:lstStyle/>
-          <a:p>
-            <a:r>
-              <a:rPr lang="en-GB" b="1" dirty="0">
-                <a:solidFill>
-                  <a:schemeClr val="tx1">
-                    <a:lumMod val="75000"/>
-                    <a:lumOff val="25000"/>
-                  </a:schemeClr>
-                </a:solidFill>
-                <a:latin typeface="Raleway" pitchFamily="2" charset="77"/>
-              </a:rPr>
-              <a:t>Scalar Types</a:t>
-            </a:r>
-          </a:p>
-          <a:p>
-            <a:endParaRPr lang="en-GB" dirty="0">
-              <a:solidFill>
-                <a:schemeClr val="tx1">
-                  <a:lumMod val="75000"/>
-                  <a:lumOff val="25000"/>
-                </a:schemeClr>
-              </a:solidFill>
-              <a:latin typeface="Raleway" pitchFamily="2" charset="77"/>
-            </a:endParaRPr>
-          </a:p>
-          <a:p>
-            <a:r>
-              <a:rPr lang="en-GB" dirty="0">
-                <a:solidFill>
-                  <a:schemeClr val="tx1">
-                    <a:lumMod val="75000"/>
-                    <a:lumOff val="25000"/>
-                  </a:schemeClr>
-                </a:solidFill>
-                <a:latin typeface="Raleway" pitchFamily="2" charset="77"/>
-              </a:rPr>
-              <a:t>Similar to primitive types in any other programming language</a:t>
-            </a:r>
-          </a:p>
-          <a:p>
-            <a:endParaRPr lang="en-GB" dirty="0">
-              <a:solidFill>
-                <a:schemeClr val="tx1">
-                  <a:lumMod val="75000"/>
-                  <a:lumOff val="25000"/>
-                </a:schemeClr>
-              </a:solidFill>
-              <a:latin typeface="Raleway" pitchFamily="2" charset="77"/>
-            </a:endParaRPr>
-          </a:p>
-          <a:p>
-            <a:r>
-              <a:rPr lang="en-GB" dirty="0">
-                <a:solidFill>
-                  <a:schemeClr val="tx1">
-                    <a:lumMod val="75000"/>
-                    <a:lumOff val="25000"/>
-                  </a:schemeClr>
-                </a:solidFill>
-                <a:latin typeface="Raleway" pitchFamily="2" charset="77"/>
-              </a:rPr>
-              <a:t>Int, Float, String, Boolean &amp; ID</a:t>
-            </a:r>
-          </a:p>
-          <a:p>
-            <a:endParaRPr lang="en-GB" dirty="0">
-              <a:solidFill>
-                <a:schemeClr val="tx1">
-                  <a:lumMod val="75000"/>
-                  <a:lumOff val="25000"/>
-                </a:schemeClr>
-              </a:solidFill>
-              <a:latin typeface="Raleway" pitchFamily="2" charset="77"/>
-            </a:endParaRPr>
-          </a:p>
-          <a:p>
-            <a:r>
-              <a:rPr lang="en-GB" dirty="0">
-                <a:solidFill>
-                  <a:schemeClr val="tx1">
-                    <a:lumMod val="75000"/>
-                    <a:lumOff val="25000"/>
-                  </a:schemeClr>
-                </a:solidFill>
-                <a:latin typeface="Raleway" pitchFamily="2" charset="77"/>
-              </a:rPr>
-              <a:t>Custom Scalar Types are supported</a:t>
-            </a:r>
-          </a:p>
-          <a:p>
-            <a:endParaRPr lang="en-GB" dirty="0">
-              <a:solidFill>
-                <a:schemeClr val="tx1">
-                  <a:lumMod val="75000"/>
-                  <a:lumOff val="25000"/>
-                </a:schemeClr>
-              </a:solidFill>
-              <a:latin typeface="Raleway" pitchFamily="2" charset="77"/>
-            </a:endParaRPr>
-          </a:p>
-        </p:txBody>
-      </p:sp>
-      <p:sp>
-        <p:nvSpPr>
-          <p:cNvPr id="5" name="Textfeld 11">
-            <a:extLst>
-              <a:ext uri="{FF2B5EF4-FFF2-40B4-BE49-F238E27FC236}">
-                <a16:creationId xmlns:a16="http://schemas.microsoft.com/office/drawing/2014/main" id="{2C38A06A-16BA-984C-BFB2-F9AFE59095BF}"/>
-              </a:ext>
-            </a:extLst>
-          </p:cNvPr>
-          <p:cNvSpPr txBox="1"/>
-          <p:nvPr/>
-        </p:nvSpPr>
-        <p:spPr>
-          <a:xfrm>
-            <a:off x="4653712" y="1981357"/>
-            <a:ext cx="2989379" cy="3416320"/>
-          </a:xfrm>
-          <a:prstGeom prst="rect">
-            <a:avLst/>
-          </a:prstGeom>
-          <a:noFill/>
-          <a:ln>
-            <a:solidFill>
-              <a:schemeClr val="accent3">
-                <a:lumMod val="60000"/>
-                <a:lumOff val="40000"/>
-              </a:schemeClr>
-            </a:solidFill>
-          </a:ln>
-        </p:spPr>
-        <p:txBody>
-          <a:bodyPr wrap="square" rtlCol="0">
-            <a:spAutoFit/>
-          </a:bodyPr>
-          <a:lstStyle/>
-          <a:p>
-            <a:r>
-              <a:rPr lang="en-GB" b="1" dirty="0">
-                <a:solidFill>
-                  <a:schemeClr val="tx1">
-                    <a:lumMod val="75000"/>
-                    <a:lumOff val="25000"/>
-                  </a:schemeClr>
-                </a:solidFill>
-                <a:latin typeface="Raleway" pitchFamily="2" charset="77"/>
-              </a:rPr>
-              <a:t>Object Types</a:t>
-            </a:r>
-          </a:p>
-          <a:p>
-            <a:endParaRPr lang="en-GB" dirty="0">
-              <a:solidFill>
-                <a:schemeClr val="tx1">
-                  <a:lumMod val="75000"/>
-                  <a:lumOff val="25000"/>
-                </a:schemeClr>
-              </a:solidFill>
-              <a:latin typeface="Raleway" pitchFamily="2" charset="77"/>
-            </a:endParaRPr>
-          </a:p>
-          <a:p>
-            <a:r>
-              <a:rPr lang="en-GB" dirty="0">
-                <a:solidFill>
-                  <a:schemeClr val="tx1">
-                    <a:lumMod val="75000"/>
-                    <a:lumOff val="25000"/>
-                  </a:schemeClr>
-                </a:solidFill>
-                <a:latin typeface="Raleway" pitchFamily="2" charset="77"/>
-              </a:rPr>
-              <a:t>Object type contains a collection of fields</a:t>
-            </a:r>
-          </a:p>
-          <a:p>
-            <a:endParaRPr lang="en-GB" dirty="0">
-              <a:solidFill>
-                <a:schemeClr val="tx1">
-                  <a:lumMod val="75000"/>
-                  <a:lumOff val="25000"/>
-                </a:schemeClr>
-              </a:solidFill>
-              <a:latin typeface="Raleway" pitchFamily="2" charset="77"/>
-            </a:endParaRPr>
-          </a:p>
-          <a:p>
-            <a:r>
-              <a:rPr lang="en-GB" dirty="0">
-                <a:solidFill>
-                  <a:schemeClr val="tx1">
-                    <a:lumMod val="75000"/>
-                    <a:lumOff val="25000"/>
-                  </a:schemeClr>
-                </a:solidFill>
-                <a:latin typeface="Raleway" pitchFamily="2" charset="77"/>
-              </a:rPr>
-              <a:t>Fields are scalar types or other object types</a:t>
-            </a:r>
-          </a:p>
-          <a:p>
-            <a:endParaRPr lang="en-GB" dirty="0">
-              <a:solidFill>
-                <a:schemeClr val="tx1">
-                  <a:lumMod val="75000"/>
-                  <a:lumOff val="25000"/>
-                </a:schemeClr>
-              </a:solidFill>
-              <a:latin typeface="Raleway" pitchFamily="2" charset="77"/>
-            </a:endParaRPr>
-          </a:p>
-          <a:p>
-            <a:endParaRPr lang="en-GB" dirty="0">
-              <a:solidFill>
-                <a:schemeClr val="tx1">
-                  <a:lumMod val="75000"/>
-                  <a:lumOff val="25000"/>
-                </a:schemeClr>
-              </a:solidFill>
-              <a:latin typeface="Raleway" pitchFamily="2" charset="77"/>
-            </a:endParaRPr>
-          </a:p>
-          <a:p>
-            <a:endParaRPr lang="en-GB" dirty="0">
-              <a:solidFill>
-                <a:schemeClr val="tx1">
-                  <a:lumMod val="75000"/>
-                  <a:lumOff val="25000"/>
-                </a:schemeClr>
-              </a:solidFill>
-              <a:latin typeface="Raleway" pitchFamily="2" charset="77"/>
-            </a:endParaRPr>
-          </a:p>
-          <a:p>
-            <a:endParaRPr lang="en-GB" dirty="0">
-              <a:solidFill>
-                <a:schemeClr val="tx1">
-                  <a:lumMod val="75000"/>
-                  <a:lumOff val="25000"/>
-                </a:schemeClr>
-              </a:solidFill>
-              <a:latin typeface="Raleway" pitchFamily="2" charset="77"/>
-            </a:endParaRPr>
-          </a:p>
-          <a:p>
-            <a:endParaRPr lang="en-GB" dirty="0">
-              <a:solidFill>
-                <a:schemeClr val="tx1">
-                  <a:lumMod val="75000"/>
-                  <a:lumOff val="25000"/>
-                </a:schemeClr>
-              </a:solidFill>
-              <a:latin typeface="Raleway" pitchFamily="2" charset="77"/>
-            </a:endParaRPr>
-          </a:p>
-        </p:txBody>
-      </p:sp>
-      <p:sp>
-        <p:nvSpPr>
-          <p:cNvPr id="7" name="Textfeld 11">
-            <a:extLst>
-              <a:ext uri="{FF2B5EF4-FFF2-40B4-BE49-F238E27FC236}">
-                <a16:creationId xmlns:a16="http://schemas.microsoft.com/office/drawing/2014/main" id="{2F1AF24D-8674-7E4A-BE90-665CB0DA9D4C}"/>
-              </a:ext>
-            </a:extLst>
-          </p:cNvPr>
-          <p:cNvSpPr txBox="1"/>
-          <p:nvPr/>
-        </p:nvSpPr>
-        <p:spPr>
-          <a:xfrm>
-            <a:off x="7844876" y="1981357"/>
-            <a:ext cx="2989379" cy="3416320"/>
-          </a:xfrm>
-          <a:prstGeom prst="rect">
-            <a:avLst/>
-          </a:prstGeom>
-          <a:noFill/>
-          <a:ln>
-            <a:solidFill>
-              <a:schemeClr val="accent3">
-                <a:lumMod val="60000"/>
-                <a:lumOff val="40000"/>
-              </a:schemeClr>
-            </a:solidFill>
-          </a:ln>
-        </p:spPr>
-        <p:txBody>
-          <a:bodyPr wrap="square" rtlCol="0">
-            <a:spAutoFit/>
-          </a:bodyPr>
-          <a:lstStyle/>
-          <a:p>
-            <a:r>
-              <a:rPr lang="en-GB" b="1" dirty="0">
-                <a:solidFill>
-                  <a:schemeClr val="tx1">
-                    <a:lumMod val="75000"/>
-                    <a:lumOff val="25000"/>
-                  </a:schemeClr>
-                </a:solidFill>
-                <a:latin typeface="Raleway" pitchFamily="2" charset="77"/>
-              </a:rPr>
-              <a:t>Enum Types</a:t>
-            </a:r>
-          </a:p>
-          <a:p>
-            <a:endParaRPr lang="en-GB" dirty="0">
-              <a:solidFill>
-                <a:schemeClr val="tx1">
-                  <a:lumMod val="75000"/>
-                  <a:lumOff val="25000"/>
-                </a:schemeClr>
-              </a:solidFill>
-              <a:latin typeface="Raleway" pitchFamily="2" charset="77"/>
-            </a:endParaRPr>
-          </a:p>
-          <a:p>
-            <a:r>
-              <a:rPr lang="en-GB" dirty="0">
-                <a:solidFill>
-                  <a:schemeClr val="tx1">
-                    <a:lumMod val="75000"/>
-                    <a:lumOff val="25000"/>
-                  </a:schemeClr>
-                </a:solidFill>
-                <a:latin typeface="Raleway" pitchFamily="2" charset="77"/>
-              </a:rPr>
-              <a:t>An interface specifies a set of fields that multiple object types can include.</a:t>
-            </a:r>
-          </a:p>
-          <a:p>
-            <a:endParaRPr lang="en-GB" dirty="0">
-              <a:solidFill>
-                <a:schemeClr val="tx1">
-                  <a:lumMod val="75000"/>
-                  <a:lumOff val="25000"/>
-                </a:schemeClr>
-              </a:solidFill>
-              <a:latin typeface="Raleway" pitchFamily="2" charset="77"/>
-            </a:endParaRPr>
-          </a:p>
-          <a:p>
-            <a:endParaRPr lang="en-GB" dirty="0">
-              <a:solidFill>
-                <a:schemeClr val="tx1">
-                  <a:lumMod val="75000"/>
-                  <a:lumOff val="25000"/>
-                </a:schemeClr>
-              </a:solidFill>
-              <a:latin typeface="Raleway" pitchFamily="2" charset="77"/>
-            </a:endParaRPr>
-          </a:p>
-          <a:p>
-            <a:endParaRPr lang="en-GB" dirty="0">
-              <a:solidFill>
-                <a:schemeClr val="tx1">
-                  <a:lumMod val="75000"/>
-                  <a:lumOff val="25000"/>
-                </a:schemeClr>
-              </a:solidFill>
-              <a:latin typeface="Raleway" pitchFamily="2" charset="77"/>
-            </a:endParaRPr>
-          </a:p>
-          <a:p>
-            <a:endParaRPr lang="en-GB" dirty="0">
-              <a:solidFill>
-                <a:schemeClr val="tx1">
-                  <a:lumMod val="75000"/>
-                  <a:lumOff val="25000"/>
-                </a:schemeClr>
-              </a:solidFill>
-              <a:latin typeface="Raleway" pitchFamily="2" charset="77"/>
-            </a:endParaRPr>
-          </a:p>
-          <a:p>
-            <a:endParaRPr lang="en-GB" dirty="0">
-              <a:solidFill>
-                <a:schemeClr val="tx1">
-                  <a:lumMod val="75000"/>
-                  <a:lumOff val="25000"/>
-                </a:schemeClr>
-              </a:solidFill>
-              <a:latin typeface="Raleway" pitchFamily="2" charset="77"/>
-            </a:endParaRPr>
-          </a:p>
-          <a:p>
-            <a:endParaRPr lang="en-GB" dirty="0">
-              <a:solidFill>
-                <a:schemeClr val="tx1">
-                  <a:lumMod val="75000"/>
-                  <a:lumOff val="25000"/>
-                </a:schemeClr>
-              </a:solidFill>
-              <a:latin typeface="Raleway" pitchFamily="2" charset="77"/>
-            </a:endParaRPr>
-          </a:p>
-          <a:p>
-            <a:endParaRPr lang="en-GB" dirty="0">
-              <a:solidFill>
-                <a:schemeClr val="tx1">
-                  <a:lumMod val="75000"/>
-                  <a:lumOff val="25000"/>
-                </a:schemeClr>
-              </a:solidFill>
-              <a:latin typeface="Raleway" pitchFamily="2" charset="77"/>
-            </a:endParaRPr>
-          </a:p>
-        </p:txBody>
-      </p:sp>
-    </p:spTree>
-    <p:extLst>
-      <p:ext uri="{BB962C8B-B14F-4D97-AF65-F5344CB8AC3E}">
-        <p14:creationId xmlns:p14="http://schemas.microsoft.com/office/powerpoint/2010/main" val="1373654288"/>
-      </p:ext>
-    </p:extLst>
-  </p:cSld>
-  <p:clrMapOvr>
-    <a:masterClrMapping/>
-  </p:clrMapOvr>
-</p:sld>
-</file>
-
-<file path=ppt/slides/slide19.xml><?xml version="1.0" encoding="utf-8"?>
-<p:sld xmlns:a="http://schemas.openxmlformats.org/drawingml/2006/main" xmlns:r="http://schemas.openxmlformats.org/officeDocument/2006/relationships" xmlns:p="http://schemas.openxmlformats.org/presentationml/2006/main">
-  <p:cSld>
-    <p:spTree>
-      <p:nvGrpSpPr>
-        <p:cNvPr id="1" name=""/>
-        <p:cNvGrpSpPr/>
-        <p:nvPr/>
-      </p:nvGrpSpPr>
-      <p:grpSpPr>
-        <a:xfrm>
-          <a:off x="0" y="0"/>
-          <a:ext cx="0" cy="0"/>
-          <a:chOff x="0" y="0"/>
-          <a:chExt cx="0" cy="0"/>
-        </a:xfrm>
-      </p:grpSpPr>
-      <p:sp>
-        <p:nvSpPr>
-          <p:cNvPr id="2" name="Titel 1">
-            <a:extLst>
-              <a:ext uri="{FF2B5EF4-FFF2-40B4-BE49-F238E27FC236}">
-                <a16:creationId xmlns:a16="http://schemas.microsoft.com/office/drawing/2014/main" id="{98260182-CA33-48F6-BC1E-03047240F8EC}"/>
-              </a:ext>
-            </a:extLst>
-          </p:cNvPr>
-          <p:cNvSpPr>
-            <a:spLocks noGrp="1"/>
-          </p:cNvSpPr>
-          <p:nvPr>
-            <p:ph type="title"/>
-          </p:nvPr>
-        </p:nvSpPr>
-        <p:spPr/>
-        <p:txBody>
-          <a:bodyPr anchor="b"/>
-          <a:lstStyle/>
-          <a:p>
-            <a:r>
-              <a:rPr lang="en-US" dirty="0">
-                <a:solidFill>
-                  <a:schemeClr val="tx1">
-                    <a:lumMod val="75000"/>
-                    <a:lumOff val="25000"/>
-                  </a:schemeClr>
-                </a:solidFill>
-              </a:rPr>
-              <a:t>GraphQL: Mutation</a:t>
-            </a:r>
-            <a:endParaRPr lang="de-DE" dirty="0">
-              <a:solidFill>
-                <a:schemeClr val="tx1">
-                  <a:lumMod val="75000"/>
-                  <a:lumOff val="25000"/>
-                </a:schemeClr>
-              </a:solidFill>
-            </a:endParaRPr>
-          </a:p>
-        </p:txBody>
-      </p:sp>
-      <p:sp>
-        <p:nvSpPr>
-          <p:cNvPr id="4" name="Datumsplatzhalter 3">
-            <a:extLst>
-              <a:ext uri="{FF2B5EF4-FFF2-40B4-BE49-F238E27FC236}">
-                <a16:creationId xmlns:a16="http://schemas.microsoft.com/office/drawing/2014/main" id="{372D7581-15AB-453A-8172-2DD260D4AD01}"/>
-              </a:ext>
-            </a:extLst>
-          </p:cNvPr>
-          <p:cNvSpPr>
-            <a:spLocks noGrp="1"/>
-          </p:cNvSpPr>
-          <p:nvPr>
-            <p:ph type="dt" sz="half" idx="2"/>
-          </p:nvPr>
-        </p:nvSpPr>
-        <p:spPr>
-          <a:xfrm>
-            <a:off x="526625" y="6356350"/>
-            <a:ext cx="2743200" cy="365125"/>
-          </a:xfrm>
-          <a:prstGeom prst="rect">
-            <a:avLst/>
-          </a:prstGeom>
-        </p:spPr>
-        <p:txBody>
-          <a:bodyPr vert="horz" lIns="91440" tIns="45720" rIns="91440" bIns="45720" rtlCol="0" anchor="ctr"/>
-          <a:lstStyle>
-            <a:lvl1pPr algn="l">
-              <a:defRPr sz="1200">
-                <a:solidFill>
-                  <a:schemeClr val="tx1"/>
-                </a:solidFill>
-              </a:defRPr>
-            </a:lvl1pPr>
-          </a:lstStyle>
-          <a:p>
-            <a:fld id="{95CA576C-67C8-4CE2-9686-DB10934C823F}" type="slidenum">
-              <a:rPr lang="de-DE" b="1" smtClean="0"/>
-              <a:pPr/>
-              <a:t>19</a:t>
             </a:fld>
             <a:r>
               <a:rPr lang="de-DE"/>
@@ -10283,6 +9897,247 @@
 </p:sld>
 </file>
 
+<file path=ppt/slides/slide19.xml><?xml version="1.0" encoding="utf-8"?>
+<p:sld xmlns:a="http://schemas.openxmlformats.org/drawingml/2006/main" xmlns:r="http://schemas.openxmlformats.org/officeDocument/2006/relationships" xmlns:p="http://schemas.openxmlformats.org/presentationml/2006/main">
+  <p:cSld>
+    <p:spTree>
+      <p:nvGrpSpPr>
+        <p:cNvPr id="1" name=""/>
+        <p:cNvGrpSpPr/>
+        <p:nvPr/>
+      </p:nvGrpSpPr>
+      <p:grpSpPr>
+        <a:xfrm>
+          <a:off x="0" y="0"/>
+          <a:ext cx="0" cy="0"/>
+          <a:chOff x="0" y="0"/>
+          <a:chExt cx="0" cy="0"/>
+        </a:xfrm>
+      </p:grpSpPr>
+      <p:sp>
+        <p:nvSpPr>
+          <p:cNvPr id="2" name="Titel 1">
+            <a:extLst>
+              <a:ext uri="{FF2B5EF4-FFF2-40B4-BE49-F238E27FC236}">
+                <a16:creationId xmlns:a16="http://schemas.microsoft.com/office/drawing/2014/main" id="{98260182-CA33-48F6-BC1E-03047240F8EC}"/>
+              </a:ext>
+            </a:extLst>
+          </p:cNvPr>
+          <p:cNvSpPr>
+            <a:spLocks noGrp="1"/>
+          </p:cNvSpPr>
+          <p:nvPr>
+            <p:ph type="title"/>
+          </p:nvPr>
+        </p:nvSpPr>
+        <p:spPr/>
+        <p:txBody>
+          <a:bodyPr anchor="b"/>
+          <a:lstStyle/>
+          <a:p>
+            <a:r>
+              <a:rPr lang="en-US" dirty="0">
+                <a:solidFill>
+                  <a:schemeClr val="tx1">
+                    <a:lumMod val="75000"/>
+                    <a:lumOff val="25000"/>
+                  </a:schemeClr>
+                </a:solidFill>
+              </a:rPr>
+              <a:t>👨‍🏫 Create GraphQL Server with Hot Chocolate</a:t>
+            </a:r>
+            <a:endParaRPr lang="de-DE" dirty="0">
+              <a:solidFill>
+                <a:schemeClr val="tx1">
+                  <a:lumMod val="75000"/>
+                  <a:lumOff val="25000"/>
+                </a:schemeClr>
+              </a:solidFill>
+            </a:endParaRPr>
+          </a:p>
+        </p:txBody>
+      </p:sp>
+      <p:sp>
+        <p:nvSpPr>
+          <p:cNvPr id="4" name="Datumsplatzhalter 3">
+            <a:extLst>
+              <a:ext uri="{FF2B5EF4-FFF2-40B4-BE49-F238E27FC236}">
+                <a16:creationId xmlns:a16="http://schemas.microsoft.com/office/drawing/2014/main" id="{372D7581-15AB-453A-8172-2DD260D4AD01}"/>
+              </a:ext>
+            </a:extLst>
+          </p:cNvPr>
+          <p:cNvSpPr>
+            <a:spLocks noGrp="1"/>
+          </p:cNvSpPr>
+          <p:nvPr>
+            <p:ph type="dt" sz="half" idx="2"/>
+          </p:nvPr>
+        </p:nvSpPr>
+        <p:spPr>
+          <a:xfrm>
+            <a:off x="526625" y="6356350"/>
+            <a:ext cx="2743200" cy="365125"/>
+          </a:xfrm>
+          <a:prstGeom prst="rect">
+            <a:avLst/>
+          </a:prstGeom>
+        </p:spPr>
+        <p:txBody>
+          <a:bodyPr vert="horz" lIns="91440" tIns="45720" rIns="91440" bIns="45720" rtlCol="0" anchor="ctr"/>
+          <a:lstStyle>
+            <a:lvl1pPr algn="l">
+              <a:defRPr sz="1200">
+                <a:solidFill>
+                  <a:schemeClr val="tx1"/>
+                </a:solidFill>
+              </a:defRPr>
+            </a:lvl1pPr>
+          </a:lstStyle>
+          <a:p>
+            <a:fld id="{95CA576C-67C8-4CE2-9686-DB10934C823F}" type="slidenum">
+              <a:rPr lang="de-DE" b="1" smtClean="0"/>
+              <a:pPr/>
+              <a:t>19</a:t>
+            </a:fld>
+            <a:r>
+              <a:rPr lang="de-DE"/>
+              <a:t> </a:t>
+            </a:r>
+            <a:r>
+              <a:rPr lang="de-DE">
+                <a:solidFill>
+                  <a:srgbClr val="4F4F4F"/>
+                </a:solidFill>
+              </a:rPr>
+              <a:t>| cloudklabauter.de</a:t>
+            </a:r>
+          </a:p>
+        </p:txBody>
+      </p:sp>
+      <p:sp>
+        <p:nvSpPr>
+          <p:cNvPr id="5" name="Textfeld 11">
+            <a:extLst>
+              <a:ext uri="{FF2B5EF4-FFF2-40B4-BE49-F238E27FC236}">
+                <a16:creationId xmlns:a16="http://schemas.microsoft.com/office/drawing/2014/main" id="{C0DD3512-D4C7-934A-BD03-C17E14DCFF8F}"/>
+              </a:ext>
+            </a:extLst>
+          </p:cNvPr>
+          <p:cNvSpPr txBox="1"/>
+          <p:nvPr/>
+        </p:nvSpPr>
+        <p:spPr>
+          <a:xfrm>
+            <a:off x="3516598" y="2430355"/>
+            <a:ext cx="5598007" cy="1844159"/>
+          </a:xfrm>
+          <a:prstGeom prst="rect">
+            <a:avLst/>
+          </a:prstGeom>
+          <a:noFill/>
+        </p:spPr>
+        <p:txBody>
+          <a:bodyPr wrap="none" rtlCol="0">
+            <a:spAutoFit/>
+          </a:bodyPr>
+          <a:lstStyle/>
+          <a:p>
+            <a:r>
+              <a:rPr lang="en-GB" b="1" dirty="0">
+                <a:solidFill>
+                  <a:schemeClr val="tx1">
+                    <a:lumMod val="75000"/>
+                    <a:lumOff val="25000"/>
+                  </a:schemeClr>
+                </a:solidFill>
+                <a:latin typeface="Raleway" pitchFamily="2" charset="77"/>
+              </a:rPr>
+              <a:t>We will:</a:t>
+            </a:r>
+          </a:p>
+          <a:p>
+            <a:endParaRPr lang="en-GB" dirty="0">
+              <a:solidFill>
+                <a:schemeClr val="tx1">
+                  <a:lumMod val="75000"/>
+                  <a:lumOff val="25000"/>
+                </a:schemeClr>
+              </a:solidFill>
+              <a:latin typeface="Raleway" pitchFamily="2" charset="77"/>
+            </a:endParaRPr>
+          </a:p>
+          <a:p>
+            <a:pPr>
+              <a:lnSpc>
+                <a:spcPct val="150000"/>
+              </a:lnSpc>
+            </a:pPr>
+            <a:r>
+              <a:rPr lang="en-GB" dirty="0">
+                <a:solidFill>
+                  <a:schemeClr val="tx1">
+                    <a:lumMod val="75000"/>
+                    <a:lumOff val="25000"/>
+                  </a:schemeClr>
+                </a:solidFill>
+                <a:latin typeface="Raleway" pitchFamily="2" charset="77"/>
+              </a:rPr>
+              <a:t>Create a new .NET 6 Project with Hot Chocolate</a:t>
+            </a:r>
+          </a:p>
+          <a:p>
+            <a:pPr>
+              <a:lnSpc>
+                <a:spcPct val="150000"/>
+              </a:lnSpc>
+            </a:pPr>
+            <a:r>
+              <a:rPr lang="en-GB" dirty="0">
+                <a:solidFill>
+                  <a:schemeClr val="tx1">
+                    <a:lumMod val="75000"/>
+                    <a:lumOff val="25000"/>
+                  </a:schemeClr>
+                </a:solidFill>
+                <a:latin typeface="Raleway" pitchFamily="2" charset="77"/>
+              </a:rPr>
+              <a:t>Implement a Query &amp; Mutation</a:t>
+            </a:r>
+          </a:p>
+          <a:p>
+            <a:pPr>
+              <a:lnSpc>
+                <a:spcPct val="150000"/>
+              </a:lnSpc>
+            </a:pPr>
+            <a:r>
+              <a:rPr lang="en-GB" dirty="0">
+                <a:solidFill>
+                  <a:schemeClr val="tx1">
+                    <a:lumMod val="75000"/>
+                    <a:lumOff val="25000"/>
+                  </a:schemeClr>
+                </a:solidFill>
+                <a:latin typeface="Raleway" pitchFamily="2" charset="77"/>
+              </a:rPr>
+              <a:t>Execute the implementation to load and write data</a:t>
+            </a:r>
+          </a:p>
+        </p:txBody>
+      </p:sp>
+    </p:spTree>
+    <p:extLst>
+      <p:ext uri="{BB962C8B-B14F-4D97-AF65-F5344CB8AC3E}">
+        <p14:creationId xmlns:p14="http://schemas.microsoft.com/office/powerpoint/2010/main" val="4081456737"/>
+      </p:ext>
+    </p:extLst>
+  </p:cSld>
+  <p:clrMapOvr>
+    <a:masterClrMapping/>
+  </p:clrMapOvr>
+</p:sld>
+</file>
+
 <file path=ppt/slides/slide2.xml><?xml version="1.0" encoding="utf-8"?>
 <p:sld xmlns:a="http://schemas.openxmlformats.org/drawingml/2006/main" xmlns:r="http://schemas.openxmlformats.org/officeDocument/2006/relationships" xmlns:p="http://schemas.openxmlformats.org/presentationml/2006/main">
   <p:cSld>
@@ -10302,10 +10157,10 @@
       </p:grpSpPr>
       <p:sp>
         <p:nvSpPr>
-          <p:cNvPr id="2" name="Title 1">
-            <a:extLst>
-              <a:ext uri="{FF2B5EF4-FFF2-40B4-BE49-F238E27FC236}">
-                <a16:creationId xmlns:a16="http://schemas.microsoft.com/office/drawing/2014/main" id="{55F377F9-64F1-1F4F-8D20-8A8F643D061C}"/>
+          <p:cNvPr id="2" name="Titel 1">
+            <a:extLst>
+              <a:ext uri="{FF2B5EF4-FFF2-40B4-BE49-F238E27FC236}">
+                <a16:creationId xmlns:a16="http://schemas.microsoft.com/office/drawing/2014/main" id="{98260182-CA33-48F6-BC1E-03047240F8EC}"/>
               </a:ext>
             </a:extLst>
           </p:cNvPr>
@@ -10313,24 +10168,44 @@
             <a:spLocks noGrp="1"/>
           </p:cNvSpPr>
           <p:nvPr>
-            <p:ph type="ctrTitle"/>
+            <p:ph type="title"/>
           </p:nvPr>
         </p:nvSpPr>
         <p:spPr/>
         <p:txBody>
-          <a:bodyPr/>
+          <a:bodyPr anchor="b"/>
           <a:lstStyle/>
           <a:p>
-            <a:endParaRPr lang="de-DE"/>
+            <a:pPr>
+              <a:lnSpc>
+                <a:spcPct val="150000"/>
+              </a:lnSpc>
+            </a:pPr>
+            <a:r>
+              <a:rPr lang="de-DE" dirty="0" err="1"/>
+              <a:t>Whats</a:t>
+            </a:r>
+            <a:r>
+              <a:rPr lang="de-DE" dirty="0"/>
+              <a:t> </a:t>
+            </a:r>
+            <a:r>
+              <a:rPr lang="de-DE" dirty="0" err="1"/>
+              <a:t>the</a:t>
+            </a:r>
+            <a:r>
+              <a:rPr lang="de-DE" dirty="0"/>
+              <a:t> plan?</a:t>
+            </a:r>
           </a:p>
         </p:txBody>
       </p:sp>
       <p:sp>
         <p:nvSpPr>
-          <p:cNvPr id="3" name="Subtitle 2">
-            <a:extLst>
-              <a:ext uri="{FF2B5EF4-FFF2-40B4-BE49-F238E27FC236}">
-                <a16:creationId xmlns:a16="http://schemas.microsoft.com/office/drawing/2014/main" id="{1551DC97-7D55-B34B-AF1B-A39A7DDBBB4A}"/>
+          <p:cNvPr id="4" name="Datumsplatzhalter 3">
+            <a:extLst>
+              <a:ext uri="{FF2B5EF4-FFF2-40B4-BE49-F238E27FC236}">
+                <a16:creationId xmlns:a16="http://schemas.microsoft.com/office/drawing/2014/main" id="{372D7581-15AB-453A-8172-2DD260D4AD01}"/>
               </a:ext>
             </a:extLst>
           </p:cNvPr>
@@ -10338,22 +10213,311 @@
             <a:spLocks noGrp="1"/>
           </p:cNvSpPr>
           <p:nvPr>
-            <p:ph type="subTitle" idx="1"/>
+            <p:ph type="dt" sz="half" idx="2"/>
           </p:nvPr>
         </p:nvSpPr>
-        <p:spPr/>
+        <p:spPr>
+          <a:xfrm>
+            <a:off x="526625" y="6356350"/>
+            <a:ext cx="2743200" cy="365125"/>
+          </a:xfrm>
+          <a:prstGeom prst="rect">
+            <a:avLst/>
+          </a:prstGeom>
+        </p:spPr>
         <p:txBody>
-          <a:bodyPr/>
+          <a:bodyPr vert="horz" lIns="91440" tIns="45720" rIns="91440" bIns="45720" rtlCol="0" anchor="ctr"/>
+          <a:lstStyle>
+            <a:lvl1pPr algn="l">
+              <a:defRPr sz="1200">
+                <a:solidFill>
+                  <a:schemeClr val="tx1"/>
+                </a:solidFill>
+              </a:defRPr>
+            </a:lvl1pPr>
+          </a:lstStyle>
+          <a:p>
+            <a:fld id="{95CA576C-67C8-4CE2-9686-DB10934C823F}" type="slidenum">
+              <a:rPr lang="de-DE" b="1" smtClean="0"/>
+              <a:pPr/>
+              <a:t>2</a:t>
+            </a:fld>
+            <a:r>
+              <a:rPr lang="de-DE"/>
+              <a:t> </a:t>
+            </a:r>
+            <a:r>
+              <a:rPr lang="de-DE">
+                <a:solidFill>
+                  <a:srgbClr val="4F4F4F"/>
+                </a:solidFill>
+              </a:rPr>
+              <a:t>| cloudklabauter.de</a:t>
+            </a:r>
+          </a:p>
+        </p:txBody>
+      </p:sp>
+      <p:sp>
+        <p:nvSpPr>
+          <p:cNvPr id="6" name="Textfeld 11">
+            <a:extLst>
+              <a:ext uri="{FF2B5EF4-FFF2-40B4-BE49-F238E27FC236}">
+                <a16:creationId xmlns:a16="http://schemas.microsoft.com/office/drawing/2014/main" id="{017C06BF-161C-2046-B380-C974070FB5D7}"/>
+              </a:ext>
+            </a:extLst>
+          </p:cNvPr>
+          <p:cNvSpPr txBox="1"/>
+          <p:nvPr/>
+        </p:nvSpPr>
+        <p:spPr>
+          <a:xfrm>
+            <a:off x="2580147" y="2413337"/>
+            <a:ext cx="7784503" cy="2585323"/>
+          </a:xfrm>
+          <a:prstGeom prst="rect">
+            <a:avLst/>
+          </a:prstGeom>
+          <a:noFill/>
+        </p:spPr>
+        <p:txBody>
+          <a:bodyPr wrap="none" rtlCol="0">
+            <a:spAutoFit/>
+          </a:bodyPr>
           <a:lstStyle/>
           <a:p>
-            <a:endParaRPr lang="de-DE" dirty="0"/>
+            <a:r>
+              <a:rPr lang="en-GB" dirty="0">
+                <a:solidFill>
+                  <a:schemeClr val="tx1">
+                    <a:lumMod val="75000"/>
+                    <a:lumOff val="25000"/>
+                  </a:schemeClr>
+                </a:solidFill>
+                <a:latin typeface="Raleway" pitchFamily="2" charset="77"/>
+              </a:rPr>
+              <a:t>What is GraphQL and how do I use it?</a:t>
+            </a:r>
+          </a:p>
+          <a:p>
+            <a:endParaRPr lang="en-GB" dirty="0">
+              <a:solidFill>
+                <a:schemeClr val="tx1">
+                  <a:lumMod val="75000"/>
+                  <a:lumOff val="25000"/>
+                </a:schemeClr>
+              </a:solidFill>
+              <a:latin typeface="Raleway" pitchFamily="2" charset="77"/>
+            </a:endParaRPr>
+          </a:p>
+          <a:p>
+            <a:r>
+              <a:rPr lang="en-GB" dirty="0">
+                <a:solidFill>
+                  <a:schemeClr val="tx1">
+                    <a:lumMod val="75000"/>
+                    <a:lumOff val="25000"/>
+                  </a:schemeClr>
+                </a:solidFill>
+                <a:latin typeface="Raleway" pitchFamily="2" charset="77"/>
+              </a:rPr>
+              <a:t>What are the advantages of GraphQL to REST and where does it differ?</a:t>
+            </a:r>
+          </a:p>
+          <a:p>
+            <a:endParaRPr lang="en-GB" dirty="0">
+              <a:solidFill>
+                <a:schemeClr val="tx1">
+                  <a:lumMod val="75000"/>
+                  <a:lumOff val="25000"/>
+                </a:schemeClr>
+              </a:solidFill>
+              <a:latin typeface="Raleway" pitchFamily="2" charset="77"/>
+            </a:endParaRPr>
+          </a:p>
+          <a:p>
+            <a:r>
+              <a:rPr lang="en-GB" dirty="0">
+                <a:solidFill>
+                  <a:schemeClr val="tx1">
+                    <a:lumMod val="75000"/>
+                    <a:lumOff val="25000"/>
+                  </a:schemeClr>
+                </a:solidFill>
+                <a:latin typeface="Raleway" pitchFamily="2" charset="77"/>
+              </a:rPr>
+              <a:t>What are Queries, Mutation &amp; Subscriptions?</a:t>
+            </a:r>
+          </a:p>
+          <a:p>
+            <a:endParaRPr lang="en-GB" dirty="0">
+              <a:solidFill>
+                <a:schemeClr val="tx1">
+                  <a:lumMod val="75000"/>
+                  <a:lumOff val="25000"/>
+                </a:schemeClr>
+              </a:solidFill>
+              <a:latin typeface="Raleway" pitchFamily="2" charset="77"/>
+            </a:endParaRPr>
+          </a:p>
+          <a:p>
+            <a:r>
+              <a:rPr lang="en-GB" dirty="0">
+                <a:solidFill>
+                  <a:schemeClr val="tx1">
+                    <a:lumMod val="75000"/>
+                    <a:lumOff val="25000"/>
+                  </a:schemeClr>
+                </a:solidFill>
+                <a:latin typeface="Raleway" pitchFamily="2" charset="77"/>
+              </a:rPr>
+              <a:t>How do I create and structure a GraphQL server with Hot Chocolate?</a:t>
+            </a:r>
+          </a:p>
+          <a:p>
+            <a:endParaRPr lang="en-GB" dirty="0">
+              <a:solidFill>
+                <a:schemeClr val="tx1">
+                  <a:lumMod val="75000"/>
+                  <a:lumOff val="25000"/>
+                </a:schemeClr>
+              </a:solidFill>
+              <a:latin typeface="Raleway" pitchFamily="2" charset="77"/>
+            </a:endParaRPr>
+          </a:p>
+          <a:p>
+            <a:r>
+              <a:rPr lang="en-GB" dirty="0">
+                <a:solidFill>
+                  <a:schemeClr val="tx1">
+                    <a:lumMod val="75000"/>
+                    <a:lumOff val="25000"/>
+                  </a:schemeClr>
+                </a:solidFill>
+                <a:latin typeface="Raleway" pitchFamily="2" charset="77"/>
+              </a:rPr>
+              <a:t>Security, Error Handling &amp; Testing</a:t>
+            </a:r>
+          </a:p>
+        </p:txBody>
+      </p:sp>
+      <p:sp>
+        <p:nvSpPr>
+          <p:cNvPr id="10" name="Rectangle 9">
+            <a:extLst>
+              <a:ext uri="{FF2B5EF4-FFF2-40B4-BE49-F238E27FC236}">
+                <a16:creationId xmlns:a16="http://schemas.microsoft.com/office/drawing/2014/main" id="{DFD584A8-1FBC-C845-9964-7BA817C2D644}"/>
+              </a:ext>
+            </a:extLst>
+          </p:cNvPr>
+          <p:cNvSpPr/>
+          <p:nvPr/>
+        </p:nvSpPr>
+        <p:spPr>
+          <a:xfrm>
+            <a:off x="2580147" y="1756918"/>
+            <a:ext cx="5001690" cy="369332"/>
+          </a:xfrm>
+          <a:prstGeom prst="rect">
+            <a:avLst/>
+          </a:prstGeom>
+        </p:spPr>
+        <p:txBody>
+          <a:bodyPr wrap="none">
+            <a:spAutoFit/>
+          </a:bodyPr>
+          <a:lstStyle/>
+          <a:p>
+            <a:r>
+              <a:rPr lang="de-DE" b="1" dirty="0" err="1">
+                <a:latin typeface="Raleway" pitchFamily="2" charset="77"/>
+              </a:rPr>
+              <a:t>We</a:t>
+            </a:r>
+            <a:r>
+              <a:rPr lang="de-DE" b="1" dirty="0">
+                <a:latin typeface="Raleway" pitchFamily="2" charset="77"/>
+              </a:rPr>
+              <a:t> </a:t>
+            </a:r>
+            <a:r>
+              <a:rPr lang="de-DE" b="1" dirty="0" err="1">
+                <a:latin typeface="Raleway" pitchFamily="2" charset="77"/>
+              </a:rPr>
+              <a:t>want</a:t>
+            </a:r>
+            <a:r>
+              <a:rPr lang="de-DE" b="1" dirty="0">
+                <a:latin typeface="Raleway" pitchFamily="2" charset="77"/>
+              </a:rPr>
+              <a:t> </a:t>
+            </a:r>
+            <a:r>
+              <a:rPr lang="de-DE" b="1" dirty="0" err="1">
+                <a:latin typeface="Raleway" pitchFamily="2" charset="77"/>
+              </a:rPr>
+              <a:t>to</a:t>
+            </a:r>
+            <a:r>
+              <a:rPr lang="de-DE" b="1" dirty="0">
+                <a:latin typeface="Raleway" pitchFamily="2" charset="77"/>
+              </a:rPr>
+              <a:t> </a:t>
+            </a:r>
+            <a:r>
+              <a:rPr lang="de-DE" b="1" dirty="0" err="1">
+                <a:latin typeface="Raleway" pitchFamily="2" charset="77"/>
+              </a:rPr>
+              <a:t>answer</a:t>
+            </a:r>
+            <a:r>
+              <a:rPr lang="de-DE" b="1" dirty="0">
+                <a:latin typeface="Raleway" pitchFamily="2" charset="77"/>
+              </a:rPr>
+              <a:t> </a:t>
+            </a:r>
+            <a:r>
+              <a:rPr lang="de-DE" b="1" dirty="0" err="1">
+                <a:latin typeface="Raleway" pitchFamily="2" charset="77"/>
+              </a:rPr>
+              <a:t>the</a:t>
+            </a:r>
+            <a:r>
+              <a:rPr lang="de-DE" b="1" dirty="0">
+                <a:latin typeface="Raleway" pitchFamily="2" charset="77"/>
+              </a:rPr>
+              <a:t> </a:t>
+            </a:r>
+            <a:r>
+              <a:rPr lang="de-DE" b="1" dirty="0" err="1">
+                <a:latin typeface="Raleway" pitchFamily="2" charset="77"/>
+              </a:rPr>
+              <a:t>following</a:t>
+            </a:r>
+            <a:r>
+              <a:rPr lang="de-DE" b="1" dirty="0">
+                <a:latin typeface="Raleway" pitchFamily="2" charset="77"/>
+              </a:rPr>
+              <a:t> </a:t>
+            </a:r>
+            <a:r>
+              <a:rPr lang="de-DE" b="1" dirty="0" err="1">
+                <a:latin typeface="Raleway" pitchFamily="2" charset="77"/>
+              </a:rPr>
+              <a:t>questions</a:t>
+            </a:r>
+            <a:r>
+              <a:rPr lang="de-DE" b="1" dirty="0">
+                <a:latin typeface="Raleway" pitchFamily="2" charset="77"/>
+              </a:rPr>
+              <a:t>:</a:t>
+            </a:r>
           </a:p>
         </p:txBody>
       </p:sp>
     </p:spTree>
     <p:extLst>
       <p:ext uri="{BB962C8B-B14F-4D97-AF65-F5344CB8AC3E}">
-        <p14:creationId xmlns:p14="http://schemas.microsoft.com/office/powerpoint/2010/main" val="1287784666"/>
+        <p14:creationId xmlns:p14="http://schemas.microsoft.com/office/powerpoint/2010/main" val="1200374758"/>
       </p:ext>
     </p:extLst>
   </p:cSld>
@@ -10410,7 +10574,7 @@
                   </a:schemeClr>
                 </a:solidFill>
               </a:rPr>
-              <a:t>👨‍🏫 Create GraphQL Server with Hot Chocolate</a:t>
+              <a:t>👷‍♂️ Challenge #1: Create GraphQL Server</a:t>
             </a:r>
             <a:endParaRPr lang="de-DE" dirty="0">
               <a:solidFill>
@@ -10482,10 +10646,10 @@
       </p:sp>
       <p:sp>
         <p:nvSpPr>
-          <p:cNvPr id="5" name="Textfeld 11">
-            <a:extLst>
-              <a:ext uri="{FF2B5EF4-FFF2-40B4-BE49-F238E27FC236}">
-                <a16:creationId xmlns:a16="http://schemas.microsoft.com/office/drawing/2014/main" id="{C0DD3512-D4C7-934A-BD03-C17E14DCFF8F}"/>
+          <p:cNvPr id="6" name="Textfeld 11">
+            <a:extLst>
+              <a:ext uri="{FF2B5EF4-FFF2-40B4-BE49-F238E27FC236}">
+                <a16:creationId xmlns:a16="http://schemas.microsoft.com/office/drawing/2014/main" id="{017C06BF-161C-2046-B380-C974070FB5D7}"/>
               </a:ext>
             </a:extLst>
           </p:cNvPr>
@@ -10494,8 +10658,8 @@
         </p:nvSpPr>
         <p:spPr>
           <a:xfrm>
-            <a:off x="3516598" y="2430355"/>
-            <a:ext cx="5598007" cy="1844159"/>
+            <a:off x="2409275" y="1831446"/>
+            <a:ext cx="2207656" cy="369332"/>
           </a:xfrm>
           <a:prstGeom prst="rect">
             <a:avLst/>
@@ -10518,20 +10682,38 @@
                 </a:solidFill>
                 <a:latin typeface="Raleway" pitchFamily="2" charset="77"/>
               </a:rPr>
-              <a:t>We will:</a:t>
-            </a:r>
-          </a:p>
-          <a:p>
-            <a:endParaRPr lang="en-GB" dirty="0">
-              <a:solidFill>
-                <a:schemeClr val="tx1">
-                  <a:lumMod val="75000"/>
-                  <a:lumOff val="25000"/>
-                </a:schemeClr>
-              </a:solidFill>
-              <a:latin typeface="Raleway" pitchFamily="2" charset="77"/>
-            </a:endParaRPr>
-          </a:p>
+              <a:t>Now it's your turn!</a:t>
+            </a:r>
+          </a:p>
+        </p:txBody>
+      </p:sp>
+      <p:sp>
+        <p:nvSpPr>
+          <p:cNvPr id="5" name="Textfeld 11">
+            <a:extLst>
+              <a:ext uri="{FF2B5EF4-FFF2-40B4-BE49-F238E27FC236}">
+                <a16:creationId xmlns:a16="http://schemas.microsoft.com/office/drawing/2014/main" id="{C0DD3512-D4C7-934A-BD03-C17E14DCFF8F}"/>
+              </a:ext>
+            </a:extLst>
+          </p:cNvPr>
+          <p:cNvSpPr txBox="1"/>
+          <p:nvPr/>
+        </p:nvSpPr>
+        <p:spPr>
+          <a:xfrm>
+            <a:off x="2409275" y="2656646"/>
+            <a:ext cx="7064755" cy="874663"/>
+          </a:xfrm>
+          <a:prstGeom prst="rect">
+            <a:avLst/>
+          </a:prstGeom>
+          <a:noFill/>
+        </p:spPr>
+        <p:txBody>
+          <a:bodyPr wrap="none" rtlCol="0">
+            <a:spAutoFit/>
+          </a:bodyPr>
+          <a:lstStyle/>
           <a:p>
             <a:pPr>
               <a:lnSpc>
@@ -10548,16 +10730,9 @@
                 </a:solidFill>
                 <a:latin typeface="Raleway" pitchFamily="2" charset="77"/>
               </a:rPr>
-              <a:t>Create a new .NET 6 Project with Hot Chocolate</a:t>
-            </a:r>
-          </a:p>
-          <a:p>
-            <a:pPr>
-              <a:lnSpc>
-                <a:spcPct val="150000"/>
-              </a:lnSpc>
-            </a:pPr>
-            <a:r>
+              <a:t>In this exercise you will create a GraphQL server and implement </a:t>
+            </a:r>
+            <a:br>
               <a:rPr lang="en-GB" dirty="0">
                 <a:solidFill>
                   <a:schemeClr val="tx1">
@@ -10567,15 +10742,7 @@
                 </a:solidFill>
                 <a:latin typeface="Raleway" pitchFamily="2" charset="77"/>
               </a:rPr>
-              <a:t>Implement a Query &amp; Mutation</a:t>
-            </a:r>
-          </a:p>
-          <a:p>
-            <a:pPr>
-              <a:lnSpc>
-                <a:spcPct val="150000"/>
-              </a:lnSpc>
-            </a:pPr>
+            </a:br>
             <a:r>
               <a:rPr lang="en-GB" dirty="0">
                 <a:solidFill>
@@ -10586,15 +10753,132 @@
                 </a:solidFill>
                 <a:latin typeface="Raleway" pitchFamily="2" charset="77"/>
               </a:rPr>
-              <a:t>Execute the implementation to load and write data</a:t>
-            </a:r>
+              <a:t>your first queries and mutations.</a:t>
+            </a:r>
+          </a:p>
+        </p:txBody>
+      </p:sp>
+      <p:pic>
+        <p:nvPicPr>
+          <p:cNvPr id="4098" name="Picture 2" descr="Github logo - Kostenlose sozialen medien Icons">
+            <a:extLst>
+              <a:ext uri="{FF2B5EF4-FFF2-40B4-BE49-F238E27FC236}">
+                <a16:creationId xmlns:a16="http://schemas.microsoft.com/office/drawing/2014/main" id="{ED808690-24B8-4E4F-BEE8-C629063FA87E}"/>
+              </a:ext>
+            </a:extLst>
+          </p:cNvPr>
+          <p:cNvPicPr>
+            <a:picLocks noChangeAspect="1" noChangeArrowheads="1"/>
+          </p:cNvPicPr>
+          <p:nvPr/>
+        </p:nvPicPr>
+        <p:blipFill>
+          <a:blip r:embed="rId2">
+            <a:extLst>
+              <a:ext uri="{28A0092B-C50C-407E-A947-70E740481C1C}">
+                <a14:useLocalDpi xmlns:a14="http://schemas.microsoft.com/office/drawing/2010/main" val="0"/>
+              </a:ext>
+            </a:extLst>
+          </a:blip>
+          <a:srcRect/>
+          <a:stretch>
+            <a:fillRect/>
+          </a:stretch>
+        </p:blipFill>
+        <p:spPr bwMode="auto">
+          <a:xfrm>
+            <a:off x="2469312" y="4615788"/>
+            <a:ext cx="549482" cy="549482"/>
+          </a:xfrm>
+          <a:prstGeom prst="rect">
+            <a:avLst/>
+          </a:prstGeom>
+          <a:noFill/>
+          <a:extLst>
+            <a:ext uri="{909E8E84-426E-40DD-AFC4-6F175D3DCCD1}">
+              <a14:hiddenFill xmlns:a14="http://schemas.microsoft.com/office/drawing/2010/main">
+                <a:solidFill>
+                  <a:srgbClr val="FFFFFF"/>
+                </a:solidFill>
+              </a14:hiddenFill>
+            </a:ext>
+          </a:extLst>
+        </p:spPr>
+      </p:pic>
+      <p:sp>
+        <p:nvSpPr>
+          <p:cNvPr id="3" name="TextBox 2">
+            <a:extLst>
+              <a:ext uri="{FF2B5EF4-FFF2-40B4-BE49-F238E27FC236}">
+                <a16:creationId xmlns:a16="http://schemas.microsoft.com/office/drawing/2014/main" id="{8F202A11-8877-474A-85CA-44BC16F36F1C}"/>
+              </a:ext>
+            </a:extLst>
+          </p:cNvPr>
+          <p:cNvSpPr txBox="1"/>
+          <p:nvPr/>
+        </p:nvSpPr>
+        <p:spPr>
+          <a:xfrm>
+            <a:off x="3120550" y="4659696"/>
+            <a:ext cx="8815234" cy="461665"/>
+          </a:xfrm>
+          <a:prstGeom prst="rect">
+            <a:avLst/>
+          </a:prstGeom>
+          <a:noFill/>
+        </p:spPr>
+        <p:txBody>
+          <a:bodyPr wrap="none" rtlCol="0">
+            <a:spAutoFit/>
+          </a:bodyPr>
+          <a:lstStyle/>
+          <a:p>
+            <a:r>
+              <a:rPr lang="de-DE" sz="2400" dirty="0">
+                <a:latin typeface="Raleway" pitchFamily="2" charset="77"/>
+              </a:rPr>
+              <a:t>https://</a:t>
+            </a:r>
+            <a:r>
+              <a:rPr lang="de-DE" sz="2400" dirty="0" err="1">
+                <a:latin typeface="Raleway" pitchFamily="2" charset="77"/>
+              </a:rPr>
+              <a:t>github.com</a:t>
+            </a:r>
+            <a:r>
+              <a:rPr lang="de-DE" sz="2400" dirty="0">
+                <a:latin typeface="Raleway" pitchFamily="2" charset="77"/>
+              </a:rPr>
+              <a:t>/</a:t>
+            </a:r>
+            <a:r>
+              <a:rPr lang="de-DE" sz="2400" dirty="0" err="1">
+                <a:latin typeface="Raleway" pitchFamily="2" charset="77"/>
+              </a:rPr>
+              <a:t>CloudKlabauter</a:t>
+            </a:r>
+            <a:r>
+              <a:rPr lang="de-DE" sz="2400" dirty="0">
+                <a:latin typeface="Raleway" pitchFamily="2" charset="77"/>
+              </a:rPr>
+              <a:t>/</a:t>
+            </a:r>
+            <a:r>
+              <a:rPr lang="de-DE" sz="2400" dirty="0" err="1">
+                <a:latin typeface="Raleway" pitchFamily="2" charset="77"/>
+              </a:rPr>
+              <a:t>HotChocolateWorkshop</a:t>
+            </a:r>
+            <a:endParaRPr lang="de-DE" sz="2400" dirty="0">
+              <a:latin typeface="Raleway" pitchFamily="2" charset="77"/>
+            </a:endParaRPr>
           </a:p>
         </p:txBody>
       </p:sp>
     </p:spTree>
     <p:extLst>
       <p:ext uri="{BB962C8B-B14F-4D97-AF65-F5344CB8AC3E}">
-        <p14:creationId xmlns:p14="http://schemas.microsoft.com/office/powerpoint/2010/main" val="4081456737"/>
+        <p14:creationId xmlns:p14="http://schemas.microsoft.com/office/powerpoint/2010/main" val="549793928"/>
       </p:ext>
     </p:extLst>
   </p:cSld>
@@ -10651,7 +10935,7 @@
                   </a:schemeClr>
                 </a:solidFill>
               </a:rPr>
-              <a:t>👷‍♂️ Challenge #1: Create GraphQL Server</a:t>
+              <a:t>GraphQL: Resolvers</a:t>
             </a:r>
             <a:endParaRPr lang="de-DE" dirty="0">
               <a:solidFill>
@@ -10705,367 +10989,6 @@
               <a:rPr lang="de-DE" b="1" smtClean="0"/>
               <a:pPr/>
               <a:t>21</a:t>
-            </a:fld>
-            <a:r>
-              <a:rPr lang="de-DE"/>
-              <a:t> </a:t>
-            </a:r>
-            <a:r>
-              <a:rPr lang="de-DE">
-                <a:solidFill>
-                  <a:srgbClr val="4F4F4F"/>
-                </a:solidFill>
-              </a:rPr>
-              <a:t>| cloudklabauter.de</a:t>
-            </a:r>
-          </a:p>
-        </p:txBody>
-      </p:sp>
-      <p:sp>
-        <p:nvSpPr>
-          <p:cNvPr id="6" name="Textfeld 11">
-            <a:extLst>
-              <a:ext uri="{FF2B5EF4-FFF2-40B4-BE49-F238E27FC236}">
-                <a16:creationId xmlns:a16="http://schemas.microsoft.com/office/drawing/2014/main" id="{017C06BF-161C-2046-B380-C974070FB5D7}"/>
-              </a:ext>
-            </a:extLst>
-          </p:cNvPr>
-          <p:cNvSpPr txBox="1"/>
-          <p:nvPr/>
-        </p:nvSpPr>
-        <p:spPr>
-          <a:xfrm>
-            <a:off x="2409275" y="1831446"/>
-            <a:ext cx="2207656" cy="369332"/>
-          </a:xfrm>
-          <a:prstGeom prst="rect">
-            <a:avLst/>
-          </a:prstGeom>
-          <a:noFill/>
-        </p:spPr>
-        <p:txBody>
-          <a:bodyPr wrap="none" rtlCol="0">
-            <a:spAutoFit/>
-          </a:bodyPr>
-          <a:lstStyle/>
-          <a:p>
-            <a:r>
-              <a:rPr lang="en-GB" b="1" dirty="0">
-                <a:solidFill>
-                  <a:schemeClr val="tx1">
-                    <a:lumMod val="75000"/>
-                    <a:lumOff val="25000"/>
-                  </a:schemeClr>
-                </a:solidFill>
-                <a:latin typeface="Raleway" pitchFamily="2" charset="77"/>
-              </a:rPr>
-              <a:t>Now it's your turn!</a:t>
-            </a:r>
-          </a:p>
-        </p:txBody>
-      </p:sp>
-      <p:sp>
-        <p:nvSpPr>
-          <p:cNvPr id="5" name="Textfeld 11">
-            <a:extLst>
-              <a:ext uri="{FF2B5EF4-FFF2-40B4-BE49-F238E27FC236}">
-                <a16:creationId xmlns:a16="http://schemas.microsoft.com/office/drawing/2014/main" id="{C0DD3512-D4C7-934A-BD03-C17E14DCFF8F}"/>
-              </a:ext>
-            </a:extLst>
-          </p:cNvPr>
-          <p:cNvSpPr txBox="1"/>
-          <p:nvPr/>
-        </p:nvSpPr>
-        <p:spPr>
-          <a:xfrm>
-            <a:off x="2409275" y="2656646"/>
-            <a:ext cx="7064755" cy="874663"/>
-          </a:xfrm>
-          <a:prstGeom prst="rect">
-            <a:avLst/>
-          </a:prstGeom>
-          <a:noFill/>
-        </p:spPr>
-        <p:txBody>
-          <a:bodyPr wrap="none" rtlCol="0">
-            <a:spAutoFit/>
-          </a:bodyPr>
-          <a:lstStyle/>
-          <a:p>
-            <a:pPr>
-              <a:lnSpc>
-                <a:spcPct val="150000"/>
-              </a:lnSpc>
-            </a:pPr>
-            <a:r>
-              <a:rPr lang="en-GB" dirty="0">
-                <a:solidFill>
-                  <a:schemeClr val="tx1">
-                    <a:lumMod val="75000"/>
-                    <a:lumOff val="25000"/>
-                  </a:schemeClr>
-                </a:solidFill>
-                <a:latin typeface="Raleway" pitchFamily="2" charset="77"/>
-              </a:rPr>
-              <a:t>In this exercise you will create a GraphQL server and implement </a:t>
-            </a:r>
-            <a:br>
-              <a:rPr lang="en-GB" dirty="0">
-                <a:solidFill>
-                  <a:schemeClr val="tx1">
-                    <a:lumMod val="75000"/>
-                    <a:lumOff val="25000"/>
-                  </a:schemeClr>
-                </a:solidFill>
-                <a:latin typeface="Raleway" pitchFamily="2" charset="77"/>
-              </a:rPr>
-            </a:br>
-            <a:r>
-              <a:rPr lang="en-GB" dirty="0">
-                <a:solidFill>
-                  <a:schemeClr val="tx1">
-                    <a:lumMod val="75000"/>
-                    <a:lumOff val="25000"/>
-                  </a:schemeClr>
-                </a:solidFill>
-                <a:latin typeface="Raleway" pitchFamily="2" charset="77"/>
-              </a:rPr>
-              <a:t>your first queries and mutations.</a:t>
-            </a:r>
-          </a:p>
-        </p:txBody>
-      </p:sp>
-      <p:pic>
-        <p:nvPicPr>
-          <p:cNvPr id="4098" name="Picture 2" descr="Github logo - Kostenlose sozialen medien Icons">
-            <a:extLst>
-              <a:ext uri="{FF2B5EF4-FFF2-40B4-BE49-F238E27FC236}">
-                <a16:creationId xmlns:a16="http://schemas.microsoft.com/office/drawing/2014/main" id="{ED808690-24B8-4E4F-BEE8-C629063FA87E}"/>
-              </a:ext>
-            </a:extLst>
-          </p:cNvPr>
-          <p:cNvPicPr>
-            <a:picLocks noChangeAspect="1" noChangeArrowheads="1"/>
-          </p:cNvPicPr>
-          <p:nvPr/>
-        </p:nvPicPr>
-        <p:blipFill>
-          <a:blip r:embed="rId2">
-            <a:extLst>
-              <a:ext uri="{28A0092B-C50C-407E-A947-70E740481C1C}">
-                <a14:useLocalDpi xmlns:a14="http://schemas.microsoft.com/office/drawing/2010/main" val="0"/>
-              </a:ext>
-            </a:extLst>
-          </a:blip>
-          <a:srcRect/>
-          <a:stretch>
-            <a:fillRect/>
-          </a:stretch>
-        </p:blipFill>
-        <p:spPr bwMode="auto">
-          <a:xfrm>
-            <a:off x="2469312" y="4615788"/>
-            <a:ext cx="549482" cy="549482"/>
-          </a:xfrm>
-          <a:prstGeom prst="rect">
-            <a:avLst/>
-          </a:prstGeom>
-          <a:noFill/>
-          <a:extLst>
-            <a:ext uri="{909E8E84-426E-40DD-AFC4-6F175D3DCCD1}">
-              <a14:hiddenFill xmlns:a14="http://schemas.microsoft.com/office/drawing/2010/main">
-                <a:solidFill>
-                  <a:srgbClr val="FFFFFF"/>
-                </a:solidFill>
-              </a14:hiddenFill>
-            </a:ext>
-          </a:extLst>
-        </p:spPr>
-      </p:pic>
-      <p:sp>
-        <p:nvSpPr>
-          <p:cNvPr id="3" name="TextBox 2">
-            <a:extLst>
-              <a:ext uri="{FF2B5EF4-FFF2-40B4-BE49-F238E27FC236}">
-                <a16:creationId xmlns:a16="http://schemas.microsoft.com/office/drawing/2014/main" id="{8F202A11-8877-474A-85CA-44BC16F36F1C}"/>
-              </a:ext>
-            </a:extLst>
-          </p:cNvPr>
-          <p:cNvSpPr txBox="1"/>
-          <p:nvPr/>
-        </p:nvSpPr>
-        <p:spPr>
-          <a:xfrm>
-            <a:off x="3120550" y="4659696"/>
-            <a:ext cx="8815234" cy="461665"/>
-          </a:xfrm>
-          <a:prstGeom prst="rect">
-            <a:avLst/>
-          </a:prstGeom>
-          <a:noFill/>
-        </p:spPr>
-        <p:txBody>
-          <a:bodyPr wrap="none" rtlCol="0">
-            <a:spAutoFit/>
-          </a:bodyPr>
-          <a:lstStyle/>
-          <a:p>
-            <a:r>
-              <a:rPr lang="de-DE" sz="2400" dirty="0">
-                <a:latin typeface="Raleway" pitchFamily="2" charset="77"/>
-              </a:rPr>
-              <a:t>https://</a:t>
-            </a:r>
-            <a:r>
-              <a:rPr lang="de-DE" sz="2400" dirty="0" err="1">
-                <a:latin typeface="Raleway" pitchFamily="2" charset="77"/>
-              </a:rPr>
-              <a:t>github.com</a:t>
-            </a:r>
-            <a:r>
-              <a:rPr lang="de-DE" sz="2400" dirty="0">
-                <a:latin typeface="Raleway" pitchFamily="2" charset="77"/>
-              </a:rPr>
-              <a:t>/</a:t>
-            </a:r>
-            <a:r>
-              <a:rPr lang="de-DE" sz="2400" dirty="0" err="1">
-                <a:latin typeface="Raleway" pitchFamily="2" charset="77"/>
-              </a:rPr>
-              <a:t>CloudKlabauter</a:t>
-            </a:r>
-            <a:r>
-              <a:rPr lang="de-DE" sz="2400" dirty="0">
-                <a:latin typeface="Raleway" pitchFamily="2" charset="77"/>
-              </a:rPr>
-              <a:t>/</a:t>
-            </a:r>
-            <a:r>
-              <a:rPr lang="de-DE" sz="2400" dirty="0" err="1">
-                <a:latin typeface="Raleway" pitchFamily="2" charset="77"/>
-              </a:rPr>
-              <a:t>HotChocolateWorkshop</a:t>
-            </a:r>
-            <a:endParaRPr lang="de-DE" sz="2400" dirty="0">
-              <a:latin typeface="Raleway" pitchFamily="2" charset="77"/>
-            </a:endParaRPr>
-          </a:p>
-        </p:txBody>
-      </p:sp>
-    </p:spTree>
-    <p:extLst>
-      <p:ext uri="{BB962C8B-B14F-4D97-AF65-F5344CB8AC3E}">
-        <p14:creationId xmlns:p14="http://schemas.microsoft.com/office/powerpoint/2010/main" val="549793928"/>
-      </p:ext>
-    </p:extLst>
-  </p:cSld>
-  <p:clrMapOvr>
-    <a:masterClrMapping/>
-  </p:clrMapOvr>
-</p:sld>
-</file>
-
-<file path=ppt/slides/slide22.xml><?xml version="1.0" encoding="utf-8"?>
-<p:sld xmlns:a="http://schemas.openxmlformats.org/drawingml/2006/main" xmlns:r="http://schemas.openxmlformats.org/officeDocument/2006/relationships" xmlns:p="http://schemas.openxmlformats.org/presentationml/2006/main">
-  <p:cSld>
-    <p:spTree>
-      <p:nvGrpSpPr>
-        <p:cNvPr id="1" name=""/>
-        <p:cNvGrpSpPr/>
-        <p:nvPr/>
-      </p:nvGrpSpPr>
-      <p:grpSpPr>
-        <a:xfrm>
-          <a:off x="0" y="0"/>
-          <a:ext cx="0" cy="0"/>
-          <a:chOff x="0" y="0"/>
-          <a:chExt cx="0" cy="0"/>
-        </a:xfrm>
-      </p:grpSpPr>
-      <p:sp>
-        <p:nvSpPr>
-          <p:cNvPr id="2" name="Titel 1">
-            <a:extLst>
-              <a:ext uri="{FF2B5EF4-FFF2-40B4-BE49-F238E27FC236}">
-                <a16:creationId xmlns:a16="http://schemas.microsoft.com/office/drawing/2014/main" id="{98260182-CA33-48F6-BC1E-03047240F8EC}"/>
-              </a:ext>
-            </a:extLst>
-          </p:cNvPr>
-          <p:cNvSpPr>
-            <a:spLocks noGrp="1"/>
-          </p:cNvSpPr>
-          <p:nvPr>
-            <p:ph type="title"/>
-          </p:nvPr>
-        </p:nvSpPr>
-        <p:spPr/>
-        <p:txBody>
-          <a:bodyPr anchor="b"/>
-          <a:lstStyle/>
-          <a:p>
-            <a:r>
-              <a:rPr lang="en-US" dirty="0">
-                <a:solidFill>
-                  <a:schemeClr val="tx1">
-                    <a:lumMod val="75000"/>
-                    <a:lumOff val="25000"/>
-                  </a:schemeClr>
-                </a:solidFill>
-              </a:rPr>
-              <a:t>GraphQL: Resolvers</a:t>
-            </a:r>
-            <a:endParaRPr lang="de-DE" dirty="0">
-              <a:solidFill>
-                <a:schemeClr val="tx1">
-                  <a:lumMod val="75000"/>
-                  <a:lumOff val="25000"/>
-                </a:schemeClr>
-              </a:solidFill>
-            </a:endParaRPr>
-          </a:p>
-        </p:txBody>
-      </p:sp>
-      <p:sp>
-        <p:nvSpPr>
-          <p:cNvPr id="4" name="Datumsplatzhalter 3">
-            <a:extLst>
-              <a:ext uri="{FF2B5EF4-FFF2-40B4-BE49-F238E27FC236}">
-                <a16:creationId xmlns:a16="http://schemas.microsoft.com/office/drawing/2014/main" id="{372D7581-15AB-453A-8172-2DD260D4AD01}"/>
-              </a:ext>
-            </a:extLst>
-          </p:cNvPr>
-          <p:cNvSpPr>
-            <a:spLocks noGrp="1"/>
-          </p:cNvSpPr>
-          <p:nvPr>
-            <p:ph type="dt" sz="half" idx="2"/>
-          </p:nvPr>
-        </p:nvSpPr>
-        <p:spPr>
-          <a:xfrm>
-            <a:off x="526625" y="6356350"/>
-            <a:ext cx="2743200" cy="365125"/>
-          </a:xfrm>
-          <a:prstGeom prst="rect">
-            <a:avLst/>
-          </a:prstGeom>
-        </p:spPr>
-        <p:txBody>
-          <a:bodyPr vert="horz" lIns="91440" tIns="45720" rIns="91440" bIns="45720" rtlCol="0" anchor="ctr"/>
-          <a:lstStyle>
-            <a:lvl1pPr algn="l">
-              <a:defRPr sz="1200">
-                <a:solidFill>
-                  <a:schemeClr val="tx1"/>
-                </a:solidFill>
-              </a:defRPr>
-            </a:lvl1pPr>
-          </a:lstStyle>
-          <a:p>
-            <a:fld id="{95CA576C-67C8-4CE2-9686-DB10934C823F}" type="slidenum">
-              <a:rPr lang="de-DE" b="1" smtClean="0"/>
-              <a:pPr/>
-              <a:t>22</a:t>
             </a:fld>
             <a:r>
               <a:rPr lang="de-DE"/>
@@ -11502,7 +11425,7 @@
 </p:sld>
 </file>
 
-<file path=ppt/slides/slide23.xml><?xml version="1.0" encoding="utf-8"?>
+<file path=ppt/slides/slide22.xml><?xml version="1.0" encoding="utf-8"?>
 <p:sld xmlns:a="http://schemas.openxmlformats.org/drawingml/2006/main" xmlns:r="http://schemas.openxmlformats.org/officeDocument/2006/relationships" xmlns:p="http://schemas.openxmlformats.org/presentationml/2006/main">
   <p:cSld>
     <p:spTree>
@@ -11602,7 +11525,7 @@
             <a:fld id="{95CA576C-67C8-4CE2-9686-DB10934C823F}" type="slidenum">
               <a:rPr lang="de-DE" b="1" smtClean="0"/>
               <a:pPr/>
-              <a:t>23</a:t>
+              <a:t>22</a:t>
             </a:fld>
             <a:r>
               <a:rPr lang="de-DE"/>
@@ -12008,7 +11931,7 @@
 </p:sld>
 </file>
 
-<file path=ppt/slides/slide24.xml><?xml version="1.0" encoding="utf-8"?>
+<file path=ppt/slides/slide23.xml><?xml version="1.0" encoding="utf-8"?>
 <p:sld xmlns:a="http://schemas.openxmlformats.org/drawingml/2006/main" xmlns:r="http://schemas.openxmlformats.org/officeDocument/2006/relationships" xmlns:p="http://schemas.openxmlformats.org/presentationml/2006/main">
   <p:cSld>
     <p:spTree>
@@ -12108,7 +12031,7 @@
             <a:fld id="{95CA576C-67C8-4CE2-9686-DB10934C823F}" type="slidenum">
               <a:rPr lang="de-DE" b="1" smtClean="0"/>
               <a:pPr/>
-              <a:t>24</a:t>
+              <a:t>23</a:t>
             </a:fld>
             <a:r>
               <a:rPr lang="de-DE"/>
@@ -13064,7 +12987,7 @@
 </p:sld>
 </file>
 
-<file path=ppt/slides/slide25.xml><?xml version="1.0" encoding="utf-8"?>
+<file path=ppt/slides/slide24.xml><?xml version="1.0" encoding="utf-8"?>
 <p:sld xmlns:a="http://schemas.openxmlformats.org/drawingml/2006/main" xmlns:r="http://schemas.openxmlformats.org/officeDocument/2006/relationships" xmlns:p="http://schemas.openxmlformats.org/presentationml/2006/main">
   <p:cSld>
     <p:spTree>
@@ -13175,7 +13098,7 @@
             <a:fld id="{95CA576C-67C8-4CE2-9686-DB10934C823F}" type="slidenum">
               <a:rPr lang="de-DE" b="1" smtClean="0"/>
               <a:pPr/>
-              <a:t>25</a:t>
+              <a:t>24</a:t>
             </a:fld>
             <a:r>
               <a:rPr lang="de-DE"/>
@@ -13493,6 +13416,231 @@
     <p:extLst>
       <p:ext uri="{BB962C8B-B14F-4D97-AF65-F5344CB8AC3E}">
         <p14:creationId xmlns:p14="http://schemas.microsoft.com/office/powerpoint/2010/main" val="322737443"/>
+      </p:ext>
+    </p:extLst>
+  </p:cSld>
+  <p:clrMapOvr>
+    <a:masterClrMapping/>
+  </p:clrMapOvr>
+</p:sld>
+</file>
+
+<file path=ppt/slides/slide25.xml><?xml version="1.0" encoding="utf-8"?>
+<p:sld xmlns:a="http://schemas.openxmlformats.org/drawingml/2006/main" xmlns:r="http://schemas.openxmlformats.org/officeDocument/2006/relationships" xmlns:p="http://schemas.openxmlformats.org/presentationml/2006/main">
+  <p:cSld>
+    <p:spTree>
+      <p:nvGrpSpPr>
+        <p:cNvPr id="1" name=""/>
+        <p:cNvGrpSpPr/>
+        <p:nvPr/>
+      </p:nvGrpSpPr>
+      <p:grpSpPr>
+        <a:xfrm>
+          <a:off x="0" y="0"/>
+          <a:ext cx="0" cy="0"/>
+          <a:chOff x="0" y="0"/>
+          <a:chExt cx="0" cy="0"/>
+        </a:xfrm>
+      </p:grpSpPr>
+      <p:sp>
+        <p:nvSpPr>
+          <p:cNvPr id="2" name="Titel 1">
+            <a:extLst>
+              <a:ext uri="{FF2B5EF4-FFF2-40B4-BE49-F238E27FC236}">
+                <a16:creationId xmlns:a16="http://schemas.microsoft.com/office/drawing/2014/main" id="{98260182-CA33-48F6-BC1E-03047240F8EC}"/>
+              </a:ext>
+            </a:extLst>
+          </p:cNvPr>
+          <p:cNvSpPr>
+            <a:spLocks noGrp="1"/>
+          </p:cNvSpPr>
+          <p:nvPr>
+            <p:ph type="title"/>
+          </p:nvPr>
+        </p:nvSpPr>
+        <p:spPr/>
+        <p:txBody>
+          <a:bodyPr anchor="b"/>
+          <a:lstStyle/>
+          <a:p>
+            <a:r>
+              <a:rPr lang="en-US" dirty="0">
+                <a:solidFill>
+                  <a:schemeClr val="tx1">
+                    <a:lumMod val="75000"/>
+                    <a:lumOff val="25000"/>
+                  </a:schemeClr>
+                </a:solidFill>
+              </a:rPr>
+              <a:t>👨‍🏫 How to use </a:t>
+            </a:r>
+            <a:r>
+              <a:rPr lang="en-US" dirty="0" err="1">
+                <a:solidFill>
+                  <a:schemeClr val="tx1">
+                    <a:lumMod val="75000"/>
+                    <a:lumOff val="25000"/>
+                  </a:schemeClr>
+                </a:solidFill>
+              </a:rPr>
+              <a:t>DataLoaders</a:t>
+            </a:r>
+            <a:r>
+              <a:rPr lang="en-US" dirty="0">
+                <a:solidFill>
+                  <a:schemeClr val="tx1">
+                    <a:lumMod val="75000"/>
+                    <a:lumOff val="25000"/>
+                  </a:schemeClr>
+                </a:solidFill>
+              </a:rPr>
+              <a:t> with Hot Chocolate</a:t>
+            </a:r>
+            <a:endParaRPr lang="de-DE" dirty="0">
+              <a:solidFill>
+                <a:schemeClr val="tx1">
+                  <a:lumMod val="75000"/>
+                  <a:lumOff val="25000"/>
+                </a:schemeClr>
+              </a:solidFill>
+            </a:endParaRPr>
+          </a:p>
+        </p:txBody>
+      </p:sp>
+      <p:sp>
+        <p:nvSpPr>
+          <p:cNvPr id="4" name="Datumsplatzhalter 3">
+            <a:extLst>
+              <a:ext uri="{FF2B5EF4-FFF2-40B4-BE49-F238E27FC236}">
+                <a16:creationId xmlns:a16="http://schemas.microsoft.com/office/drawing/2014/main" id="{372D7581-15AB-453A-8172-2DD260D4AD01}"/>
+              </a:ext>
+            </a:extLst>
+          </p:cNvPr>
+          <p:cNvSpPr>
+            <a:spLocks noGrp="1"/>
+          </p:cNvSpPr>
+          <p:nvPr>
+            <p:ph type="dt" sz="half" idx="2"/>
+          </p:nvPr>
+        </p:nvSpPr>
+        <p:spPr>
+          <a:xfrm>
+            <a:off x="526625" y="6356350"/>
+            <a:ext cx="2743200" cy="365125"/>
+          </a:xfrm>
+          <a:prstGeom prst="rect">
+            <a:avLst/>
+          </a:prstGeom>
+        </p:spPr>
+        <p:txBody>
+          <a:bodyPr vert="horz" lIns="91440" tIns="45720" rIns="91440" bIns="45720" rtlCol="0" anchor="ctr"/>
+          <a:lstStyle>
+            <a:lvl1pPr algn="l">
+              <a:defRPr sz="1200">
+                <a:solidFill>
+                  <a:schemeClr val="tx1"/>
+                </a:solidFill>
+              </a:defRPr>
+            </a:lvl1pPr>
+          </a:lstStyle>
+          <a:p>
+            <a:fld id="{95CA576C-67C8-4CE2-9686-DB10934C823F}" type="slidenum">
+              <a:rPr lang="de-DE" b="1" smtClean="0"/>
+              <a:pPr/>
+              <a:t>25</a:t>
+            </a:fld>
+            <a:r>
+              <a:rPr lang="de-DE"/>
+              <a:t> </a:t>
+            </a:r>
+            <a:r>
+              <a:rPr lang="de-DE">
+                <a:solidFill>
+                  <a:srgbClr val="4F4F4F"/>
+                </a:solidFill>
+              </a:rPr>
+              <a:t>| cloudklabauter.de</a:t>
+            </a:r>
+          </a:p>
+        </p:txBody>
+      </p:sp>
+      <p:sp>
+        <p:nvSpPr>
+          <p:cNvPr id="5" name="Textfeld 11">
+            <a:extLst>
+              <a:ext uri="{FF2B5EF4-FFF2-40B4-BE49-F238E27FC236}">
+                <a16:creationId xmlns:a16="http://schemas.microsoft.com/office/drawing/2014/main" id="{C0DD3512-D4C7-934A-BD03-C17E14DCFF8F}"/>
+              </a:ext>
+            </a:extLst>
+          </p:cNvPr>
+          <p:cNvSpPr txBox="1"/>
+          <p:nvPr/>
+        </p:nvSpPr>
+        <p:spPr>
+          <a:xfrm>
+            <a:off x="3516598" y="2430355"/>
+            <a:ext cx="4958409" cy="1013162"/>
+          </a:xfrm>
+          <a:prstGeom prst="rect">
+            <a:avLst/>
+          </a:prstGeom>
+          <a:noFill/>
+        </p:spPr>
+        <p:txBody>
+          <a:bodyPr wrap="none" rtlCol="0">
+            <a:spAutoFit/>
+          </a:bodyPr>
+          <a:lstStyle/>
+          <a:p>
+            <a:r>
+              <a:rPr lang="en-GB" b="1" dirty="0">
+                <a:solidFill>
+                  <a:schemeClr val="tx1">
+                    <a:lumMod val="75000"/>
+                    <a:lumOff val="25000"/>
+                  </a:schemeClr>
+                </a:solidFill>
+                <a:latin typeface="Raleway" pitchFamily="2" charset="77"/>
+              </a:rPr>
+              <a:t>We will:</a:t>
+            </a:r>
+          </a:p>
+          <a:p>
+            <a:endParaRPr lang="en-GB" dirty="0">
+              <a:solidFill>
+                <a:schemeClr val="tx1">
+                  <a:lumMod val="75000"/>
+                  <a:lumOff val="25000"/>
+                </a:schemeClr>
+              </a:solidFill>
+              <a:latin typeface="Raleway" pitchFamily="2" charset="77"/>
+            </a:endParaRPr>
+          </a:p>
+          <a:p>
+            <a:pPr>
+              <a:lnSpc>
+                <a:spcPct val="150000"/>
+              </a:lnSpc>
+            </a:pPr>
+            <a:r>
+              <a:rPr lang="en-GB" dirty="0">
+                <a:solidFill>
+                  <a:schemeClr val="tx1">
+                    <a:lumMod val="75000"/>
+                    <a:lumOff val="25000"/>
+                  </a:schemeClr>
+                </a:solidFill>
+                <a:latin typeface="Raleway" pitchFamily="2" charset="77"/>
+              </a:rPr>
+              <a:t>Implement a Batch and a Group Data Loader</a:t>
+            </a:r>
+          </a:p>
+        </p:txBody>
+      </p:sp>
+    </p:spTree>
+    <p:extLst>
+      <p:ext uri="{BB962C8B-B14F-4D97-AF65-F5344CB8AC3E}">
+        <p14:creationId xmlns:p14="http://schemas.microsoft.com/office/powerpoint/2010/main" val="179109566"/>
       </p:ext>
     </p:extLst>
   </p:cSld>
@@ -13549,7 +13697,7 @@
                   </a:schemeClr>
                 </a:solidFill>
               </a:rPr>
-              <a:t>👨‍🏫 How to use </a:t>
+              <a:t>👷‍♂️ Challenge #2: Query execution &amp; </a:t>
             </a:r>
             <a:r>
               <a:rPr lang="en-US" dirty="0" err="1">
@@ -13561,17 +13709,6 @@
                 </a:solidFill>
               </a:rPr>
               <a:t>DataLoaders</a:t>
-            </a:r>
-            <a:r>
-              <a:rPr lang="en-US" dirty="0">
-                <a:solidFill>
-                  <a:schemeClr val="tx1">
-                    <a:lumMod val="75000"/>
-                    <a:lumOff val="25000"/>
-                  </a:schemeClr>
-                </a:solidFill>
-              </a:rPr>
-              <a:t> with Hot Chocolate</a:t>
             </a:r>
             <a:endParaRPr lang="de-DE" dirty="0">
               <a:solidFill>
@@ -13643,10 +13780,10 @@
       </p:sp>
       <p:sp>
         <p:nvSpPr>
-          <p:cNvPr id="5" name="Textfeld 11">
-            <a:extLst>
-              <a:ext uri="{FF2B5EF4-FFF2-40B4-BE49-F238E27FC236}">
-                <a16:creationId xmlns:a16="http://schemas.microsoft.com/office/drawing/2014/main" id="{C0DD3512-D4C7-934A-BD03-C17E14DCFF8F}"/>
+          <p:cNvPr id="6" name="Textfeld 11">
+            <a:extLst>
+              <a:ext uri="{FF2B5EF4-FFF2-40B4-BE49-F238E27FC236}">
+                <a16:creationId xmlns:a16="http://schemas.microsoft.com/office/drawing/2014/main" id="{017C06BF-161C-2046-B380-C974070FB5D7}"/>
               </a:ext>
             </a:extLst>
           </p:cNvPr>
@@ -13655,8 +13792,8 @@
         </p:nvSpPr>
         <p:spPr>
           <a:xfrm>
-            <a:off x="3516598" y="2430355"/>
-            <a:ext cx="4958409" cy="1013162"/>
+            <a:off x="2409275" y="1831446"/>
+            <a:ext cx="2207656" cy="369332"/>
           </a:xfrm>
           <a:prstGeom prst="rect">
             <a:avLst/>
@@ -13679,10 +13816,91 @@
                 </a:solidFill>
                 <a:latin typeface="Raleway" pitchFamily="2" charset="77"/>
               </a:rPr>
-              <a:t>We will:</a:t>
-            </a:r>
-          </a:p>
-          <a:p>
+              <a:t>Now it's your turn!</a:t>
+            </a:r>
+          </a:p>
+        </p:txBody>
+      </p:sp>
+      <p:sp>
+        <p:nvSpPr>
+          <p:cNvPr id="5" name="Textfeld 11">
+            <a:extLst>
+              <a:ext uri="{FF2B5EF4-FFF2-40B4-BE49-F238E27FC236}">
+                <a16:creationId xmlns:a16="http://schemas.microsoft.com/office/drawing/2014/main" id="{C0DD3512-D4C7-934A-BD03-C17E14DCFF8F}"/>
+              </a:ext>
+            </a:extLst>
+          </p:cNvPr>
+          <p:cNvSpPr txBox="1"/>
+          <p:nvPr/>
+        </p:nvSpPr>
+        <p:spPr>
+          <a:xfrm>
+            <a:off x="2409275" y="2656646"/>
+            <a:ext cx="8036174" cy="874663"/>
+          </a:xfrm>
+          <a:prstGeom prst="rect">
+            <a:avLst/>
+          </a:prstGeom>
+          <a:noFill/>
+        </p:spPr>
+        <p:txBody>
+          <a:bodyPr wrap="none" rtlCol="0">
+            <a:spAutoFit/>
+          </a:bodyPr>
+          <a:lstStyle/>
+          <a:p>
+            <a:pPr>
+              <a:lnSpc>
+                <a:spcPct val="150000"/>
+              </a:lnSpc>
+            </a:pPr>
+            <a:r>
+              <a:rPr lang="en-GB" dirty="0">
+                <a:solidFill>
+                  <a:schemeClr val="tx1">
+                    <a:lumMod val="75000"/>
+                    <a:lumOff val="25000"/>
+                  </a:schemeClr>
+                </a:solidFill>
+                <a:latin typeface="Raleway" pitchFamily="2" charset="77"/>
+              </a:rPr>
+              <a:t>In this exercise you will better understand how the query execution works </a:t>
+            </a:r>
+            <a:br>
+              <a:rPr lang="en-GB" dirty="0">
+                <a:solidFill>
+                  <a:schemeClr val="tx1">
+                    <a:lumMod val="75000"/>
+                    <a:lumOff val="25000"/>
+                  </a:schemeClr>
+                </a:solidFill>
+                <a:latin typeface="Raleway" pitchFamily="2" charset="77"/>
+              </a:rPr>
+            </a:br>
+            <a:r>
+              <a:rPr lang="en-GB" dirty="0">
+                <a:solidFill>
+                  <a:schemeClr val="tx1">
+                    <a:lumMod val="75000"/>
+                    <a:lumOff val="25000"/>
+                  </a:schemeClr>
+                </a:solidFill>
+                <a:latin typeface="Raleway" pitchFamily="2" charset="77"/>
+              </a:rPr>
+              <a:t>and you will implement </a:t>
+            </a:r>
+            <a:r>
+              <a:rPr lang="en-GB" dirty="0" err="1">
+                <a:solidFill>
+                  <a:schemeClr val="tx1">
+                    <a:lumMod val="75000"/>
+                    <a:lumOff val="25000"/>
+                  </a:schemeClr>
+                </a:solidFill>
+                <a:latin typeface="Raleway" pitchFamily="2" charset="77"/>
+              </a:rPr>
+              <a:t>DataLoaders</a:t>
+            </a:r>
             <a:endParaRPr lang="en-GB" dirty="0">
               <a:solidFill>
                 <a:schemeClr val="tx1">
@@ -13693,31 +13911,129 @@
               <a:latin typeface="Raleway" pitchFamily="2" charset="77"/>
             </a:endParaRPr>
           </a:p>
-          <a:p>
-            <a:pPr>
-              <a:lnSpc>
-                <a:spcPct val="150000"/>
-              </a:lnSpc>
-            </a:pPr>
-            <a:r>
-              <a:rPr lang="en-GB" dirty="0">
-                <a:solidFill>
-                  <a:schemeClr val="tx1">
-                    <a:lumMod val="75000"/>
-                    <a:lumOff val="25000"/>
-                  </a:schemeClr>
-                </a:solidFill>
-                <a:latin typeface="Raleway" pitchFamily="2" charset="77"/>
-              </a:rPr>
-              <a:t>Implement a Batch and a Group Data Loader</a:t>
-            </a:r>
+        </p:txBody>
+      </p:sp>
+      <p:pic>
+        <p:nvPicPr>
+          <p:cNvPr id="4098" name="Picture 2" descr="Github logo - Kostenlose sozialen medien Icons">
+            <a:extLst>
+              <a:ext uri="{FF2B5EF4-FFF2-40B4-BE49-F238E27FC236}">
+                <a16:creationId xmlns:a16="http://schemas.microsoft.com/office/drawing/2014/main" id="{ED808690-24B8-4E4F-BEE8-C629063FA87E}"/>
+              </a:ext>
+            </a:extLst>
+          </p:cNvPr>
+          <p:cNvPicPr>
+            <a:picLocks noChangeAspect="1" noChangeArrowheads="1"/>
+          </p:cNvPicPr>
+          <p:nvPr/>
+        </p:nvPicPr>
+        <p:blipFill>
+          <a:blip r:embed="rId2">
+            <a:extLst>
+              <a:ext uri="{28A0092B-C50C-407E-A947-70E740481C1C}">
+                <a14:useLocalDpi xmlns:a14="http://schemas.microsoft.com/office/drawing/2010/main" val="0"/>
+              </a:ext>
+            </a:extLst>
+          </a:blip>
+          <a:srcRect/>
+          <a:stretch>
+            <a:fillRect/>
+          </a:stretch>
+        </p:blipFill>
+        <p:spPr bwMode="auto">
+          <a:xfrm>
+            <a:off x="2469312" y="4615788"/>
+            <a:ext cx="549482" cy="549482"/>
+          </a:xfrm>
+          <a:prstGeom prst="rect">
+            <a:avLst/>
+          </a:prstGeom>
+          <a:noFill/>
+          <a:extLst>
+            <a:ext uri="{909E8E84-426E-40DD-AFC4-6F175D3DCCD1}">
+              <a14:hiddenFill xmlns:a14="http://schemas.microsoft.com/office/drawing/2010/main">
+                <a:solidFill>
+                  <a:srgbClr val="FFFFFF"/>
+                </a:solidFill>
+              </a14:hiddenFill>
+            </a:ext>
+          </a:extLst>
+        </p:spPr>
+      </p:pic>
+      <p:sp>
+        <p:nvSpPr>
+          <p:cNvPr id="3" name="TextBox 2">
+            <a:extLst>
+              <a:ext uri="{FF2B5EF4-FFF2-40B4-BE49-F238E27FC236}">
+                <a16:creationId xmlns:a16="http://schemas.microsoft.com/office/drawing/2014/main" id="{8F202A11-8877-474A-85CA-44BC16F36F1C}"/>
+              </a:ext>
+            </a:extLst>
+          </p:cNvPr>
+          <p:cNvSpPr txBox="1"/>
+          <p:nvPr/>
+        </p:nvSpPr>
+        <p:spPr>
+          <a:xfrm>
+            <a:off x="3120550" y="4659696"/>
+            <a:ext cx="8815234" cy="461665"/>
+          </a:xfrm>
+          <a:prstGeom prst="rect">
+            <a:avLst/>
+          </a:prstGeom>
+          <a:noFill/>
+        </p:spPr>
+        <p:txBody>
+          <a:bodyPr wrap="none" rtlCol="0">
+            <a:spAutoFit/>
+          </a:bodyPr>
+          <a:lstStyle/>
+          <a:p>
+            <a:r>
+              <a:rPr lang="de-DE" sz="2400" dirty="0">
+                <a:latin typeface="Raleway" pitchFamily="2" charset="77"/>
+              </a:rPr>
+              <a:t>https://</a:t>
+            </a:r>
+            <a:r>
+              <a:rPr lang="de-DE" sz="2400" dirty="0" err="1">
+                <a:latin typeface="Raleway" pitchFamily="2" charset="77"/>
+              </a:rPr>
+              <a:t>github.com</a:t>
+            </a:r>
+            <a:r>
+              <a:rPr lang="de-DE" sz="2400" dirty="0">
+                <a:latin typeface="Raleway" pitchFamily="2" charset="77"/>
+              </a:rPr>
+              <a:t>/</a:t>
+            </a:r>
+            <a:r>
+              <a:rPr lang="de-DE" sz="2400" dirty="0" err="1">
+                <a:latin typeface="Raleway" pitchFamily="2" charset="77"/>
+              </a:rPr>
+              <a:t>CloudKlabauter</a:t>
+            </a:r>
+            <a:r>
+              <a:rPr lang="de-DE" sz="2400" dirty="0">
+                <a:latin typeface="Raleway" pitchFamily="2" charset="77"/>
+              </a:rPr>
+              <a:t>/</a:t>
+            </a:r>
+            <a:r>
+              <a:rPr lang="de-DE" sz="2400" dirty="0" err="1">
+                <a:latin typeface="Raleway" pitchFamily="2" charset="77"/>
+              </a:rPr>
+              <a:t>HotChocolateWorkshop</a:t>
+            </a:r>
+            <a:endParaRPr lang="de-DE" sz="2400" dirty="0">
+              <a:latin typeface="Raleway" pitchFamily="2" charset="77"/>
+            </a:endParaRPr>
           </a:p>
         </p:txBody>
       </p:sp>
     </p:spTree>
     <p:extLst>
       <p:ext uri="{BB962C8B-B14F-4D97-AF65-F5344CB8AC3E}">
-        <p14:creationId xmlns:p14="http://schemas.microsoft.com/office/powerpoint/2010/main" val="179109566"/>
+        <p14:creationId xmlns:p14="http://schemas.microsoft.com/office/powerpoint/2010/main" val="2129603959"/>
       </p:ext>
     </p:extLst>
   </p:cSld>
@@ -13766,35 +14082,16 @@
           <a:lstStyle/>
           <a:p>
             <a:r>
-              <a:rPr lang="en-US" dirty="0">
-                <a:solidFill>
-                  <a:schemeClr val="tx1">
-                    <a:lumMod val="75000"/>
-                    <a:lumOff val="25000"/>
-                  </a:schemeClr>
-                </a:solidFill>
-              </a:rPr>
-              <a:t>👷‍♂️ Challenge #2: Query execution &amp; </a:t>
-            </a:r>
-            <a:r>
-              <a:rPr lang="en-US" dirty="0" err="1">
-                <a:solidFill>
-                  <a:schemeClr val="tx1">
-                    <a:lumMod val="75000"/>
-                    <a:lumOff val="25000"/>
-                  </a:schemeClr>
-                </a:solidFill>
-              </a:rPr>
-              <a:t>DataLoaders</a:t>
-            </a:r>
-            <a:endParaRPr lang="de-DE" dirty="0">
-              <a:solidFill>
-                <a:schemeClr val="tx1">
-                  <a:lumMod val="75000"/>
-                  <a:lumOff val="25000"/>
-                </a:schemeClr>
-              </a:solidFill>
-            </a:endParaRPr>
+              <a:rPr lang="de-DE" dirty="0">
+                <a:solidFill>
+                  <a:schemeClr val="tx1">
+                    <a:lumMod val="75000"/>
+                    <a:lumOff val="25000"/>
+                  </a:schemeClr>
+                </a:solidFill>
+              </a:rPr>
+              <a:t>🍔 Lunch Time</a:t>
+            </a:r>
           </a:p>
         </p:txBody>
       </p:sp>
@@ -13839,380 +14136,6 @@
               <a:rPr lang="de-DE" b="1" smtClean="0"/>
               <a:pPr/>
               <a:t>27</a:t>
-            </a:fld>
-            <a:r>
-              <a:rPr lang="de-DE"/>
-              <a:t> </a:t>
-            </a:r>
-            <a:r>
-              <a:rPr lang="de-DE">
-                <a:solidFill>
-                  <a:srgbClr val="4F4F4F"/>
-                </a:solidFill>
-              </a:rPr>
-              <a:t>| cloudklabauter.de</a:t>
-            </a:r>
-          </a:p>
-        </p:txBody>
-      </p:sp>
-      <p:sp>
-        <p:nvSpPr>
-          <p:cNvPr id="6" name="Textfeld 11">
-            <a:extLst>
-              <a:ext uri="{FF2B5EF4-FFF2-40B4-BE49-F238E27FC236}">
-                <a16:creationId xmlns:a16="http://schemas.microsoft.com/office/drawing/2014/main" id="{017C06BF-161C-2046-B380-C974070FB5D7}"/>
-              </a:ext>
-            </a:extLst>
-          </p:cNvPr>
-          <p:cNvSpPr txBox="1"/>
-          <p:nvPr/>
-        </p:nvSpPr>
-        <p:spPr>
-          <a:xfrm>
-            <a:off x="2409275" y="1831446"/>
-            <a:ext cx="2207656" cy="369332"/>
-          </a:xfrm>
-          <a:prstGeom prst="rect">
-            <a:avLst/>
-          </a:prstGeom>
-          <a:noFill/>
-        </p:spPr>
-        <p:txBody>
-          <a:bodyPr wrap="none" rtlCol="0">
-            <a:spAutoFit/>
-          </a:bodyPr>
-          <a:lstStyle/>
-          <a:p>
-            <a:r>
-              <a:rPr lang="en-GB" b="1" dirty="0">
-                <a:solidFill>
-                  <a:schemeClr val="tx1">
-                    <a:lumMod val="75000"/>
-                    <a:lumOff val="25000"/>
-                  </a:schemeClr>
-                </a:solidFill>
-                <a:latin typeface="Raleway" pitchFamily="2" charset="77"/>
-              </a:rPr>
-              <a:t>Now it's your turn!</a:t>
-            </a:r>
-          </a:p>
-        </p:txBody>
-      </p:sp>
-      <p:sp>
-        <p:nvSpPr>
-          <p:cNvPr id="5" name="Textfeld 11">
-            <a:extLst>
-              <a:ext uri="{FF2B5EF4-FFF2-40B4-BE49-F238E27FC236}">
-                <a16:creationId xmlns:a16="http://schemas.microsoft.com/office/drawing/2014/main" id="{C0DD3512-D4C7-934A-BD03-C17E14DCFF8F}"/>
-              </a:ext>
-            </a:extLst>
-          </p:cNvPr>
-          <p:cNvSpPr txBox="1"/>
-          <p:nvPr/>
-        </p:nvSpPr>
-        <p:spPr>
-          <a:xfrm>
-            <a:off x="2409275" y="2656646"/>
-            <a:ext cx="8036174" cy="874663"/>
-          </a:xfrm>
-          <a:prstGeom prst="rect">
-            <a:avLst/>
-          </a:prstGeom>
-          <a:noFill/>
-        </p:spPr>
-        <p:txBody>
-          <a:bodyPr wrap="none" rtlCol="0">
-            <a:spAutoFit/>
-          </a:bodyPr>
-          <a:lstStyle/>
-          <a:p>
-            <a:pPr>
-              <a:lnSpc>
-                <a:spcPct val="150000"/>
-              </a:lnSpc>
-            </a:pPr>
-            <a:r>
-              <a:rPr lang="en-GB" dirty="0">
-                <a:solidFill>
-                  <a:schemeClr val="tx1">
-                    <a:lumMod val="75000"/>
-                    <a:lumOff val="25000"/>
-                  </a:schemeClr>
-                </a:solidFill>
-                <a:latin typeface="Raleway" pitchFamily="2" charset="77"/>
-              </a:rPr>
-              <a:t>In this exercise you will better understand how the query execution works </a:t>
-            </a:r>
-            <a:br>
-              <a:rPr lang="en-GB" dirty="0">
-                <a:solidFill>
-                  <a:schemeClr val="tx1">
-                    <a:lumMod val="75000"/>
-                    <a:lumOff val="25000"/>
-                  </a:schemeClr>
-                </a:solidFill>
-                <a:latin typeface="Raleway" pitchFamily="2" charset="77"/>
-              </a:rPr>
-            </a:br>
-            <a:r>
-              <a:rPr lang="en-GB" dirty="0">
-                <a:solidFill>
-                  <a:schemeClr val="tx1">
-                    <a:lumMod val="75000"/>
-                    <a:lumOff val="25000"/>
-                  </a:schemeClr>
-                </a:solidFill>
-                <a:latin typeface="Raleway" pitchFamily="2" charset="77"/>
-              </a:rPr>
-              <a:t>and you will implement </a:t>
-            </a:r>
-            <a:r>
-              <a:rPr lang="en-GB" dirty="0" err="1">
-                <a:solidFill>
-                  <a:schemeClr val="tx1">
-                    <a:lumMod val="75000"/>
-                    <a:lumOff val="25000"/>
-                  </a:schemeClr>
-                </a:solidFill>
-                <a:latin typeface="Raleway" pitchFamily="2" charset="77"/>
-              </a:rPr>
-              <a:t>DataLoaders</a:t>
-            </a:r>
-            <a:endParaRPr lang="en-GB" dirty="0">
-              <a:solidFill>
-                <a:schemeClr val="tx1">
-                  <a:lumMod val="75000"/>
-                  <a:lumOff val="25000"/>
-                </a:schemeClr>
-              </a:solidFill>
-              <a:latin typeface="Raleway" pitchFamily="2" charset="77"/>
-            </a:endParaRPr>
-          </a:p>
-        </p:txBody>
-      </p:sp>
-      <p:pic>
-        <p:nvPicPr>
-          <p:cNvPr id="4098" name="Picture 2" descr="Github logo - Kostenlose sozialen medien Icons">
-            <a:extLst>
-              <a:ext uri="{FF2B5EF4-FFF2-40B4-BE49-F238E27FC236}">
-                <a16:creationId xmlns:a16="http://schemas.microsoft.com/office/drawing/2014/main" id="{ED808690-24B8-4E4F-BEE8-C629063FA87E}"/>
-              </a:ext>
-            </a:extLst>
-          </p:cNvPr>
-          <p:cNvPicPr>
-            <a:picLocks noChangeAspect="1" noChangeArrowheads="1"/>
-          </p:cNvPicPr>
-          <p:nvPr/>
-        </p:nvPicPr>
-        <p:blipFill>
-          <a:blip r:embed="rId2">
-            <a:extLst>
-              <a:ext uri="{28A0092B-C50C-407E-A947-70E740481C1C}">
-                <a14:useLocalDpi xmlns:a14="http://schemas.microsoft.com/office/drawing/2010/main" val="0"/>
-              </a:ext>
-            </a:extLst>
-          </a:blip>
-          <a:srcRect/>
-          <a:stretch>
-            <a:fillRect/>
-          </a:stretch>
-        </p:blipFill>
-        <p:spPr bwMode="auto">
-          <a:xfrm>
-            <a:off x="2469312" y="4615788"/>
-            <a:ext cx="549482" cy="549482"/>
-          </a:xfrm>
-          <a:prstGeom prst="rect">
-            <a:avLst/>
-          </a:prstGeom>
-          <a:noFill/>
-          <a:extLst>
-            <a:ext uri="{909E8E84-426E-40DD-AFC4-6F175D3DCCD1}">
-              <a14:hiddenFill xmlns:a14="http://schemas.microsoft.com/office/drawing/2010/main">
-                <a:solidFill>
-                  <a:srgbClr val="FFFFFF"/>
-                </a:solidFill>
-              </a14:hiddenFill>
-            </a:ext>
-          </a:extLst>
-        </p:spPr>
-      </p:pic>
-      <p:sp>
-        <p:nvSpPr>
-          <p:cNvPr id="3" name="TextBox 2">
-            <a:extLst>
-              <a:ext uri="{FF2B5EF4-FFF2-40B4-BE49-F238E27FC236}">
-                <a16:creationId xmlns:a16="http://schemas.microsoft.com/office/drawing/2014/main" id="{8F202A11-8877-474A-85CA-44BC16F36F1C}"/>
-              </a:ext>
-            </a:extLst>
-          </p:cNvPr>
-          <p:cNvSpPr txBox="1"/>
-          <p:nvPr/>
-        </p:nvSpPr>
-        <p:spPr>
-          <a:xfrm>
-            <a:off x="3120550" y="4659696"/>
-            <a:ext cx="8815234" cy="461665"/>
-          </a:xfrm>
-          <a:prstGeom prst="rect">
-            <a:avLst/>
-          </a:prstGeom>
-          <a:noFill/>
-        </p:spPr>
-        <p:txBody>
-          <a:bodyPr wrap="none" rtlCol="0">
-            <a:spAutoFit/>
-          </a:bodyPr>
-          <a:lstStyle/>
-          <a:p>
-            <a:r>
-              <a:rPr lang="de-DE" sz="2400" dirty="0">
-                <a:latin typeface="Raleway" pitchFamily="2" charset="77"/>
-              </a:rPr>
-              <a:t>https://</a:t>
-            </a:r>
-            <a:r>
-              <a:rPr lang="de-DE" sz="2400" dirty="0" err="1">
-                <a:latin typeface="Raleway" pitchFamily="2" charset="77"/>
-              </a:rPr>
-              <a:t>github.com</a:t>
-            </a:r>
-            <a:r>
-              <a:rPr lang="de-DE" sz="2400" dirty="0">
-                <a:latin typeface="Raleway" pitchFamily="2" charset="77"/>
-              </a:rPr>
-              <a:t>/</a:t>
-            </a:r>
-            <a:r>
-              <a:rPr lang="de-DE" sz="2400" dirty="0" err="1">
-                <a:latin typeface="Raleway" pitchFamily="2" charset="77"/>
-              </a:rPr>
-              <a:t>CloudKlabauter</a:t>
-            </a:r>
-            <a:r>
-              <a:rPr lang="de-DE" sz="2400" dirty="0">
-                <a:latin typeface="Raleway" pitchFamily="2" charset="77"/>
-              </a:rPr>
-              <a:t>/</a:t>
-            </a:r>
-            <a:r>
-              <a:rPr lang="de-DE" sz="2400" dirty="0" err="1">
-                <a:latin typeface="Raleway" pitchFamily="2" charset="77"/>
-              </a:rPr>
-              <a:t>HotChocolateWorkshop</a:t>
-            </a:r>
-            <a:endParaRPr lang="de-DE" sz="2400" dirty="0">
-              <a:latin typeface="Raleway" pitchFamily="2" charset="77"/>
-            </a:endParaRPr>
-          </a:p>
-        </p:txBody>
-      </p:sp>
-    </p:spTree>
-    <p:extLst>
-      <p:ext uri="{BB962C8B-B14F-4D97-AF65-F5344CB8AC3E}">
-        <p14:creationId xmlns:p14="http://schemas.microsoft.com/office/powerpoint/2010/main" val="2129603959"/>
-      </p:ext>
-    </p:extLst>
-  </p:cSld>
-  <p:clrMapOvr>
-    <a:masterClrMapping/>
-  </p:clrMapOvr>
-</p:sld>
-</file>
-
-<file path=ppt/slides/slide28.xml><?xml version="1.0" encoding="utf-8"?>
-<p:sld xmlns:a="http://schemas.openxmlformats.org/drawingml/2006/main" xmlns:r="http://schemas.openxmlformats.org/officeDocument/2006/relationships" xmlns:p="http://schemas.openxmlformats.org/presentationml/2006/main">
-  <p:cSld>
-    <p:spTree>
-      <p:nvGrpSpPr>
-        <p:cNvPr id="1" name=""/>
-        <p:cNvGrpSpPr/>
-        <p:nvPr/>
-      </p:nvGrpSpPr>
-      <p:grpSpPr>
-        <a:xfrm>
-          <a:off x="0" y="0"/>
-          <a:ext cx="0" cy="0"/>
-          <a:chOff x="0" y="0"/>
-          <a:chExt cx="0" cy="0"/>
-        </a:xfrm>
-      </p:grpSpPr>
-      <p:sp>
-        <p:nvSpPr>
-          <p:cNvPr id="2" name="Titel 1">
-            <a:extLst>
-              <a:ext uri="{FF2B5EF4-FFF2-40B4-BE49-F238E27FC236}">
-                <a16:creationId xmlns:a16="http://schemas.microsoft.com/office/drawing/2014/main" id="{98260182-CA33-48F6-BC1E-03047240F8EC}"/>
-              </a:ext>
-            </a:extLst>
-          </p:cNvPr>
-          <p:cNvSpPr>
-            <a:spLocks noGrp="1"/>
-          </p:cNvSpPr>
-          <p:nvPr>
-            <p:ph type="title"/>
-          </p:nvPr>
-        </p:nvSpPr>
-        <p:spPr/>
-        <p:txBody>
-          <a:bodyPr anchor="b"/>
-          <a:lstStyle/>
-          <a:p>
-            <a:r>
-              <a:rPr lang="de-DE" dirty="0">
-                <a:solidFill>
-                  <a:schemeClr val="tx1">
-                    <a:lumMod val="75000"/>
-                    <a:lumOff val="25000"/>
-                  </a:schemeClr>
-                </a:solidFill>
-              </a:rPr>
-              <a:t>🍔 Lunch Time</a:t>
-            </a:r>
-          </a:p>
-        </p:txBody>
-      </p:sp>
-      <p:sp>
-        <p:nvSpPr>
-          <p:cNvPr id="4" name="Datumsplatzhalter 3">
-            <a:extLst>
-              <a:ext uri="{FF2B5EF4-FFF2-40B4-BE49-F238E27FC236}">
-                <a16:creationId xmlns:a16="http://schemas.microsoft.com/office/drawing/2014/main" id="{372D7581-15AB-453A-8172-2DD260D4AD01}"/>
-              </a:ext>
-            </a:extLst>
-          </p:cNvPr>
-          <p:cNvSpPr>
-            <a:spLocks noGrp="1"/>
-          </p:cNvSpPr>
-          <p:nvPr>
-            <p:ph type="dt" sz="half" idx="2"/>
-          </p:nvPr>
-        </p:nvSpPr>
-        <p:spPr>
-          <a:xfrm>
-            <a:off x="526625" y="6356350"/>
-            <a:ext cx="2743200" cy="365125"/>
-          </a:xfrm>
-          <a:prstGeom prst="rect">
-            <a:avLst/>
-          </a:prstGeom>
-        </p:spPr>
-        <p:txBody>
-          <a:bodyPr vert="horz" lIns="91440" tIns="45720" rIns="91440" bIns="45720" rtlCol="0" anchor="ctr"/>
-          <a:lstStyle>
-            <a:lvl1pPr algn="l">
-              <a:defRPr sz="1200">
-                <a:solidFill>
-                  <a:schemeClr val="tx1"/>
-                </a:solidFill>
-              </a:defRPr>
-            </a:lvl1pPr>
-          </a:lstStyle>
-          <a:p>
-            <a:fld id="{95CA576C-67C8-4CE2-9686-DB10934C823F}" type="slidenum">
-              <a:rPr lang="de-DE" b="1" smtClean="0"/>
-              <a:pPr/>
-              <a:t>28</a:t>
             </a:fld>
             <a:r>
               <a:rPr lang="de-DE"/>
@@ -14370,19 +14293,27 @@
             </a:pPr>
             <a:r>
               <a:rPr lang="de-DE" dirty="0" err="1"/>
-              <a:t>Whats</a:t>
+              <a:t>How</a:t>
             </a:r>
             <a:r>
               <a:rPr lang="de-DE" dirty="0"/>
-              <a:t> </a:t>
+              <a:t> do </a:t>
             </a:r>
             <a:r>
               <a:rPr lang="de-DE" dirty="0" err="1"/>
-              <a:t>the</a:t>
+              <a:t>we</a:t>
             </a:r>
             <a:r>
               <a:rPr lang="de-DE" dirty="0"/>
-              <a:t> plan?</a:t>
+              <a:t> do </a:t>
+            </a:r>
+            <a:r>
+              <a:rPr lang="de-DE" dirty="0" err="1"/>
+              <a:t>it</a:t>
+            </a:r>
+            <a:r>
+              <a:rPr lang="de-DE" dirty="0"/>
+              <a:t>?</a:t>
             </a:r>
           </a:p>
         </p:txBody>
@@ -14459,7 +14390,7 @@
         <p:spPr>
           <a:xfrm>
             <a:off x="2580147" y="2413337"/>
-            <a:ext cx="7784503" cy="2585323"/>
+            <a:ext cx="8105104" cy="2308324"/>
           </a:xfrm>
           <a:prstGeom prst="rect">
             <a:avLst/>
@@ -14482,7 +14413,7 @@
                 </a:solidFill>
                 <a:latin typeface="Raleway" pitchFamily="2" charset="77"/>
               </a:rPr>
-              <a:t>What is GraphQL and how do I use it?</a:t>
+              <a:t>This workshop includes 6 exercises that you can solve alone or in groups</a:t>
             </a:r>
           </a:p>
           <a:p>
@@ -14507,7 +14438,7 @@
                 </a:solidFill>
                 <a:latin typeface="Raleway" pitchFamily="2" charset="77"/>
               </a:rPr>
-              <a:t>What are the advantages of GraphQL to REST and where does it differ?</a:t>
+              <a:t>Before each new theme we give you an introduction and demos</a:t>
             </a:r>
           </a:p>
           <a:p>
@@ -14532,7 +14463,7 @@
                 </a:solidFill>
                 <a:latin typeface="Raleway" pitchFamily="2" charset="77"/>
               </a:rPr>
-              <a:t>What are Queries, Mutation &amp; Subscriptions?</a:t>
+              <a:t>If you have any questions, there are 3 contact persons at your disposal</a:t>
             </a:r>
           </a:p>
           <a:p>
@@ -14557,22 +14488,9 @@
                 </a:solidFill>
                 <a:latin typeface="Raleway" pitchFamily="2" charset="77"/>
               </a:rPr>
-              <a:t>How do I create and structure a GraphQL server with Hot Chocolate?</a:t>
-            </a:r>
-          </a:p>
-          <a:p>
-            <a:endParaRPr lang="en-GB" dirty="0">
-              <a:solidFill>
-                <a:schemeClr val="tx1">
-                  <a:lumMod val="75000"/>
-                  <a:lumOff val="25000"/>
-                </a:schemeClr>
-              </a:solidFill>
-              <a:latin typeface="Raleway" pitchFamily="2" charset="77"/>
-            </a:endParaRPr>
-          </a:p>
-          <a:p>
-            <a:r>
+              <a:t>If you cannot complete an exercise, you will always find a working project </a:t>
+            </a:r>
+            <a:br>
               <a:rPr lang="en-GB" dirty="0">
                 <a:solidFill>
                   <a:schemeClr val="tx1">
@@ -14582,121 +14500,18 @@
                 </a:solidFill>
                 <a:latin typeface="Raleway" pitchFamily="2" charset="77"/>
               </a:rPr>
-              <a:t>Security, Error Handling &amp; Testing</a:t>
-            </a:r>
-          </a:p>
-        </p:txBody>
-      </p:sp>
-      <p:sp>
-        <p:nvSpPr>
-          <p:cNvPr id="10" name="Rectangle 9">
-            <a:extLst>
-              <a:ext uri="{FF2B5EF4-FFF2-40B4-BE49-F238E27FC236}">
-                <a16:creationId xmlns:a16="http://schemas.microsoft.com/office/drawing/2014/main" id="{DFD584A8-1FBC-C845-9964-7BA817C2D644}"/>
-              </a:ext>
-            </a:extLst>
-          </p:cNvPr>
-          <p:cNvSpPr/>
-          <p:nvPr/>
-        </p:nvSpPr>
-        <p:spPr>
-          <a:xfrm>
-            <a:off x="2580147" y="1756918"/>
-            <a:ext cx="5001690" cy="369332"/>
-          </a:xfrm>
-          <a:prstGeom prst="rect">
-            <a:avLst/>
-          </a:prstGeom>
-        </p:spPr>
-        <p:txBody>
-          <a:bodyPr wrap="none">
-            <a:spAutoFit/>
-          </a:bodyPr>
-          <a:lstStyle/>
-          <a:p>
-            <a:r>
-              <a:rPr lang="de-DE" b="1" dirty="0" err="1">
-                <a:latin typeface="Raleway" pitchFamily="2" charset="77"/>
-              </a:rPr>
-              <a:t>We</a:t>
-            </a:r>
-            <a:r>
-              <a:rPr lang="de-DE" b="1" dirty="0">
-                <a:latin typeface="Raleway" pitchFamily="2" charset="77"/>
-              </a:rPr>
-              <a:t> </a:t>
-            </a:r>
-            <a:r>
-              <a:rPr lang="de-DE" b="1" dirty="0" err="1">
-                <a:latin typeface="Raleway" pitchFamily="2" charset="77"/>
-              </a:rPr>
-              <a:t>want</a:t>
-            </a:r>
-            <a:r>
-              <a:rPr lang="de-DE" b="1" dirty="0">
-                <a:latin typeface="Raleway" pitchFamily="2" charset="77"/>
-              </a:rPr>
-              <a:t> </a:t>
-            </a:r>
-            <a:r>
-              <a:rPr lang="de-DE" b="1" dirty="0" err="1">
-                <a:latin typeface="Raleway" pitchFamily="2" charset="77"/>
-              </a:rPr>
-              <a:t>to</a:t>
-            </a:r>
-            <a:r>
-              <a:rPr lang="de-DE" b="1" dirty="0">
-                <a:latin typeface="Raleway" pitchFamily="2" charset="77"/>
-              </a:rPr>
-              <a:t> </a:t>
-            </a:r>
-            <a:r>
-              <a:rPr lang="de-DE" b="1" dirty="0" err="1">
-                <a:latin typeface="Raleway" pitchFamily="2" charset="77"/>
-              </a:rPr>
-              <a:t>answer</a:t>
-            </a:r>
-            <a:r>
-              <a:rPr lang="de-DE" b="1" dirty="0">
-                <a:latin typeface="Raleway" pitchFamily="2" charset="77"/>
-              </a:rPr>
-              <a:t> </a:t>
-            </a:r>
-            <a:r>
-              <a:rPr lang="de-DE" b="1" dirty="0" err="1">
-                <a:latin typeface="Raleway" pitchFamily="2" charset="77"/>
-              </a:rPr>
-              <a:t>the</a:t>
-            </a:r>
-            <a:r>
-              <a:rPr lang="de-DE" b="1" dirty="0">
-                <a:latin typeface="Raleway" pitchFamily="2" charset="77"/>
-              </a:rPr>
-              <a:t> </a:t>
-            </a:r>
-            <a:r>
-              <a:rPr lang="de-DE" b="1" dirty="0" err="1">
-                <a:latin typeface="Raleway" pitchFamily="2" charset="77"/>
-              </a:rPr>
-              <a:t>following</a:t>
-            </a:r>
-            <a:r>
-              <a:rPr lang="de-DE" b="1" dirty="0">
-                <a:latin typeface="Raleway" pitchFamily="2" charset="77"/>
-              </a:rPr>
-              <a:t> </a:t>
-            </a:r>
-            <a:r>
-              <a:rPr lang="de-DE" b="1" dirty="0" err="1">
-                <a:latin typeface="Raleway" pitchFamily="2" charset="77"/>
-              </a:rPr>
-              <a:t>questions</a:t>
-            </a:r>
-            <a:r>
-              <a:rPr lang="de-DE" b="1" dirty="0">
-                <a:latin typeface="Raleway" pitchFamily="2" charset="77"/>
-              </a:rPr>
-              <a:t>:</a:t>
+            </a:br>
+            <a:r>
+              <a:rPr lang="en-GB" dirty="0">
+                <a:solidFill>
+                  <a:schemeClr val="tx1">
+                    <a:lumMod val="75000"/>
+                    <a:lumOff val="25000"/>
+                  </a:schemeClr>
+                </a:solidFill>
+                <a:latin typeface="Raleway" pitchFamily="2" charset="77"/>
+              </a:rPr>
+              <a:t>from the last exercise to start with in the next exercise.</a:t>
             </a:r>
           </a:p>
         </p:txBody>
@@ -14704,7 +14519,7 @@
     </p:spTree>
     <p:extLst>
       <p:ext uri="{BB962C8B-B14F-4D97-AF65-F5344CB8AC3E}">
-        <p14:creationId xmlns:p14="http://schemas.microsoft.com/office/powerpoint/2010/main" val="1200374758"/>
+        <p14:creationId xmlns:p14="http://schemas.microsoft.com/office/powerpoint/2010/main" val="2361588785"/>
       </p:ext>
     </p:extLst>
   </p:cSld>
@@ -14758,28 +14573,8 @@
               </a:lnSpc>
             </a:pPr>
             <a:r>
-              <a:rPr lang="de-DE" dirty="0" err="1"/>
-              <a:t>How</a:t>
-            </a:r>
-            <a:r>
               <a:rPr lang="de-DE" dirty="0"/>
-              <a:t> do </a:t>
-            </a:r>
-            <a:r>
-              <a:rPr lang="de-DE" dirty="0" err="1"/>
-              <a:t>we</a:t>
-            </a:r>
-            <a:r>
-              <a:rPr lang="de-DE" dirty="0"/>
-              <a:t> do </a:t>
-            </a:r>
-            <a:r>
-              <a:rPr lang="de-DE" dirty="0" err="1"/>
-              <a:t>it</a:t>
-            </a:r>
-            <a:r>
-              <a:rPr lang="de-DE" dirty="0"/>
-              <a:t>?</a:t>
+              <a:t>Time Schedule</a:t>
             </a:r>
           </a:p>
         </p:txBody>
@@ -14825,267 +14620,6 @@
               <a:rPr lang="de-DE" b="1" smtClean="0"/>
               <a:pPr/>
               <a:t>4</a:t>
-            </a:fld>
-            <a:r>
-              <a:rPr lang="de-DE"/>
-              <a:t> </a:t>
-            </a:r>
-            <a:r>
-              <a:rPr lang="de-DE">
-                <a:solidFill>
-                  <a:srgbClr val="4F4F4F"/>
-                </a:solidFill>
-              </a:rPr>
-              <a:t>| cloudklabauter.de</a:t>
-            </a:r>
-          </a:p>
-        </p:txBody>
-      </p:sp>
-      <p:sp>
-        <p:nvSpPr>
-          <p:cNvPr id="6" name="Textfeld 11">
-            <a:extLst>
-              <a:ext uri="{FF2B5EF4-FFF2-40B4-BE49-F238E27FC236}">
-                <a16:creationId xmlns:a16="http://schemas.microsoft.com/office/drawing/2014/main" id="{017C06BF-161C-2046-B380-C974070FB5D7}"/>
-              </a:ext>
-            </a:extLst>
-          </p:cNvPr>
-          <p:cNvSpPr txBox="1"/>
-          <p:nvPr/>
-        </p:nvSpPr>
-        <p:spPr>
-          <a:xfrm>
-            <a:off x="2580147" y="2413337"/>
-            <a:ext cx="8105104" cy="2308324"/>
-          </a:xfrm>
-          <a:prstGeom prst="rect">
-            <a:avLst/>
-          </a:prstGeom>
-          <a:noFill/>
-        </p:spPr>
-        <p:txBody>
-          <a:bodyPr wrap="none" rtlCol="0">
-            <a:spAutoFit/>
-          </a:bodyPr>
-          <a:lstStyle/>
-          <a:p>
-            <a:r>
-              <a:rPr lang="en-GB" dirty="0">
-                <a:solidFill>
-                  <a:schemeClr val="tx1">
-                    <a:lumMod val="75000"/>
-                    <a:lumOff val="25000"/>
-                  </a:schemeClr>
-                </a:solidFill>
-                <a:latin typeface="Raleway" pitchFamily="2" charset="77"/>
-              </a:rPr>
-              <a:t>This workshop includes 6 exercises that you can solve alone or in groups</a:t>
-            </a:r>
-          </a:p>
-          <a:p>
-            <a:endParaRPr lang="en-GB" dirty="0">
-              <a:solidFill>
-                <a:schemeClr val="tx1">
-                  <a:lumMod val="75000"/>
-                  <a:lumOff val="25000"/>
-                </a:schemeClr>
-              </a:solidFill>
-              <a:latin typeface="Raleway" pitchFamily="2" charset="77"/>
-            </a:endParaRPr>
-          </a:p>
-          <a:p>
-            <a:r>
-              <a:rPr lang="en-GB" dirty="0">
-                <a:solidFill>
-                  <a:schemeClr val="tx1">
-                    <a:lumMod val="75000"/>
-                    <a:lumOff val="25000"/>
-                  </a:schemeClr>
-                </a:solidFill>
-                <a:latin typeface="Raleway" pitchFamily="2" charset="77"/>
-              </a:rPr>
-              <a:t>Before each new theme we give you an introduction and demos</a:t>
-            </a:r>
-          </a:p>
-          <a:p>
-            <a:endParaRPr lang="en-GB" dirty="0">
-              <a:solidFill>
-                <a:schemeClr val="tx1">
-                  <a:lumMod val="75000"/>
-                  <a:lumOff val="25000"/>
-                </a:schemeClr>
-              </a:solidFill>
-              <a:latin typeface="Raleway" pitchFamily="2" charset="77"/>
-            </a:endParaRPr>
-          </a:p>
-          <a:p>
-            <a:r>
-              <a:rPr lang="en-GB" dirty="0">
-                <a:solidFill>
-                  <a:schemeClr val="tx1">
-                    <a:lumMod val="75000"/>
-                    <a:lumOff val="25000"/>
-                  </a:schemeClr>
-                </a:solidFill>
-                <a:latin typeface="Raleway" pitchFamily="2" charset="77"/>
-              </a:rPr>
-              <a:t>If you have any questions, there are 3 contact persons at your disposal</a:t>
-            </a:r>
-          </a:p>
-          <a:p>
-            <a:endParaRPr lang="en-GB" dirty="0">
-              <a:solidFill>
-                <a:schemeClr val="tx1">
-                  <a:lumMod val="75000"/>
-                  <a:lumOff val="25000"/>
-                </a:schemeClr>
-              </a:solidFill>
-              <a:latin typeface="Raleway" pitchFamily="2" charset="77"/>
-            </a:endParaRPr>
-          </a:p>
-          <a:p>
-            <a:r>
-              <a:rPr lang="en-GB" dirty="0">
-                <a:solidFill>
-                  <a:schemeClr val="tx1">
-                    <a:lumMod val="75000"/>
-                    <a:lumOff val="25000"/>
-                  </a:schemeClr>
-                </a:solidFill>
-                <a:latin typeface="Raleway" pitchFamily="2" charset="77"/>
-              </a:rPr>
-              <a:t>If you cannot complete an exercise, you will always find a working project </a:t>
-            </a:r>
-            <a:br>
-              <a:rPr lang="en-GB" dirty="0">
-                <a:solidFill>
-                  <a:schemeClr val="tx1">
-                    <a:lumMod val="75000"/>
-                    <a:lumOff val="25000"/>
-                  </a:schemeClr>
-                </a:solidFill>
-                <a:latin typeface="Raleway" pitchFamily="2" charset="77"/>
-              </a:rPr>
-            </a:br>
-            <a:r>
-              <a:rPr lang="en-GB" dirty="0">
-                <a:solidFill>
-                  <a:schemeClr val="tx1">
-                    <a:lumMod val="75000"/>
-                    <a:lumOff val="25000"/>
-                  </a:schemeClr>
-                </a:solidFill>
-                <a:latin typeface="Raleway" pitchFamily="2" charset="77"/>
-              </a:rPr>
-              <a:t>from the last exercise to start with in the next exercise.</a:t>
-            </a:r>
-          </a:p>
-        </p:txBody>
-      </p:sp>
-    </p:spTree>
-    <p:extLst>
-      <p:ext uri="{BB962C8B-B14F-4D97-AF65-F5344CB8AC3E}">
-        <p14:creationId xmlns:p14="http://schemas.microsoft.com/office/powerpoint/2010/main" val="2361588785"/>
-      </p:ext>
-    </p:extLst>
-  </p:cSld>
-  <p:clrMapOvr>
-    <a:masterClrMapping/>
-  </p:clrMapOvr>
-</p:sld>
-</file>
-
-<file path=ppt/slides/slide5.xml><?xml version="1.0" encoding="utf-8"?>
-<p:sld xmlns:a="http://schemas.openxmlformats.org/drawingml/2006/main" xmlns:r="http://schemas.openxmlformats.org/officeDocument/2006/relationships" xmlns:p="http://schemas.openxmlformats.org/presentationml/2006/main">
-  <p:cSld>
-    <p:spTree>
-      <p:nvGrpSpPr>
-        <p:cNvPr id="1" name=""/>
-        <p:cNvGrpSpPr/>
-        <p:nvPr/>
-      </p:nvGrpSpPr>
-      <p:grpSpPr>
-        <a:xfrm>
-          <a:off x="0" y="0"/>
-          <a:ext cx="0" cy="0"/>
-          <a:chOff x="0" y="0"/>
-          <a:chExt cx="0" cy="0"/>
-        </a:xfrm>
-      </p:grpSpPr>
-      <p:sp>
-        <p:nvSpPr>
-          <p:cNvPr id="2" name="Titel 1">
-            <a:extLst>
-              <a:ext uri="{FF2B5EF4-FFF2-40B4-BE49-F238E27FC236}">
-                <a16:creationId xmlns:a16="http://schemas.microsoft.com/office/drawing/2014/main" id="{98260182-CA33-48F6-BC1E-03047240F8EC}"/>
-              </a:ext>
-            </a:extLst>
-          </p:cNvPr>
-          <p:cNvSpPr>
-            <a:spLocks noGrp="1"/>
-          </p:cNvSpPr>
-          <p:nvPr>
-            <p:ph type="title"/>
-          </p:nvPr>
-        </p:nvSpPr>
-        <p:spPr/>
-        <p:txBody>
-          <a:bodyPr anchor="b"/>
-          <a:lstStyle/>
-          <a:p>
-            <a:pPr>
-              <a:lnSpc>
-                <a:spcPct val="150000"/>
-              </a:lnSpc>
-            </a:pPr>
-            <a:r>
-              <a:rPr lang="de-DE" dirty="0"/>
-              <a:t>Time Schedule</a:t>
-            </a:r>
-          </a:p>
-        </p:txBody>
-      </p:sp>
-      <p:sp>
-        <p:nvSpPr>
-          <p:cNvPr id="4" name="Datumsplatzhalter 3">
-            <a:extLst>
-              <a:ext uri="{FF2B5EF4-FFF2-40B4-BE49-F238E27FC236}">
-                <a16:creationId xmlns:a16="http://schemas.microsoft.com/office/drawing/2014/main" id="{372D7581-15AB-453A-8172-2DD260D4AD01}"/>
-              </a:ext>
-            </a:extLst>
-          </p:cNvPr>
-          <p:cNvSpPr>
-            <a:spLocks noGrp="1"/>
-          </p:cNvSpPr>
-          <p:nvPr>
-            <p:ph type="dt" sz="half" idx="2"/>
-          </p:nvPr>
-        </p:nvSpPr>
-        <p:spPr>
-          <a:xfrm>
-            <a:off x="526625" y="6356350"/>
-            <a:ext cx="2743200" cy="365125"/>
-          </a:xfrm>
-          <a:prstGeom prst="rect">
-            <a:avLst/>
-          </a:prstGeom>
-        </p:spPr>
-        <p:txBody>
-          <a:bodyPr vert="horz" lIns="91440" tIns="45720" rIns="91440" bIns="45720" rtlCol="0" anchor="ctr"/>
-          <a:lstStyle>
-            <a:lvl1pPr algn="l">
-              <a:defRPr sz="1200">
-                <a:solidFill>
-                  <a:schemeClr val="tx1"/>
-                </a:solidFill>
-              </a:defRPr>
-            </a:lvl1pPr>
-          </a:lstStyle>
-          <a:p>
-            <a:fld id="{95CA576C-67C8-4CE2-9686-DB10934C823F}" type="slidenum">
-              <a:rPr lang="de-DE" b="1" smtClean="0"/>
-              <a:pPr/>
-              <a:t>5</a:t>
             </a:fld>
             <a:r>
               <a:rPr lang="de-DE"/>
@@ -15681,7 +15215,7 @@
 </p:sld>
 </file>
 
-<file path=ppt/slides/slide6.xml><?xml version="1.0" encoding="utf-8"?>
+<file path=ppt/slides/slide5.xml><?xml version="1.0" encoding="utf-8"?>
 <p:sld xmlns:a="http://schemas.openxmlformats.org/drawingml/2006/main" xmlns:r="http://schemas.openxmlformats.org/officeDocument/2006/relationships" xmlns:p="http://schemas.openxmlformats.org/presentationml/2006/main">
   <p:cSld>
     <p:spTree>
@@ -15787,7 +15321,7 @@
             <a:fld id="{95CA576C-67C8-4CE2-9686-DB10934C823F}" type="slidenum">
               <a:rPr lang="de-DE" b="1" smtClean="0"/>
               <a:pPr/>
-              <a:t>6</a:t>
+              <a:t>5</a:t>
             </a:fld>
             <a:r>
               <a:rPr lang="de-DE"/>
@@ -16530,6 +16064,262 @@
     <p:extLst>
       <p:ext uri="{BB962C8B-B14F-4D97-AF65-F5344CB8AC3E}">
         <p14:creationId xmlns:p14="http://schemas.microsoft.com/office/powerpoint/2010/main" val="307838572"/>
+      </p:ext>
+    </p:extLst>
+  </p:cSld>
+  <p:clrMapOvr>
+    <a:masterClrMapping/>
+  </p:clrMapOvr>
+</p:sld>
+</file>
+
+<file path=ppt/slides/slide6.xml><?xml version="1.0" encoding="utf-8"?>
+<p:sld xmlns:a="http://schemas.openxmlformats.org/drawingml/2006/main" xmlns:r="http://schemas.openxmlformats.org/officeDocument/2006/relationships" xmlns:p="http://schemas.openxmlformats.org/presentationml/2006/main">
+  <p:cSld>
+    <p:spTree>
+      <p:nvGrpSpPr>
+        <p:cNvPr id="1" name=""/>
+        <p:cNvGrpSpPr/>
+        <p:nvPr/>
+      </p:nvGrpSpPr>
+      <p:grpSpPr>
+        <a:xfrm>
+          <a:off x="0" y="0"/>
+          <a:ext cx="0" cy="0"/>
+          <a:chOff x="0" y="0"/>
+          <a:chExt cx="0" cy="0"/>
+        </a:xfrm>
+      </p:grpSpPr>
+      <p:sp>
+        <p:nvSpPr>
+          <p:cNvPr id="2" name="Titel 1">
+            <a:extLst>
+              <a:ext uri="{FF2B5EF4-FFF2-40B4-BE49-F238E27FC236}">
+                <a16:creationId xmlns:a16="http://schemas.microsoft.com/office/drawing/2014/main" id="{98260182-CA33-48F6-BC1E-03047240F8EC}"/>
+              </a:ext>
+            </a:extLst>
+          </p:cNvPr>
+          <p:cNvSpPr>
+            <a:spLocks noGrp="1"/>
+          </p:cNvSpPr>
+          <p:nvPr>
+            <p:ph type="title"/>
+          </p:nvPr>
+        </p:nvSpPr>
+        <p:spPr/>
+        <p:txBody>
+          <a:bodyPr anchor="b"/>
+          <a:lstStyle/>
+          <a:p>
+            <a:r>
+              <a:rPr lang="en-US" dirty="0">
+                <a:solidFill>
+                  <a:schemeClr val="tx1">
+                    <a:lumMod val="75000"/>
+                    <a:lumOff val="25000"/>
+                  </a:schemeClr>
+                </a:solidFill>
+                <a:latin typeface="Raleway" pitchFamily="2" charset="77"/>
+                <a:ea typeface="Source Code Pro for Powerline" panose="020B0509030403020204" pitchFamily="49" charset="0"/>
+              </a:rPr>
+              <a:t>Your goals &amp; wishes</a:t>
+            </a:r>
+            <a:endParaRPr lang="de-DE" dirty="0">
+              <a:solidFill>
+                <a:schemeClr val="tx1">
+                  <a:lumMod val="75000"/>
+                  <a:lumOff val="25000"/>
+                </a:schemeClr>
+              </a:solidFill>
+              <a:latin typeface="Raleway" pitchFamily="2" charset="77"/>
+              <a:ea typeface="Source Code Pro for Powerline" panose="020B0509030403020204" pitchFamily="49" charset="0"/>
+            </a:endParaRPr>
+          </a:p>
+        </p:txBody>
+      </p:sp>
+      <p:sp>
+        <p:nvSpPr>
+          <p:cNvPr id="4" name="Datumsplatzhalter 3">
+            <a:extLst>
+              <a:ext uri="{FF2B5EF4-FFF2-40B4-BE49-F238E27FC236}">
+                <a16:creationId xmlns:a16="http://schemas.microsoft.com/office/drawing/2014/main" id="{372D7581-15AB-453A-8172-2DD260D4AD01}"/>
+              </a:ext>
+            </a:extLst>
+          </p:cNvPr>
+          <p:cNvSpPr>
+            <a:spLocks noGrp="1"/>
+          </p:cNvSpPr>
+          <p:nvPr>
+            <p:ph type="dt" sz="half" idx="2"/>
+          </p:nvPr>
+        </p:nvSpPr>
+        <p:spPr>
+          <a:xfrm>
+            <a:off x="526625" y="6356350"/>
+            <a:ext cx="2743200" cy="365125"/>
+          </a:xfrm>
+          <a:prstGeom prst="rect">
+            <a:avLst/>
+          </a:prstGeom>
+        </p:spPr>
+        <p:txBody>
+          <a:bodyPr vert="horz" lIns="91440" tIns="45720" rIns="91440" bIns="45720" rtlCol="0" anchor="ctr"/>
+          <a:lstStyle>
+            <a:lvl1pPr algn="l">
+              <a:defRPr sz="1200">
+                <a:solidFill>
+                  <a:schemeClr val="tx1"/>
+                </a:solidFill>
+              </a:defRPr>
+            </a:lvl1pPr>
+          </a:lstStyle>
+          <a:p>
+            <a:fld id="{95CA576C-67C8-4CE2-9686-DB10934C823F}" type="slidenum">
+              <a:rPr lang="de-DE" b="1" smtClean="0"/>
+              <a:pPr/>
+              <a:t>6</a:t>
+            </a:fld>
+            <a:r>
+              <a:rPr lang="de-DE"/>
+              <a:t> </a:t>
+            </a:r>
+            <a:r>
+              <a:rPr lang="de-DE">
+                <a:solidFill>
+                  <a:srgbClr val="4F4F4F"/>
+                </a:solidFill>
+              </a:rPr>
+              <a:t>| cloudklabauter.de</a:t>
+            </a:r>
+          </a:p>
+        </p:txBody>
+      </p:sp>
+      <p:sp>
+        <p:nvSpPr>
+          <p:cNvPr id="6" name="Textfeld 11">
+            <a:extLst>
+              <a:ext uri="{FF2B5EF4-FFF2-40B4-BE49-F238E27FC236}">
+                <a16:creationId xmlns:a16="http://schemas.microsoft.com/office/drawing/2014/main" id="{017C06BF-161C-2046-B380-C974070FB5D7}"/>
+              </a:ext>
+            </a:extLst>
+          </p:cNvPr>
+          <p:cNvSpPr txBox="1"/>
+          <p:nvPr/>
+        </p:nvSpPr>
+        <p:spPr>
+          <a:xfrm>
+            <a:off x="2580147" y="2413337"/>
+            <a:ext cx="6458819" cy="2169825"/>
+          </a:xfrm>
+          <a:prstGeom prst="rect">
+            <a:avLst/>
+          </a:prstGeom>
+          <a:noFill/>
+        </p:spPr>
+        <p:txBody>
+          <a:bodyPr wrap="none" rtlCol="0">
+            <a:spAutoFit/>
+          </a:bodyPr>
+          <a:lstStyle/>
+          <a:p>
+            <a:r>
+              <a:rPr lang="en-GB" b="1" dirty="0">
+                <a:solidFill>
+                  <a:schemeClr val="tx1">
+                    <a:lumMod val="75000"/>
+                    <a:lumOff val="25000"/>
+                  </a:schemeClr>
+                </a:solidFill>
+                <a:latin typeface="Raleway" pitchFamily="2" charset="77"/>
+              </a:rPr>
+              <a:t>Now it's your turn!</a:t>
+            </a:r>
+          </a:p>
+          <a:p>
+            <a:endParaRPr lang="en-GB" dirty="0">
+              <a:solidFill>
+                <a:schemeClr val="tx1">
+                  <a:lumMod val="75000"/>
+                  <a:lumOff val="25000"/>
+                </a:schemeClr>
+              </a:solidFill>
+              <a:latin typeface="Raleway" pitchFamily="2" charset="77"/>
+            </a:endParaRPr>
+          </a:p>
+          <a:p>
+            <a:pPr>
+              <a:lnSpc>
+                <a:spcPct val="150000"/>
+              </a:lnSpc>
+            </a:pPr>
+            <a:r>
+              <a:rPr lang="en-GB" dirty="0">
+                <a:solidFill>
+                  <a:schemeClr val="tx1">
+                    <a:lumMod val="75000"/>
+                    <a:lumOff val="25000"/>
+                  </a:schemeClr>
+                </a:solidFill>
+                <a:latin typeface="Raleway" pitchFamily="2" charset="77"/>
+              </a:rPr>
+              <a:t>Who are you and what is your technical focus?</a:t>
+            </a:r>
+          </a:p>
+          <a:p>
+            <a:pPr>
+              <a:lnSpc>
+                <a:spcPct val="150000"/>
+              </a:lnSpc>
+            </a:pPr>
+            <a:r>
+              <a:rPr lang="en-GB" dirty="0">
+                <a:solidFill>
+                  <a:schemeClr val="tx1">
+                    <a:lumMod val="75000"/>
+                    <a:lumOff val="25000"/>
+                  </a:schemeClr>
+                </a:solidFill>
+                <a:latin typeface="Raleway" pitchFamily="2" charset="77"/>
+              </a:rPr>
+              <a:t>What do you expect from this training?</a:t>
+            </a:r>
+          </a:p>
+          <a:p>
+            <a:pPr>
+              <a:lnSpc>
+                <a:spcPct val="150000"/>
+              </a:lnSpc>
+            </a:pPr>
+            <a:r>
+              <a:rPr lang="en-GB" dirty="0">
+                <a:solidFill>
+                  <a:schemeClr val="tx1">
+                    <a:lumMod val="75000"/>
+                    <a:lumOff val="25000"/>
+                  </a:schemeClr>
+                </a:solidFill>
+                <a:latin typeface="Raleway" pitchFamily="2" charset="77"/>
+              </a:rPr>
+              <a:t>What is your level at .NET (6) and GraphQL (Hot Chocolate)</a:t>
+            </a:r>
+          </a:p>
+          <a:p>
+            <a:endParaRPr lang="en-GB" dirty="0">
+              <a:solidFill>
+                <a:schemeClr val="tx1">
+                  <a:lumMod val="75000"/>
+                  <a:lumOff val="25000"/>
+                </a:schemeClr>
+              </a:solidFill>
+              <a:latin typeface="Raleway" pitchFamily="2" charset="77"/>
+            </a:endParaRPr>
+          </a:p>
+        </p:txBody>
+      </p:sp>
+    </p:spTree>
+    <p:extLst>
+      <p:ext uri="{BB962C8B-B14F-4D97-AF65-F5344CB8AC3E}">
+        <p14:creationId xmlns:p14="http://schemas.microsoft.com/office/powerpoint/2010/main" val="1061187694"/>
       </p:ext>
     </p:extLst>
   </p:cSld>
@@ -16585,10 +16375,8 @@
                     <a:lumOff val="25000"/>
                   </a:schemeClr>
                 </a:solidFill>
-                <a:latin typeface="Raleway" pitchFamily="2" charset="77"/>
-                <a:ea typeface="Source Code Pro for Powerline" panose="020B0509030403020204" pitchFamily="49" charset="0"/>
-              </a:rPr>
-              <a:t>Your goals &amp; wishes</a:t>
+              </a:rPr>
+              <a:t>What is GraphQL?</a:t>
             </a:r>
             <a:endParaRPr lang="de-DE" dirty="0">
               <a:solidFill>
@@ -16597,8 +16385,6 @@
                   <a:lumOff val="25000"/>
                 </a:schemeClr>
               </a:solidFill>
-              <a:latin typeface="Raleway" pitchFamily="2" charset="77"/>
-              <a:ea typeface="Source Code Pro for Powerline" panose="020B0509030403020204" pitchFamily="49" charset="0"/>
             </a:endParaRPr>
           </a:p>
         </p:txBody>
@@ -16675,7 +16461,7 @@
         <p:spPr>
           <a:xfrm>
             <a:off x="2580147" y="2413337"/>
-            <a:ext cx="6458819" cy="2169825"/>
+            <a:ext cx="6409127" cy="2308324"/>
           </a:xfrm>
           <a:prstGeom prst="rect">
             <a:avLst/>
@@ -16689,16 +16475,16 @@
           <a:lstStyle/>
           <a:p>
             <a:r>
-              <a:rPr lang="en-GB" b="1" dirty="0">
-                <a:solidFill>
-                  <a:schemeClr val="tx1">
-                    <a:lumMod val="75000"/>
-                    <a:lumOff val="25000"/>
-                  </a:schemeClr>
-                </a:solidFill>
-                <a:latin typeface="Raleway" pitchFamily="2" charset="77"/>
-              </a:rPr>
-              <a:t>Now it's your turn!</a:t>
+              <a:rPr lang="en-GB" dirty="0">
+                <a:solidFill>
+                  <a:schemeClr val="tx1">
+                    <a:lumMod val="75000"/>
+                    <a:lumOff val="25000"/>
+                  </a:schemeClr>
+                </a:solidFill>
+                <a:latin typeface="Raleway" pitchFamily="2" charset="77"/>
+              </a:rPr>
+              <a:t>GraphQL is a query language</a:t>
             </a:r>
           </a:p>
           <a:p>
@@ -16713,11 +16499,6 @@
             </a:endParaRPr>
           </a:p>
           <a:p>
-            <a:pPr>
-              <a:lnSpc>
-                <a:spcPct val="150000"/>
-              </a:lnSpc>
-            </a:pPr>
             <a:r>
               <a:rPr lang="en-GB" dirty="0">
                 <a:solidFill>
@@ -16728,15 +16509,21 @@
                 </a:solidFill>
                 <a:latin typeface="Raleway" pitchFamily="2" charset="77"/>
               </a:rPr>
-              <a:t>Who are you and what is your technical focus?</a:t>
-            </a:r>
-          </a:p>
-          <a:p>
-            <a:pPr>
-              <a:lnSpc>
-                <a:spcPct val="150000"/>
-              </a:lnSpc>
-            </a:pPr>
+              <a:t>Designed &amp; Developed by Facebook</a:t>
+            </a:r>
+          </a:p>
+          <a:p>
+            <a:endParaRPr lang="en-GB" spc="-150" dirty="0">
+              <a:solidFill>
+                <a:schemeClr val="tx1">
+                  <a:lumMod val="75000"/>
+                  <a:lumOff val="25000"/>
+                </a:schemeClr>
+              </a:solidFill>
+              <a:latin typeface="Raleway" pitchFamily="2" charset="77"/>
+            </a:endParaRPr>
+          </a:p>
+          <a:p>
             <a:r>
               <a:rPr lang="en-GB" dirty="0">
                 <a:solidFill>
@@ -16747,16 +16534,9 @@
                 </a:solidFill>
                 <a:latin typeface="Raleway" pitchFamily="2" charset="77"/>
               </a:rPr>
-              <a:t>What do you expect from this training?</a:t>
-            </a:r>
-          </a:p>
-          <a:p>
-            <a:pPr>
-              <a:lnSpc>
-                <a:spcPct val="150000"/>
-              </a:lnSpc>
-            </a:pPr>
-            <a:r>
+              <a:t>It's not a framework, it's a set of rules how to interact </a:t>
+            </a:r>
+            <a:br>
               <a:rPr lang="en-GB" dirty="0">
                 <a:solidFill>
                   <a:schemeClr val="tx1">
@@ -16766,7 +16546,18 @@
                 </a:solidFill>
                 <a:latin typeface="Raleway" pitchFamily="2" charset="77"/>
               </a:rPr>
-              <a:t>What is your level at .NET (6) and GraphQL (Hot Chocolate)</a:t>
+            </a:br>
+            <a:r>
+              <a:rPr lang="en-GB" dirty="0">
+                <a:solidFill>
+                  <a:schemeClr val="tx1">
+                    <a:lumMod val="75000"/>
+                    <a:lumOff val="25000"/>
+                  </a:schemeClr>
+                </a:solidFill>
+                <a:latin typeface="Raleway" pitchFamily="2" charset="77"/>
+              </a:rPr>
+              <a:t>with a API.</a:t>
             </a:r>
           </a:p>
           <a:p>
@@ -16780,12 +16571,26 @@
               <a:latin typeface="Raleway" pitchFamily="2" charset="77"/>
             </a:endParaRPr>
           </a:p>
+          <a:p>
+            <a:r>
+              <a:rPr lang="en-GB" dirty="0">
+                <a:solidFill>
+                  <a:schemeClr val="tx1">
+                    <a:lumMod val="75000"/>
+                    <a:lumOff val="25000"/>
+                  </a:schemeClr>
+                </a:solidFill>
+                <a:latin typeface="Raleway" pitchFamily="2" charset="77"/>
+              </a:rPr>
+              <a:t>Multiple Data Sources like API, Microservices or databases</a:t>
+            </a:r>
+          </a:p>
         </p:txBody>
       </p:sp>
     </p:spTree>
     <p:extLst>
       <p:ext uri="{BB962C8B-B14F-4D97-AF65-F5344CB8AC3E}">
-        <p14:creationId xmlns:p14="http://schemas.microsoft.com/office/powerpoint/2010/main" val="1061187694"/>
+        <p14:creationId xmlns:p14="http://schemas.microsoft.com/office/powerpoint/2010/main" val="1000559692"/>
       </p:ext>
     </p:extLst>
   </p:cSld>
@@ -16842,7 +16647,7 @@
                   </a:schemeClr>
                 </a:solidFill>
               </a:rPr>
-              <a:t>What is GraphQL?</a:t>
+              <a:t>GraphQL vs REST</a:t>
             </a:r>
             <a:endParaRPr lang="de-DE" dirty="0">
               <a:solidFill>
@@ -16926,8 +16731,8 @@
         </p:nvSpPr>
         <p:spPr>
           <a:xfrm>
-            <a:off x="2580147" y="2413337"/>
-            <a:ext cx="6409127" cy="2308324"/>
+            <a:off x="2575529" y="2076210"/>
+            <a:ext cx="8363187" cy="3139321"/>
           </a:xfrm>
           <a:prstGeom prst="rect">
             <a:avLst/>
@@ -16950,7 +16755,7 @@
                 </a:solidFill>
                 <a:latin typeface="Raleway" pitchFamily="2" charset="77"/>
               </a:rPr>
-              <a:t>GraphQL is a query language</a:t>
+              <a:t>Main Advantage: Query Language</a:t>
             </a:r>
           </a:p>
           <a:p>
@@ -16975,55 +16780,7 @@
                 </a:solidFill>
                 <a:latin typeface="Raleway" pitchFamily="2" charset="77"/>
               </a:rPr>
-              <a:t>Designed &amp; Developed by Facebook</a:t>
-            </a:r>
-          </a:p>
-          <a:p>
-            <a:endParaRPr lang="en-GB" spc="-150" dirty="0">
-              <a:solidFill>
-                <a:schemeClr val="tx1">
-                  <a:lumMod val="75000"/>
-                  <a:lumOff val="25000"/>
-                </a:schemeClr>
-              </a:solidFill>
-              <a:latin typeface="Raleway" pitchFamily="2" charset="77"/>
-            </a:endParaRPr>
-          </a:p>
-          <a:p>
-            <a:r>
-              <a:rPr lang="en-GB" dirty="0">
-                <a:solidFill>
-                  <a:schemeClr val="tx1">
-                    <a:lumMod val="75000"/>
-                    <a:lumOff val="25000"/>
-                  </a:schemeClr>
-                </a:solidFill>
-                <a:latin typeface="Raleway" pitchFamily="2" charset="77"/>
-              </a:rPr>
-              <a:t>It's not a framework, it's a set of rules how to interact </a:t>
-            </a:r>
-            <a:br>
-              <a:rPr lang="en-GB" dirty="0">
-                <a:solidFill>
-                  <a:schemeClr val="tx1">
-                    <a:lumMod val="75000"/>
-                    <a:lumOff val="25000"/>
-                  </a:schemeClr>
-                </a:solidFill>
-                <a:latin typeface="Raleway" pitchFamily="2" charset="77"/>
-              </a:rPr>
-            </a:br>
-            <a:r>
-              <a:rPr lang="en-GB" dirty="0">
-                <a:solidFill>
-                  <a:schemeClr val="tx1">
-                    <a:lumMod val="75000"/>
-                    <a:lumOff val="25000"/>
-                  </a:schemeClr>
-                </a:solidFill>
-                <a:latin typeface="Raleway" pitchFamily="2" charset="77"/>
-              </a:rPr>
-              <a:t>with a API.</a:t>
+              <a:t>Over Fetching &amp; Under Fetching with REST APIs</a:t>
             </a:r>
           </a:p>
           <a:p>
@@ -17048,7 +16805,82 @@
                 </a:solidFill>
                 <a:latin typeface="Raleway" pitchFamily="2" charset="77"/>
               </a:rPr>
-              <a:t>Multiple Data Sources like API, Microservices or databases</a:t>
+              <a:t>REST is the more common standard</a:t>
+            </a:r>
+          </a:p>
+          <a:p>
+            <a:endParaRPr lang="en-GB" dirty="0">
+              <a:solidFill>
+                <a:schemeClr val="tx1">
+                  <a:lumMod val="75000"/>
+                  <a:lumOff val="25000"/>
+                </a:schemeClr>
+              </a:solidFill>
+              <a:latin typeface="Raleway" pitchFamily="2" charset="77"/>
+            </a:endParaRPr>
+          </a:p>
+          <a:p>
+            <a:r>
+              <a:rPr lang="en-GB" dirty="0">
+                <a:solidFill>
+                  <a:schemeClr val="tx1">
+                    <a:lumMod val="75000"/>
+                    <a:lumOff val="25000"/>
+                  </a:schemeClr>
+                </a:solidFill>
+                <a:latin typeface="Raleway" pitchFamily="2" charset="77"/>
+              </a:rPr>
+              <a:t>REST implementation is faster</a:t>
+            </a:r>
+          </a:p>
+          <a:p>
+            <a:endParaRPr lang="en-GB" dirty="0">
+              <a:solidFill>
+                <a:schemeClr val="tx1">
+                  <a:lumMod val="75000"/>
+                  <a:lumOff val="25000"/>
+                </a:schemeClr>
+              </a:solidFill>
+              <a:latin typeface="Raleway" pitchFamily="2" charset="77"/>
+            </a:endParaRPr>
+          </a:p>
+          <a:p>
+            <a:r>
+              <a:rPr lang="en-GB" dirty="0">
+                <a:solidFill>
+                  <a:schemeClr val="tx1">
+                    <a:lumMod val="75000"/>
+                    <a:lumOff val="25000"/>
+                  </a:schemeClr>
+                </a:solidFill>
+                <a:latin typeface="Raleway" pitchFamily="2" charset="77"/>
+              </a:rPr>
+              <a:t>GraphQL comes with two-way communication (Subscriptions)</a:t>
+            </a:r>
+          </a:p>
+          <a:p>
+            <a:endParaRPr lang="en-GB" dirty="0">
+              <a:solidFill>
+                <a:schemeClr val="tx1">
+                  <a:lumMod val="75000"/>
+                  <a:lumOff val="25000"/>
+                </a:schemeClr>
+              </a:solidFill>
+              <a:latin typeface="Raleway" pitchFamily="2" charset="77"/>
+            </a:endParaRPr>
+          </a:p>
+          <a:p>
+            <a:r>
+              <a:rPr lang="en-GB" dirty="0">
+                <a:solidFill>
+                  <a:schemeClr val="tx1">
+                    <a:lumMod val="75000"/>
+                    <a:lumOff val="25000"/>
+                  </a:schemeClr>
+                </a:solidFill>
+                <a:latin typeface="Raleway" pitchFamily="2" charset="77"/>
+              </a:rPr>
+              <a:t>Significantly better performance with GraphQL, when implemented carefully</a:t>
             </a:r>
           </a:p>
         </p:txBody>
@@ -17056,7 +16888,7 @@
     </p:spTree>
     <p:extLst>
       <p:ext uri="{BB962C8B-B14F-4D97-AF65-F5344CB8AC3E}">
-        <p14:creationId xmlns:p14="http://schemas.microsoft.com/office/powerpoint/2010/main" val="1000559692"/>
+        <p14:creationId xmlns:p14="http://schemas.microsoft.com/office/powerpoint/2010/main" val="3342098742"/>
       </p:ext>
     </p:extLst>
   </p:cSld>
@@ -17105,24 +16937,60 @@
           <a:lstStyle/>
           <a:p>
             <a:r>
-              <a:rPr lang="en-US" dirty="0">
-                <a:solidFill>
-                  <a:schemeClr val="tx1">
-                    <a:lumMod val="75000"/>
-                    <a:lumOff val="25000"/>
-                  </a:schemeClr>
-                </a:solidFill>
-              </a:rPr>
-              <a:t>GraphQL vs REST</a:t>
-            </a:r>
-            <a:endParaRPr lang="de-DE" dirty="0">
-              <a:solidFill>
-                <a:schemeClr val="tx1">
-                  <a:lumMod val="75000"/>
-                  <a:lumOff val="25000"/>
-                </a:schemeClr>
-              </a:solidFill>
-            </a:endParaRPr>
+              <a:rPr lang="de-DE" dirty="0">
+                <a:solidFill>
+                  <a:schemeClr val="tx1">
+                    <a:lumMod val="75000"/>
+                    <a:lumOff val="25000"/>
+                  </a:schemeClr>
+                </a:solidFill>
+              </a:rPr>
+              <a:t>The 3 essential </a:t>
+            </a:r>
+            <a:r>
+              <a:rPr lang="de-DE" dirty="0" err="1">
+                <a:solidFill>
+                  <a:schemeClr val="tx1">
+                    <a:lumMod val="75000"/>
+                    <a:lumOff val="25000"/>
+                  </a:schemeClr>
+                </a:solidFill>
+              </a:rPr>
+              <a:t>parts</a:t>
+            </a:r>
+            <a:r>
+              <a:rPr lang="de-DE" dirty="0">
+                <a:solidFill>
+                  <a:schemeClr val="tx1">
+                    <a:lumMod val="75000"/>
+                    <a:lumOff val="25000"/>
+                  </a:schemeClr>
+                </a:solidFill>
+              </a:rPr>
+              <a:t> </a:t>
+            </a:r>
+            <a:r>
+              <a:rPr lang="de-DE" dirty="0" err="1">
+                <a:solidFill>
+                  <a:schemeClr val="tx1">
+                    <a:lumMod val="75000"/>
+                    <a:lumOff val="25000"/>
+                  </a:schemeClr>
+                </a:solidFill>
+              </a:rPr>
+              <a:t>of</a:t>
+            </a:r>
+            <a:r>
+              <a:rPr lang="de-DE" dirty="0">
+                <a:solidFill>
+                  <a:schemeClr val="tx1">
+                    <a:lumMod val="75000"/>
+                    <a:lumOff val="25000"/>
+                  </a:schemeClr>
+                </a:solidFill>
+              </a:rPr>
+              <a:t> GraphQL</a:t>
+            </a:r>
           </a:p>
         </p:txBody>
       </p:sp>
@@ -17183,12 +17051,102 @@
           </a:p>
         </p:txBody>
       </p:sp>
+      <p:pic>
+        <p:nvPicPr>
+          <p:cNvPr id="3" name="Picture 2">
+            <a:extLst>
+              <a:ext uri="{FF2B5EF4-FFF2-40B4-BE49-F238E27FC236}">
+                <a16:creationId xmlns:a16="http://schemas.microsoft.com/office/drawing/2014/main" id="{34010DB2-022B-DD47-98B9-0804A1A56596}"/>
+              </a:ext>
+            </a:extLst>
+          </p:cNvPr>
+          <p:cNvPicPr>
+            <a:picLocks noChangeAspect="1"/>
+          </p:cNvPicPr>
+          <p:nvPr/>
+        </p:nvPicPr>
+        <p:blipFill>
+          <a:blip r:embed="rId2"/>
+          <a:stretch>
+            <a:fillRect/>
+          </a:stretch>
+        </p:blipFill>
+        <p:spPr>
+          <a:xfrm>
+            <a:off x="1306817" y="2369128"/>
+            <a:ext cx="2707230" cy="3602182"/>
+          </a:xfrm>
+          <a:prstGeom prst="rect">
+            <a:avLst/>
+          </a:prstGeom>
+        </p:spPr>
+      </p:pic>
+      <p:pic>
+        <p:nvPicPr>
+          <p:cNvPr id="5" name="Picture 4">
+            <a:extLst>
+              <a:ext uri="{FF2B5EF4-FFF2-40B4-BE49-F238E27FC236}">
+                <a16:creationId xmlns:a16="http://schemas.microsoft.com/office/drawing/2014/main" id="{CE71542F-970A-BB4A-B8C2-E8158485DC31}"/>
+              </a:ext>
+            </a:extLst>
+          </p:cNvPr>
+          <p:cNvPicPr>
+            <a:picLocks noChangeAspect="1"/>
+          </p:cNvPicPr>
+          <p:nvPr/>
+        </p:nvPicPr>
+        <p:blipFill>
+          <a:blip r:embed="rId3"/>
+          <a:stretch>
+            <a:fillRect/>
+          </a:stretch>
+        </p:blipFill>
+        <p:spPr>
+          <a:xfrm>
+            <a:off x="4784436" y="2369128"/>
+            <a:ext cx="1992797" cy="1601355"/>
+          </a:xfrm>
+          <a:prstGeom prst="rect">
+            <a:avLst/>
+          </a:prstGeom>
+        </p:spPr>
+      </p:pic>
+      <p:pic>
+        <p:nvPicPr>
+          <p:cNvPr id="7" name="Picture 6">
+            <a:extLst>
+              <a:ext uri="{FF2B5EF4-FFF2-40B4-BE49-F238E27FC236}">
+                <a16:creationId xmlns:a16="http://schemas.microsoft.com/office/drawing/2014/main" id="{627498F6-47AB-8A41-AAFF-0E577BEBDE3F}"/>
+              </a:ext>
+            </a:extLst>
+          </p:cNvPr>
+          <p:cNvPicPr>
+            <a:picLocks noChangeAspect="1"/>
+          </p:cNvPicPr>
+          <p:nvPr/>
+        </p:nvPicPr>
+        <p:blipFill>
+          <a:blip r:embed="rId4"/>
+          <a:stretch>
+            <a:fillRect/>
+          </a:stretch>
+        </p:blipFill>
+        <p:spPr>
+          <a:xfrm>
+            <a:off x="7547622" y="2369128"/>
+            <a:ext cx="3980178" cy="1601355"/>
+          </a:xfrm>
+          <a:prstGeom prst="rect">
+            <a:avLst/>
+          </a:prstGeom>
+        </p:spPr>
+      </p:pic>
       <p:sp>
         <p:nvSpPr>
-          <p:cNvPr id="6" name="Textfeld 11">
-            <a:extLst>
-              <a:ext uri="{FF2B5EF4-FFF2-40B4-BE49-F238E27FC236}">
-                <a16:creationId xmlns:a16="http://schemas.microsoft.com/office/drawing/2014/main" id="{017C06BF-161C-2046-B380-C974070FB5D7}"/>
+          <p:cNvPr id="8" name="Textfeld 11">
+            <a:extLst>
+              <a:ext uri="{FF2B5EF4-FFF2-40B4-BE49-F238E27FC236}">
+                <a16:creationId xmlns:a16="http://schemas.microsoft.com/office/drawing/2014/main" id="{21AFDDDF-2100-EF48-86D6-309FFB2526FC}"/>
               </a:ext>
             </a:extLst>
           </p:cNvPr>
@@ -17197,8 +17155,8 @@
         </p:nvSpPr>
         <p:spPr>
           <a:xfrm>
-            <a:off x="2575529" y="2076210"/>
-            <a:ext cx="8363187" cy="3139321"/>
+            <a:off x="1306817" y="1622610"/>
+            <a:ext cx="2129109" cy="369332"/>
           </a:xfrm>
           <a:prstGeom prst="rect">
             <a:avLst/>
@@ -17221,20 +17179,38 @@
                 </a:solidFill>
                 <a:latin typeface="Raleway" pitchFamily="2" charset="77"/>
               </a:rPr>
-              <a:t>Main Advantage: Query Language</a:t>
-            </a:r>
-          </a:p>
-          <a:p>
-            <a:endParaRPr lang="en-GB" dirty="0">
-              <a:solidFill>
-                <a:schemeClr val="tx1">
-                  <a:lumMod val="75000"/>
-                  <a:lumOff val="25000"/>
-                </a:schemeClr>
-              </a:solidFill>
-              <a:latin typeface="Raleway" pitchFamily="2" charset="77"/>
-            </a:endParaRPr>
-          </a:p>
+              <a:t>Schema Definition</a:t>
+            </a:r>
+          </a:p>
+        </p:txBody>
+      </p:sp>
+      <p:sp>
+        <p:nvSpPr>
+          <p:cNvPr id="9" name="Textfeld 11">
+            <a:extLst>
+              <a:ext uri="{FF2B5EF4-FFF2-40B4-BE49-F238E27FC236}">
+                <a16:creationId xmlns:a16="http://schemas.microsoft.com/office/drawing/2014/main" id="{71CEE850-FFE0-0F49-A80F-DBF8AE00A80B}"/>
+              </a:ext>
+            </a:extLst>
+          </p:cNvPr>
+          <p:cNvSpPr txBox="1"/>
+          <p:nvPr/>
+        </p:nvSpPr>
+        <p:spPr>
+          <a:xfrm>
+            <a:off x="4784436" y="1622610"/>
+            <a:ext cx="1976823" cy="369332"/>
+          </a:xfrm>
+          <a:prstGeom prst="rect">
+            <a:avLst/>
+          </a:prstGeom>
+          <a:noFill/>
+        </p:spPr>
+        <p:txBody>
+          <a:bodyPr wrap="none" rtlCol="0">
+            <a:spAutoFit/>
+          </a:bodyPr>
+          <a:lstStyle/>
           <a:p>
             <a:r>
               <a:rPr lang="en-GB" dirty="0">
@@ -17246,20 +17222,38 @@
                 </a:solidFill>
                 <a:latin typeface="Raleway" pitchFamily="2" charset="77"/>
               </a:rPr>
-              <a:t>Over Fetching &amp; Under Fetching with REST APIs</a:t>
-            </a:r>
-          </a:p>
-          <a:p>
-            <a:endParaRPr lang="en-GB" dirty="0">
-              <a:solidFill>
-                <a:schemeClr val="tx1">
-                  <a:lumMod val="75000"/>
-                  <a:lumOff val="25000"/>
-                </a:schemeClr>
-              </a:solidFill>
-              <a:latin typeface="Raleway" pitchFamily="2" charset="77"/>
-            </a:endParaRPr>
-          </a:p>
+              <a:t>Query Language</a:t>
+            </a:r>
+          </a:p>
+        </p:txBody>
+      </p:sp>
+      <p:sp>
+        <p:nvSpPr>
+          <p:cNvPr id="10" name="Textfeld 11">
+            <a:extLst>
+              <a:ext uri="{FF2B5EF4-FFF2-40B4-BE49-F238E27FC236}">
+                <a16:creationId xmlns:a16="http://schemas.microsoft.com/office/drawing/2014/main" id="{FBAA916D-5E53-5744-A643-654956BCE301}"/>
+              </a:ext>
+            </a:extLst>
+          </p:cNvPr>
+          <p:cNvSpPr txBox="1"/>
+          <p:nvPr/>
+        </p:nvSpPr>
+        <p:spPr>
+          <a:xfrm>
+            <a:off x="7547622" y="1622610"/>
+            <a:ext cx="1247457" cy="369332"/>
+          </a:xfrm>
+          <a:prstGeom prst="rect">
+            <a:avLst/>
+          </a:prstGeom>
+          <a:noFill/>
+        </p:spPr>
+        <p:txBody>
+          <a:bodyPr wrap="none" rtlCol="0">
+            <a:spAutoFit/>
+          </a:bodyPr>
+          <a:lstStyle/>
           <a:p>
             <a:r>
               <a:rPr lang="en-GB" dirty="0">
@@ -17271,82 +17265,7 @@
                 </a:solidFill>
                 <a:latin typeface="Raleway" pitchFamily="2" charset="77"/>
               </a:rPr>
-              <a:t>REST is the more common standard</a:t>
-            </a:r>
-          </a:p>
-          <a:p>
-            <a:endParaRPr lang="en-GB" dirty="0">
-              <a:solidFill>
-                <a:schemeClr val="tx1">
-                  <a:lumMod val="75000"/>
-                  <a:lumOff val="25000"/>
-                </a:schemeClr>
-              </a:solidFill>
-              <a:latin typeface="Raleway" pitchFamily="2" charset="77"/>
-            </a:endParaRPr>
-          </a:p>
-          <a:p>
-            <a:r>
-              <a:rPr lang="en-GB" dirty="0">
-                <a:solidFill>
-                  <a:schemeClr val="tx1">
-                    <a:lumMod val="75000"/>
-                    <a:lumOff val="25000"/>
-                  </a:schemeClr>
-                </a:solidFill>
-                <a:latin typeface="Raleway" pitchFamily="2" charset="77"/>
-              </a:rPr>
-              <a:t>REST implementation is faster</a:t>
-            </a:r>
-          </a:p>
-          <a:p>
-            <a:endParaRPr lang="en-GB" dirty="0">
-              <a:solidFill>
-                <a:schemeClr val="tx1">
-                  <a:lumMod val="75000"/>
-                  <a:lumOff val="25000"/>
-                </a:schemeClr>
-              </a:solidFill>
-              <a:latin typeface="Raleway" pitchFamily="2" charset="77"/>
-            </a:endParaRPr>
-          </a:p>
-          <a:p>
-            <a:r>
-              <a:rPr lang="en-GB" dirty="0">
-                <a:solidFill>
-                  <a:schemeClr val="tx1">
-                    <a:lumMod val="75000"/>
-                    <a:lumOff val="25000"/>
-                  </a:schemeClr>
-                </a:solidFill>
-                <a:latin typeface="Raleway" pitchFamily="2" charset="77"/>
-              </a:rPr>
-              <a:t>GraphQL comes with two-way communication (Subscriptions)</a:t>
-            </a:r>
-          </a:p>
-          <a:p>
-            <a:endParaRPr lang="en-GB" dirty="0">
-              <a:solidFill>
-                <a:schemeClr val="tx1">
-                  <a:lumMod val="75000"/>
-                  <a:lumOff val="25000"/>
-                </a:schemeClr>
-              </a:solidFill>
-              <a:latin typeface="Raleway" pitchFamily="2" charset="77"/>
-            </a:endParaRPr>
-          </a:p>
-          <a:p>
-            <a:r>
-              <a:rPr lang="en-GB" dirty="0">
-                <a:solidFill>
-                  <a:schemeClr val="tx1">
-                    <a:lumMod val="75000"/>
-                    <a:lumOff val="25000"/>
-                  </a:schemeClr>
-                </a:solidFill>
-                <a:latin typeface="Raleway" pitchFamily="2" charset="77"/>
-              </a:rPr>
-              <a:t>Significantly better performance with GraphQL, when implemented carefully</a:t>
+              <a:t>Response</a:t>
             </a:r>
           </a:p>
         </p:txBody>
@@ -17354,7 +17273,7 @@
     </p:spTree>
     <p:extLst>
       <p:ext uri="{BB962C8B-B14F-4D97-AF65-F5344CB8AC3E}">
-        <p14:creationId xmlns:p14="http://schemas.microsoft.com/office/powerpoint/2010/main" val="3342098742"/>
+        <p14:creationId xmlns:p14="http://schemas.microsoft.com/office/powerpoint/2010/main" val="3150440644"/>
       </p:ext>
     </p:extLst>
   </p:cSld>

--- a/slides/HotChocolate_Part_1.pptx
+++ b/slides/HotChocolate_Part_1.pptx
@@ -15174,7 +15174,7 @@
         <p:spPr>
           <a:xfrm>
             <a:off x="4798290" y="5064654"/>
-            <a:ext cx="3238387" cy="369332"/>
+            <a:ext cx="3175869" cy="369332"/>
           </a:xfrm>
           <a:prstGeom prst="rect">
             <a:avLst/>
@@ -15197,7 +15197,7 @@
                 </a:solidFill>
                 <a:latin typeface="Raleway" pitchFamily="2" charset="77"/>
               </a:rPr>
-              <a:t>15:00 – End of the workshop</a:t>
+              <a:t>17:00 – End of the workshop</a:t>
             </a:r>
           </a:p>
         </p:txBody>

--- a/slides/HotChocolate_Part_1.pptx
+++ b/slides/HotChocolate_Part_1.pptx
@@ -14413,7 +14413,7 @@
                 </a:solidFill>
                 <a:latin typeface="Raleway" pitchFamily="2" charset="77"/>
               </a:rPr>
-              <a:t>This workshop includes 6 exercises that you can solve alone or in groups</a:t>
+              <a:t>This workshop includes 7 exercises that you can solve alone or in groups</a:t>
             </a:r>
           </a:p>
           <a:p>

--- a/slides/HotChocolate_Part_1.pptx
+++ b/slides/HotChocolate_Part_1.pptx
@@ -5848,152 +5848,130 @@
           </a:p>
         </p:txBody>
       </p:sp>
-      <p:grpSp>
-        <p:nvGrpSpPr>
-          <p:cNvPr id="7" name="Group 6">
-            <a:extLst>
-              <a:ext uri="{FF2B5EF4-FFF2-40B4-BE49-F238E27FC236}">
-                <a16:creationId xmlns:a16="http://schemas.microsoft.com/office/drawing/2014/main" id="{A8F36148-082F-A941-8000-3A91A742E84B}"/>
-              </a:ext>
-            </a:extLst>
-          </p:cNvPr>
-          <p:cNvGrpSpPr/>
-          <p:nvPr/>
-        </p:nvGrpSpPr>
-        <p:grpSpPr>
-          <a:xfrm>
-            <a:off x="8163144" y="5067962"/>
-            <a:ext cx="1324402" cy="1463837"/>
-            <a:chOff x="8028517" y="4403583"/>
-            <a:chExt cx="1324402" cy="1463837"/>
-          </a:xfrm>
-        </p:grpSpPr>
-        <p:sp>
-          <p:nvSpPr>
-            <p:cNvPr id="5" name="Textfeld 5">
-              <a:extLst>
-                <a:ext uri="{FF2B5EF4-FFF2-40B4-BE49-F238E27FC236}">
-                  <a16:creationId xmlns:a16="http://schemas.microsoft.com/office/drawing/2014/main" id="{7F3E5D12-E7B3-4543-B53D-B3930FFF0F7D}"/>
-                </a:ext>
-              </a:extLst>
-            </p:cNvPr>
-            <p:cNvSpPr txBox="1"/>
-            <p:nvPr/>
-          </p:nvSpPr>
-          <p:spPr>
-            <a:xfrm>
-              <a:off x="8028517" y="5344200"/>
-              <a:ext cx="1324402" cy="523220"/>
-            </a:xfrm>
-            <a:prstGeom prst="rect">
-              <a:avLst/>
-            </a:prstGeom>
-            <a:noFill/>
-          </p:spPr>
-          <p:txBody>
-            <a:bodyPr wrap="none" rtlCol="0">
-              <a:spAutoFit/>
-            </a:bodyPr>
-            <a:lstStyle/>
-            <a:p>
-              <a:pPr algn="ctr"/>
-              <a:r>
-                <a:rPr lang="en-US" sz="1400" dirty="0">
-                  <a:solidFill>
-                    <a:schemeClr val="tx1">
-                      <a:lumMod val="75000"/>
-                      <a:lumOff val="25000"/>
-                    </a:schemeClr>
-                  </a:solidFill>
-                  <a:latin typeface="Raleway" pitchFamily="2" charset="77"/>
-                </a:rPr>
-                <a:t>Robert Meyer</a:t>
-              </a:r>
-            </a:p>
-            <a:p>
-              <a:pPr algn="ctr"/>
-              <a:r>
-                <a:rPr lang="en-US" sz="1400" b="1" dirty="0">
-                  <a:solidFill>
-                    <a:schemeClr val="tx1">
-                      <a:lumMod val="75000"/>
-                      <a:lumOff val="25000"/>
-                    </a:schemeClr>
-                  </a:solidFill>
-                  <a:latin typeface="Raleway" pitchFamily="2" charset="77"/>
-                </a:rPr>
-                <a:t>@</a:t>
-              </a:r>
-              <a:r>
-                <a:rPr lang="en-US" sz="1400" b="1" dirty="0" err="1">
-                  <a:solidFill>
-                    <a:schemeClr val="tx1">
-                      <a:lumMod val="75000"/>
-                      <a:lumOff val="25000"/>
-                    </a:schemeClr>
-                  </a:solidFill>
-                  <a:latin typeface="Raleway" pitchFamily="2" charset="77"/>
-                </a:rPr>
-                <a:t>roeb</a:t>
-              </a:r>
-              <a:r>
-                <a:rPr lang="en-US" sz="1400" b="1" dirty="0">
-                  <a:solidFill>
-                    <a:schemeClr val="tx1">
-                      <a:lumMod val="75000"/>
-                      <a:lumOff val="25000"/>
-                    </a:schemeClr>
-                  </a:solidFill>
-                  <a:latin typeface="Raleway" pitchFamily="2" charset="77"/>
-                </a:rPr>
-                <a:t> </a:t>
-              </a:r>
-            </a:p>
-          </p:txBody>
-        </p:sp>
-        <p:pic>
-          <p:nvPicPr>
-            <p:cNvPr id="6" name="Grafik 3">
-              <a:extLst>
-                <a:ext uri="{FF2B5EF4-FFF2-40B4-BE49-F238E27FC236}">
-                  <a16:creationId xmlns:a16="http://schemas.microsoft.com/office/drawing/2014/main" id="{7B8661C9-FF48-D849-A96C-9CC4F2F9CC0C}"/>
-                </a:ext>
-              </a:extLst>
-            </p:cNvPr>
-            <p:cNvPicPr>
-              <a:picLocks noChangeAspect="1"/>
-            </p:cNvPicPr>
-            <p:nvPr/>
-          </p:nvPicPr>
-          <p:blipFill>
-            <a:blip r:embed="rId2">
-              <a:extLst>
-                <a:ext uri="{28A0092B-C50C-407E-A947-70E740481C1C}">
-                  <a14:useLocalDpi xmlns:a14="http://schemas.microsoft.com/office/drawing/2010/main" val="0"/>
-                </a:ext>
-              </a:extLst>
-            </a:blip>
-            <a:stretch>
-              <a:fillRect/>
-            </a:stretch>
-          </p:blipFill>
-          <p:spPr>
-            <a:xfrm>
-              <a:off x="8295541" y="4403583"/>
-              <a:ext cx="790355" cy="866726"/>
-            </a:xfrm>
-            <a:prstGeom prst="rect">
-              <a:avLst/>
-            </a:prstGeom>
-          </p:spPr>
-        </p:pic>
-      </p:grpSp>
       <p:sp>
         <p:nvSpPr>
-          <p:cNvPr id="9" name="Textfeld 5">
-            <a:extLst>
-              <a:ext uri="{FF2B5EF4-FFF2-40B4-BE49-F238E27FC236}">
-                <a16:creationId xmlns:a16="http://schemas.microsoft.com/office/drawing/2014/main" id="{0FC52AE4-C54E-934B-954A-B1512883E000}"/>
+          <p:cNvPr id="14" name="Subtitle 2">
+            <a:extLst>
+              <a:ext uri="{FF2B5EF4-FFF2-40B4-BE49-F238E27FC236}">
+                <a16:creationId xmlns:a16="http://schemas.microsoft.com/office/drawing/2014/main" id="{5A30C294-B15A-A14A-9114-6D94119310D3}"/>
+              </a:ext>
+            </a:extLst>
+          </p:cNvPr>
+          <p:cNvSpPr>
+            <a:spLocks noGrp="1"/>
+          </p:cNvSpPr>
+          <p:nvPr>
+            <p:ph type="subTitle" idx="1"/>
+          </p:nvPr>
+        </p:nvSpPr>
+        <p:spPr>
+          <a:xfrm>
+            <a:off x="4207164" y="3705046"/>
+            <a:ext cx="9144000" cy="1655762"/>
+          </a:xfrm>
+        </p:spPr>
+        <p:txBody>
+          <a:bodyPr/>
+          <a:lstStyle/>
+          <a:p>
+            <a:r>
+              <a:rPr lang="de-DE" dirty="0">
+                <a:latin typeface="Raleway" pitchFamily="2" charset="77"/>
+              </a:rPr>
+              <a:t>Part I</a:t>
+            </a:r>
+          </a:p>
+        </p:txBody>
+      </p:sp>
+      <p:sp>
+        <p:nvSpPr>
+          <p:cNvPr id="10" name="Textfeld 5">
+            <a:extLst>
+              <a:ext uri="{FF2B5EF4-FFF2-40B4-BE49-F238E27FC236}">
+                <a16:creationId xmlns:a16="http://schemas.microsoft.com/office/drawing/2014/main" id="{7A04C4C9-DC61-BE48-9E71-58054ADF6653}"/>
+              </a:ext>
+            </a:extLst>
+          </p:cNvPr>
+          <p:cNvSpPr txBox="1"/>
+          <p:nvPr/>
+        </p:nvSpPr>
+        <p:spPr>
+          <a:xfrm>
+            <a:off x="8163144" y="6008579"/>
+            <a:ext cx="1324402" cy="523220"/>
+          </a:xfrm>
+          <a:prstGeom prst="rect">
+            <a:avLst/>
+          </a:prstGeom>
+          <a:noFill/>
+        </p:spPr>
+        <p:txBody>
+          <a:bodyPr wrap="none" rtlCol="0">
+            <a:spAutoFit/>
+          </a:bodyPr>
+          <a:lstStyle/>
+          <a:p>
+            <a:pPr algn="ctr"/>
+            <a:r>
+              <a:rPr lang="en-US" sz="1400" dirty="0">
+                <a:solidFill>
+                  <a:schemeClr val="tx1">
+                    <a:lumMod val="75000"/>
+                    <a:lumOff val="25000"/>
+                  </a:schemeClr>
+                </a:solidFill>
+                <a:latin typeface="Raleway" pitchFamily="2" charset="77"/>
+              </a:rPr>
+              <a:t>Robert Meyer</a:t>
+            </a:r>
+          </a:p>
+          <a:p>
+            <a:pPr algn="ctr"/>
+            <a:r>
+              <a:rPr lang="en-US" sz="1400" b="1" dirty="0">
+                <a:solidFill>
+                  <a:schemeClr val="tx1">
+                    <a:lumMod val="75000"/>
+                    <a:lumOff val="25000"/>
+                  </a:schemeClr>
+                </a:solidFill>
+                <a:latin typeface="Raleway" pitchFamily="2" charset="77"/>
+              </a:rPr>
+              <a:t>@</a:t>
+            </a:r>
+            <a:r>
+              <a:rPr lang="en-US" sz="1400" b="1" dirty="0" err="1">
+                <a:solidFill>
+                  <a:schemeClr val="tx1">
+                    <a:lumMod val="75000"/>
+                    <a:lumOff val="25000"/>
+                  </a:schemeClr>
+                </a:solidFill>
+                <a:latin typeface="Raleway" pitchFamily="2" charset="77"/>
+              </a:rPr>
+              <a:t>roeb</a:t>
+            </a:r>
+            <a:r>
+              <a:rPr lang="en-US" sz="1400" b="1" dirty="0">
+                <a:solidFill>
+                  <a:schemeClr val="tx1">
+                    <a:lumMod val="75000"/>
+                    <a:lumOff val="25000"/>
+                  </a:schemeClr>
+                </a:solidFill>
+                <a:latin typeface="Raleway" pitchFamily="2" charset="77"/>
+              </a:rPr>
+              <a:t> </a:t>
+            </a:r>
+          </a:p>
+        </p:txBody>
+      </p:sp>
+      <p:sp>
+        <p:nvSpPr>
+          <p:cNvPr id="11" name="Textfeld 5">
+            <a:extLst>
+              <a:ext uri="{FF2B5EF4-FFF2-40B4-BE49-F238E27FC236}">
+                <a16:creationId xmlns:a16="http://schemas.microsoft.com/office/drawing/2014/main" id="{F784331D-40C3-D84F-B423-6FBDB253563E}"/>
               </a:ext>
             </a:extLst>
           </p:cNvPr>
@@ -6073,10 +6051,10 @@
       </p:sp>
       <p:sp>
         <p:nvSpPr>
-          <p:cNvPr id="12" name="Textfeld 5">
-            <a:extLst>
-              <a:ext uri="{FF2B5EF4-FFF2-40B4-BE49-F238E27FC236}">
-                <a16:creationId xmlns:a16="http://schemas.microsoft.com/office/drawing/2014/main" id="{4060C95B-36D8-304E-B2A4-3DBD63E5B23B}"/>
+          <p:cNvPr id="13" name="Textfeld 5">
+            <a:extLst>
+              <a:ext uri="{FF2B5EF4-FFF2-40B4-BE49-F238E27FC236}">
+                <a16:creationId xmlns:a16="http://schemas.microsoft.com/office/drawing/2014/main" id="{CDD43A74-B697-D243-90FB-ADBC9CF6AA88}"/>
               </a:ext>
             </a:extLst>
           </p:cNvPr>
@@ -6175,41 +6153,96 @@
           </a:p>
         </p:txBody>
       </p:sp>
-      <p:sp>
-        <p:nvSpPr>
-          <p:cNvPr id="14" name="Subtitle 2">
-            <a:extLst>
-              <a:ext uri="{FF2B5EF4-FFF2-40B4-BE49-F238E27FC236}">
-                <a16:creationId xmlns:a16="http://schemas.microsoft.com/office/drawing/2014/main" id="{5A30C294-B15A-A14A-9114-6D94119310D3}"/>
-              </a:ext>
-            </a:extLst>
-          </p:cNvPr>
-          <p:cNvSpPr>
-            <a:spLocks noGrp="1"/>
-          </p:cNvSpPr>
-          <p:nvPr>
-            <p:ph type="subTitle" idx="1"/>
-          </p:nvPr>
-        </p:nvSpPr>
+      <p:pic>
+        <p:nvPicPr>
+          <p:cNvPr id="15" name="Picture 14">
+            <a:extLst>
+              <a:ext uri="{FF2B5EF4-FFF2-40B4-BE49-F238E27FC236}">
+                <a16:creationId xmlns:a16="http://schemas.microsoft.com/office/drawing/2014/main" id="{D8D68C52-BCF4-F847-8479-BA8C33D66A77}"/>
+              </a:ext>
+            </a:extLst>
+          </p:cNvPr>
+          <p:cNvPicPr>
+            <a:picLocks noChangeAspect="1"/>
+          </p:cNvPicPr>
+          <p:nvPr/>
+        </p:nvPicPr>
+        <p:blipFill>
+          <a:blip r:embed="rId2"/>
+          <a:stretch>
+            <a:fillRect/>
+          </a:stretch>
+        </p:blipFill>
         <p:spPr>
           <a:xfrm>
-            <a:off x="4207164" y="3705046"/>
-            <a:ext cx="9144000" cy="1655762"/>
+            <a:off x="6267363" y="4757805"/>
+            <a:ext cx="1250774" cy="1250774"/>
           </a:xfrm>
+          <a:prstGeom prst="rect">
+            <a:avLst/>
+          </a:prstGeom>
         </p:spPr>
-        <p:txBody>
-          <a:bodyPr/>
-          <a:lstStyle/>
-          <a:p>
-            <a:r>
-              <a:rPr lang="de-DE" dirty="0">
-                <a:latin typeface="Raleway" pitchFamily="2" charset="77"/>
-              </a:rPr>
-              <a:t>Part I</a:t>
-            </a:r>
-          </a:p>
-        </p:txBody>
-      </p:sp>
+      </p:pic>
+      <p:pic>
+        <p:nvPicPr>
+          <p:cNvPr id="16" name="Picture 15">
+            <a:extLst>
+              <a:ext uri="{FF2B5EF4-FFF2-40B4-BE49-F238E27FC236}">
+                <a16:creationId xmlns:a16="http://schemas.microsoft.com/office/drawing/2014/main" id="{416F35C0-EFEB-9C49-9FFC-71BF8BA5BADC}"/>
+              </a:ext>
+            </a:extLst>
+          </p:cNvPr>
+          <p:cNvPicPr>
+            <a:picLocks noChangeAspect="1"/>
+          </p:cNvPicPr>
+          <p:nvPr/>
+        </p:nvPicPr>
+        <p:blipFill>
+          <a:blip r:embed="rId3"/>
+          <a:stretch>
+            <a:fillRect/>
+          </a:stretch>
+        </p:blipFill>
+        <p:spPr>
+          <a:xfrm>
+            <a:off x="8245153" y="4803756"/>
+            <a:ext cx="1160383" cy="1204823"/>
+          </a:xfrm>
+          <a:prstGeom prst="rect">
+            <a:avLst/>
+          </a:prstGeom>
+        </p:spPr>
+      </p:pic>
+      <p:pic>
+        <p:nvPicPr>
+          <p:cNvPr id="17" name="Picture 16">
+            <a:extLst>
+              <a:ext uri="{FF2B5EF4-FFF2-40B4-BE49-F238E27FC236}">
+                <a16:creationId xmlns:a16="http://schemas.microsoft.com/office/drawing/2014/main" id="{8580C0F2-5D47-044D-B5EA-262F484173A6}"/>
+              </a:ext>
+            </a:extLst>
+          </p:cNvPr>
+          <p:cNvPicPr>
+            <a:picLocks noChangeAspect="1"/>
+          </p:cNvPicPr>
+          <p:nvPr/>
+        </p:nvPicPr>
+        <p:blipFill>
+          <a:blip r:embed="rId4"/>
+          <a:stretch>
+            <a:fillRect/>
+          </a:stretch>
+        </p:blipFill>
+        <p:spPr>
+          <a:xfrm>
+            <a:off x="9887180" y="4740681"/>
+            <a:ext cx="1423554" cy="1240253"/>
+          </a:xfrm>
+          <a:prstGeom prst="rect">
+            <a:avLst/>
+          </a:prstGeom>
+        </p:spPr>
+      </p:pic>
     </p:spTree>
     <p:extLst>
       <p:ext uri="{BB962C8B-B14F-4D97-AF65-F5344CB8AC3E}">
